--- a/FunPro/C#/Lectures/lecture3.pptx
+++ b/FunPro/C#/Lectures/lecture3.pptx
@@ -252,7 +252,7 @@
           <a:p>
             <a:fld id="{C2272412-ECD9-4589-8F80-ED35644F1A6B}" type="datetimeFigureOut">
               <a:rPr lang="en-US" smtClean="0"/>
-              <a:t>9/6/2019</a:t>
+              <a:t>2020-10-09</a:t>
             </a:fld>
             <a:endParaRPr lang="en-US"/>
           </a:p>
@@ -417,7 +417,7 @@
           <a:p>
             <a:fld id="{BBBF1182-A44F-4132-B302-A5D88F41F15F}" type="datetimeFigureOut">
               <a:rPr lang="en-GB" smtClean="0"/>
-              <a:t>06/09/2019</a:t>
+              <a:t>09/10/2020</a:t>
             </a:fld>
             <a:endParaRPr lang="en-GB"/>
           </a:p>
@@ -481,35 +481,35 @@
           <a:p>
             <a:pPr lvl="0"/>
             <a:r>
-              <a:rPr lang="en-US" smtClean="0"/>
+              <a:rPr lang="en-US"/>
               <a:t>Click to edit Master text styles</a:t>
             </a:r>
           </a:p>
           <a:p>
             <a:pPr lvl="1"/>
             <a:r>
-              <a:rPr lang="en-US" smtClean="0"/>
+              <a:rPr lang="en-US"/>
               <a:t>Second level</a:t>
             </a:r>
           </a:p>
           <a:p>
             <a:pPr lvl="2"/>
             <a:r>
-              <a:rPr lang="en-US" smtClean="0"/>
+              <a:rPr lang="en-US"/>
               <a:t>Third level</a:t>
             </a:r>
           </a:p>
           <a:p>
             <a:pPr lvl="3"/>
             <a:r>
-              <a:rPr lang="en-US" smtClean="0"/>
+              <a:rPr lang="en-US"/>
               <a:t>Fourth level</a:t>
             </a:r>
           </a:p>
           <a:p>
             <a:pPr lvl="4"/>
             <a:r>
-              <a:rPr lang="en-US" smtClean="0"/>
+              <a:rPr lang="en-US"/>
               <a:t>Fifth level</a:t>
             </a:r>
             <a:endParaRPr lang="en-GB"/>
@@ -3079,7 +3079,7 @@
           <a:p>
             <a:pPr lvl="0"/>
             <a:r>
-              <a:rPr lang="en-GB" dirty="0" smtClean="0"/>
+              <a:rPr lang="en-GB" dirty="0"/>
               <a:t>Presentation Title </a:t>
             </a:r>
             <a:endParaRPr lang="en-US" dirty="0"/>
@@ -3145,13 +3145,6 @@
   <p:clrMapOvr>
     <a:masterClrMapping/>
   </p:clrMapOvr>
-  <p:timing>
-    <p:tnLst>
-      <p:par>
-        <p:cTn id="1" dur="indefinite" restart="never" nodeType="tmRoot"/>
-      </p:par>
-    </p:tnLst>
-  </p:timing>
 </p:sldLayout>
 </file>
 
@@ -3334,10 +3327,10 @@
           <a:p>
             <a:pPr lvl="0"/>
             <a:r>
-              <a:rPr lang="en-GB" dirty="0" smtClean="0"/>
+              <a:rPr lang="en-GB" dirty="0"/>
               <a:t>Slide title </a:t>
             </a:r>
-            <a:endParaRPr lang="en-US" dirty="0" smtClean="0"/>
+            <a:endParaRPr lang="en-US" dirty="0"/>
           </a:p>
         </p:txBody>
       </p:sp>
@@ -3370,7 +3363,7 @@
           <a:p>
             <a:pPr lvl="0"/>
             <a:r>
-              <a:rPr lang="en-US" dirty="0" smtClean="0"/>
+              <a:rPr lang="en-US" dirty="0"/>
               <a:t>Text</a:t>
             </a:r>
           </a:p>
@@ -3386,13 +3379,6 @@
   <p:clrMapOvr>
     <a:masterClrMapping/>
   </p:clrMapOvr>
-  <p:timing>
-    <p:tnLst>
-      <p:par>
-        <p:cTn id="1" dur="indefinite" restart="never" nodeType="tmRoot"/>
-      </p:par>
-    </p:tnLst>
-  </p:timing>
 </p:sldLayout>
 </file>
 
@@ -3441,10 +3427,9 @@
           </a:lstStyle>
           <a:p>
             <a:r>
-              <a:rPr lang="en-US" smtClean="0"/>
+              <a:rPr lang="en-US"/>
               <a:t>Click to edit Master title style</a:t>
             </a:r>
-            <a:endParaRPr lang="en-US"/>
           </a:p>
         </p:txBody>
       </p:sp>
@@ -3509,10 +3494,9 @@
           </a:lstStyle>
           <a:p>
             <a:r>
-              <a:rPr lang="en-US" smtClean="0"/>
+              <a:rPr lang="en-US"/>
               <a:t>Click to edit Master subtitle style</a:t>
             </a:r>
-            <a:endParaRPr lang="en-US"/>
           </a:p>
         </p:txBody>
       </p:sp>
@@ -3541,7 +3525,7 @@
           <a:p>
             <a:fld id="{D461EBD1-15FC-4EB6-AA62-F7669D922D59}" type="datetimeFigureOut">
               <a:rPr lang="en-US" smtClean="0"/>
-              <a:t>9/6/2019</a:t>
+              <a:t>2020-10-09</a:t>
             </a:fld>
             <a:endParaRPr lang="en-US"/>
           </a:p>
@@ -3615,13 +3599,6 @@
   <p:clrMapOvr>
     <a:masterClrMapping/>
   </p:clrMapOvr>
-  <p:timing>
-    <p:tnLst>
-      <p:par>
-        <p:cTn id="1" dur="indefinite" restart="never" nodeType="tmRoot"/>
-      </p:par>
-    </p:tnLst>
-  </p:timing>
 </p:sldLayout>
 </file>
 
@@ -3739,13 +3716,6 @@
     <p:sldLayoutId id="2147483650" r:id="rId2"/>
     <p:sldLayoutId id="2147483651" r:id="rId3"/>
   </p:sldLayoutIdLst>
-  <p:timing>
-    <p:tnLst>
-      <p:par>
-        <p:cTn id="1" dur="indefinite" restart="never" nodeType="tmRoot"/>
-      </p:par>
-    </p:tnLst>
-  </p:timing>
   <p:txStyles>
     <p:titleStyle>
       <a:lvl1pPr algn="l" defTabSz="914400" rtl="0" eaLnBrk="1" latinLnBrk="0" hangingPunct="1">
@@ -4056,13 +4026,6 @@
   <p:clrMapOvr>
     <a:masterClrMapping/>
   </p:clrMapOvr>
-  <p:timing>
-    <p:tnLst>
-      <p:par>
-        <p:cTn id="1" dur="indefinite" restart="never" nodeType="tmRoot"/>
-      </p:par>
-    </p:tnLst>
-  </p:timing>
 </p:sld>
 </file>
 
@@ -4100,11 +4063,7 @@
           <a:p>
             <a:r>
               <a:rPr lang="en-US" altLang="en-US" dirty="0"/>
-              <a:t>Multiple </a:t>
-            </a:r>
-            <a:r>
-              <a:rPr lang="en-US" altLang="en-US" dirty="0" smtClean="0"/>
-              <a:t>Alternatives</a:t>
+              <a:t>Multiple Alternatives</a:t>
             </a:r>
             <a:endParaRPr lang="en-US" dirty="0"/>
           </a:p>
@@ -4129,7 +4088,7 @@
               <a:buNone/>
             </a:pPr>
             <a:r>
-              <a:rPr lang="en-US" sz="2800" dirty="0" smtClean="0"/>
+              <a:rPr lang="en-US" sz="2800" dirty="0"/>
               <a:t>Order matters:</a:t>
             </a:r>
           </a:p>
@@ -4143,7 +4102,7 @@
             <a:pPr marL="0" indent="0">
               <a:buNone/>
             </a:pPr>
-            <a:endParaRPr lang="en-US" sz="2800" dirty="0" smtClean="0"/>
+            <a:endParaRPr lang="en-US" sz="2800" dirty="0"/>
           </a:p>
           <a:p>
             <a:pPr marL="0" indent="0">
@@ -4162,7 +4121,7 @@
               <a:buNone/>
             </a:pPr>
             <a:r>
-              <a:rPr lang="en-US" sz="2800" dirty="0" smtClean="0"/>
+              <a:rPr lang="en-US" sz="2800" dirty="0"/>
               <a:t>…</a:t>
             </a:r>
           </a:p>
@@ -4171,10 +4130,9 @@
               <a:buNone/>
             </a:pPr>
             <a:r>
-              <a:rPr lang="en-US" sz="2800" dirty="0" smtClean="0"/>
+              <a:rPr lang="en-US" sz="2800" dirty="0"/>
               <a:t>Do not omit “else”:</a:t>
             </a:r>
-            <a:endParaRPr lang="en-US" sz="2800" dirty="0"/>
           </a:p>
         </p:txBody>
       </p:sp>
@@ -4210,7 +4168,7 @@
               </a:lnSpc>
             </a:pPr>
             <a:r>
-              <a:rPr lang="en-US" b="1" dirty="0" smtClean="0">
+              <a:rPr lang="en-US" b="1" dirty="0">
                 <a:solidFill>
                   <a:srgbClr val="083FA4"/>
                 </a:solidFill>
@@ -4220,21 +4178,21 @@
               <a:t>	if (</a:t>
             </a:r>
             <a:r>
-              <a:rPr lang="en-US" b="1" dirty="0" err="1" smtClean="0">
+              <a:rPr lang="en-US" b="1" dirty="0" err="1">
                 <a:latin typeface="Courier New" panose="02070309020205020404" pitchFamily="49" charset="0"/>
                 <a:cs typeface="Courier New" panose="02070309020205020404" pitchFamily="49" charset="0"/>
               </a:rPr>
               <a:t>richter</a:t>
             </a:r>
             <a:r>
-              <a:rPr lang="en-US" b="1" dirty="0" smtClean="0">
+              <a:rPr lang="en-US" b="1" dirty="0">
                 <a:latin typeface="Courier New" panose="02070309020205020404" pitchFamily="49" charset="0"/>
                 <a:cs typeface="Courier New" panose="02070309020205020404" pitchFamily="49" charset="0"/>
               </a:rPr>
               <a:t> &gt;= 0)</a:t>
             </a:r>
             <a:r>
-              <a:rPr lang="en-US" b="1" dirty="0" smtClean="0">
+              <a:rPr lang="en-US" b="1" dirty="0">
                 <a:solidFill>
                   <a:srgbClr val="083FA4"/>
                 </a:solidFill>
@@ -4242,16 +4200,6 @@
                 <a:cs typeface="Courier New" panose="02070309020205020404" pitchFamily="49" charset="0"/>
               </a:rPr>
               <a:t> </a:t>
-            </a:r>
-            <a:r>
-              <a:rPr lang="en-US" altLang="en-US" b="1" dirty="0" smtClean="0">
-                <a:solidFill>
-                  <a:srgbClr val="00B050"/>
-                </a:solidFill>
-                <a:latin typeface="Courier New" panose="02070309020205020404" pitchFamily="49" charset="0"/>
-                <a:cs typeface="Courier New" panose="02070309020205020404" pitchFamily="49" charset="0"/>
-              </a:rPr>
-              <a:t>//always </a:t>
             </a:r>
             <a:r>
               <a:rPr lang="en-US" altLang="en-US" b="1" dirty="0">
@@ -4261,7 +4209,7 @@
                 <a:latin typeface="Courier New" panose="02070309020205020404" pitchFamily="49" charset="0"/>
                 <a:cs typeface="Courier New" panose="02070309020205020404" pitchFamily="49" charset="0"/>
               </a:rPr>
-              <a:t>passes</a:t>
+              <a:t>//always passes</a:t>
             </a:r>
             <a:endParaRPr lang="en-US" b="1" dirty="0">
               <a:solidFill>
@@ -4278,21 +4226,14 @@
               </a:lnSpc>
             </a:pPr>
             <a:r>
-              <a:rPr lang="en-US" b="1" dirty="0" smtClean="0">
-                <a:latin typeface="Courier New" panose="02070309020205020404" pitchFamily="49" charset="0"/>
-                <a:cs typeface="Courier New" panose="02070309020205020404" pitchFamily="49" charset="0"/>
-              </a:rPr>
-              <a:t>     		r </a:t>
-            </a:r>
-            <a:r>
               <a:rPr lang="en-US" b="1" dirty="0">
                 <a:latin typeface="Courier New" panose="02070309020205020404" pitchFamily="49" charset="0"/>
                 <a:cs typeface="Courier New" panose="02070309020205020404" pitchFamily="49" charset="0"/>
               </a:rPr>
-              <a:t>= </a:t>
-            </a:r>
-            <a:r>
-              <a:rPr lang="en-US" b="1" dirty="0" smtClean="0">
+              <a:t>     		r = </a:t>
+            </a:r>
+            <a:r>
+              <a:rPr lang="en-US" b="1" dirty="0">
                 <a:solidFill>
                   <a:srgbClr val="C00000"/>
                 </a:solidFill>
@@ -4302,7 +4243,7 @@
               <a:t>"Generally not felt by people“</a:t>
             </a:r>
             <a:r>
-              <a:rPr lang="en-US" b="1" dirty="0" smtClean="0">
+              <a:rPr lang="en-US" b="1" dirty="0">
                 <a:latin typeface="Courier New" panose="02070309020205020404" pitchFamily="49" charset="0"/>
                 <a:cs typeface="Courier New" panose="02070309020205020404" pitchFamily="49" charset="0"/>
               </a:rPr>
@@ -4316,7 +4257,7 @@
               </a:lnSpc>
             </a:pPr>
             <a:r>
-              <a:rPr lang="en-US" b="1" dirty="0" smtClean="0">
+              <a:rPr lang="en-US" b="1" dirty="0">
                 <a:solidFill>
                   <a:srgbClr val="083FA4"/>
                 </a:solidFill>
@@ -4326,7 +4267,7 @@
               <a:t>	else if </a:t>
             </a:r>
             <a:r>
-              <a:rPr lang="en-US" b="1" dirty="0" smtClean="0">
+              <a:rPr lang="en-US" b="1" dirty="0">
                 <a:latin typeface="Courier New" panose="02070309020205020404" pitchFamily="49" charset="0"/>
                 <a:cs typeface="Courier New" panose="02070309020205020404" pitchFamily="49" charset="0"/>
               </a:rPr>
@@ -4337,38 +4278,17 @@
                 <a:latin typeface="Courier New" panose="02070309020205020404" pitchFamily="49" charset="0"/>
                 <a:cs typeface="Courier New" panose="02070309020205020404" pitchFamily="49" charset="0"/>
               </a:rPr>
-              <a:t>r</a:t>
-            </a:r>
-            <a:r>
-              <a:rPr lang="en-US" b="1" dirty="0" err="1" smtClean="0">
-                <a:latin typeface="Courier New" panose="02070309020205020404" pitchFamily="49" charset="0"/>
-                <a:cs typeface="Courier New" panose="02070309020205020404" pitchFamily="49" charset="0"/>
-              </a:rPr>
-              <a:t>ichter</a:t>
-            </a:r>
-            <a:r>
-              <a:rPr lang="en-US" b="1" dirty="0" smtClean="0">
-                <a:latin typeface="Courier New" panose="02070309020205020404" pitchFamily="49" charset="0"/>
-                <a:cs typeface="Courier New" panose="02070309020205020404" pitchFamily="49" charset="0"/>
-              </a:rPr>
-              <a:t> </a:t>
+              <a:t>richter</a:t>
             </a:r>
             <a:r>
               <a:rPr lang="en-US" b="1" dirty="0">
                 <a:latin typeface="Courier New" panose="02070309020205020404" pitchFamily="49" charset="0"/>
                 <a:cs typeface="Courier New" panose="02070309020205020404" pitchFamily="49" charset="0"/>
               </a:rPr>
-              <a:t>&gt;= </a:t>
-            </a:r>
-            <a:r>
-              <a:rPr lang="en-US" b="1" dirty="0" smtClean="0">
-                <a:latin typeface="Courier New" panose="02070309020205020404" pitchFamily="49" charset="0"/>
-                <a:cs typeface="Courier New" panose="02070309020205020404" pitchFamily="49" charset="0"/>
-              </a:rPr>
-              <a:t>3.5) </a:t>
-            </a:r>
-            <a:r>
-              <a:rPr lang="en-US" altLang="en-US" b="1" dirty="0" smtClean="0">
+              <a:t> &gt;= 3.5) </a:t>
+            </a:r>
+            <a:r>
+              <a:rPr lang="en-US" altLang="en-US" b="1" dirty="0">
                 <a:solidFill>
                   <a:srgbClr val="00B050"/>
                 </a:solidFill>
@@ -4377,7 +4297,7 @@
               </a:rPr>
               <a:t>//not tested</a:t>
             </a:r>
-            <a:endParaRPr lang="en-US" b="1" dirty="0" smtClean="0">
+            <a:endParaRPr lang="en-US" b="1" dirty="0">
               <a:solidFill>
                 <a:srgbClr val="083FA4"/>
               </a:solidFill>
@@ -4392,7 +4312,7 @@
               </a:lnSpc>
             </a:pPr>
             <a:r>
-              <a:rPr lang="en-US" b="1" dirty="0" smtClean="0">
+              <a:rPr lang="en-US" b="1" dirty="0">
                 <a:solidFill>
                   <a:srgbClr val="3D0EEA"/>
                 </a:solidFill>
@@ -4402,18 +4322,11 @@
               <a:t>		</a:t>
             </a:r>
             <a:r>
-              <a:rPr lang="en-US" b="1" dirty="0" smtClean="0">
-                <a:latin typeface="Courier New" panose="02070309020205020404" pitchFamily="49" charset="0"/>
-                <a:cs typeface="Courier New" panose="02070309020205020404" pitchFamily="49" charset="0"/>
-              </a:rPr>
-              <a:t>r </a:t>
-            </a:r>
-            <a:r>
               <a:rPr lang="en-US" b="1" dirty="0">
                 <a:latin typeface="Courier New" panose="02070309020205020404" pitchFamily="49" charset="0"/>
                 <a:cs typeface="Courier New" panose="02070309020205020404" pitchFamily="49" charset="0"/>
               </a:rPr>
-              <a:t>= </a:t>
+              <a:t>r = </a:t>
             </a:r>
             <a:r>
               <a:rPr lang="en-US" b="1" dirty="0">
@@ -4423,17 +4336,7 @@
                 <a:latin typeface="Courier New" panose="02070309020205020404" pitchFamily="49" charset="0"/>
                 <a:cs typeface="Courier New" panose="02070309020205020404" pitchFamily="49" charset="0"/>
               </a:rPr>
-              <a:t>"Felt by many people, no </a:t>
-            </a:r>
-            <a:r>
-              <a:rPr lang="en-US" b="1" dirty="0" smtClean="0">
-                <a:solidFill>
-                  <a:srgbClr val="C00000"/>
-                </a:solidFill>
-                <a:latin typeface="Courier New" panose="02070309020205020404" pitchFamily="49" charset="0"/>
-                <a:cs typeface="Courier New" panose="02070309020205020404" pitchFamily="49" charset="0"/>
-              </a:rPr>
-              <a:t>destruction“</a:t>
+              <a:t>"Felt by many people, no destruction“</a:t>
             </a:r>
             <a:r>
               <a:rPr lang="en-US" b="1" dirty="0">
@@ -4442,7 +4345,7 @@
               </a:rPr>
               <a:t>;</a:t>
             </a:r>
-            <a:endParaRPr lang="en-US" b="1" dirty="0" smtClean="0">
+            <a:endParaRPr lang="en-US" b="1" dirty="0">
               <a:solidFill>
                 <a:srgbClr val="C00000"/>
               </a:solidFill>
@@ -4484,7 +4387,7 @@
               </a:lnSpc>
             </a:pPr>
             <a:r>
-              <a:rPr lang="en-US" b="1" dirty="0" smtClean="0">
+              <a:rPr lang="en-US" b="1" dirty="0">
                 <a:solidFill>
                   <a:srgbClr val="083FA4"/>
                 </a:solidFill>
@@ -4494,27 +4397,27 @@
               <a:t>	if </a:t>
             </a:r>
             <a:r>
-              <a:rPr lang="en-US" b="1" dirty="0" smtClean="0">
+              <a:rPr lang="en-US" b="1" dirty="0">
                 <a:latin typeface="Courier New" panose="02070309020205020404" pitchFamily="49" charset="0"/>
                 <a:cs typeface="Courier New" panose="02070309020205020404" pitchFamily="49" charset="0"/>
               </a:rPr>
               <a:t>(</a:t>
             </a:r>
             <a:r>
-              <a:rPr lang="en-US" b="1" dirty="0" err="1" smtClean="0">
+              <a:rPr lang="en-US" b="1" dirty="0" err="1">
                 <a:latin typeface="Courier New" panose="02070309020205020404" pitchFamily="49" charset="0"/>
                 <a:cs typeface="Courier New" panose="02070309020205020404" pitchFamily="49" charset="0"/>
               </a:rPr>
               <a:t>richter</a:t>
             </a:r>
             <a:r>
-              <a:rPr lang="en-US" b="1" dirty="0" smtClean="0">
+              <a:rPr lang="en-US" b="1" dirty="0">
                 <a:latin typeface="Courier New" panose="02070309020205020404" pitchFamily="49" charset="0"/>
                 <a:cs typeface="Courier New" panose="02070309020205020404" pitchFamily="49" charset="0"/>
               </a:rPr>
               <a:t> &gt;= 8.0)</a:t>
             </a:r>
-            <a:endParaRPr lang="en-US" b="1" dirty="0" smtClean="0">
+            <a:endParaRPr lang="en-US" b="1" dirty="0">
               <a:solidFill>
                 <a:srgbClr val="083FA4"/>
               </a:solidFill>
@@ -4529,14 +4432,14 @@
               </a:lnSpc>
             </a:pPr>
             <a:r>
-              <a:rPr lang="en-US" b="1" dirty="0" smtClean="0">
+              <a:rPr lang="en-US" b="1" dirty="0">
                 <a:latin typeface="Courier New" panose="02070309020205020404" pitchFamily="49" charset="0"/>
                 <a:cs typeface="Courier New" panose="02070309020205020404" pitchFamily="49" charset="0"/>
               </a:rPr>
               <a:t>     		r = </a:t>
             </a:r>
             <a:r>
-              <a:rPr lang="en-US" b="1" dirty="0" smtClean="0">
+              <a:rPr lang="en-US" b="1" dirty="0">
                 <a:solidFill>
                   <a:srgbClr val="C00000"/>
                 </a:solidFill>
@@ -4552,10 +4455,6 @@
               </a:rPr>
               <a:t>;</a:t>
             </a:r>
-            <a:endParaRPr lang="en-US" b="1" dirty="0" smtClean="0">
-              <a:latin typeface="Courier New" panose="02070309020205020404" pitchFamily="49" charset="0"/>
-              <a:cs typeface="Courier New" panose="02070309020205020404" pitchFamily="49" charset="0"/>
-            </a:endParaRPr>
           </a:p>
           <a:p>
             <a:pPr>
@@ -4564,7 +4463,7 @@
               </a:lnSpc>
             </a:pPr>
             <a:r>
-              <a:rPr lang="en-US" b="1" dirty="0" smtClean="0">
+              <a:rPr lang="en-US" b="1" dirty="0">
                 <a:solidFill>
                   <a:srgbClr val="083FA4"/>
                 </a:solidFill>
@@ -4574,42 +4473,28 @@
               <a:t>	if </a:t>
             </a:r>
             <a:r>
-              <a:rPr lang="en-US" b="1" dirty="0" smtClean="0">
-                <a:latin typeface="Courier New" panose="02070309020205020404" pitchFamily="49" charset="0"/>
-                <a:cs typeface="Courier New" panose="02070309020205020404" pitchFamily="49" charset="0"/>
-              </a:rPr>
-              <a:t>(</a:t>
-            </a:r>
-            <a:r>
-              <a:rPr lang="en-US" b="1" dirty="0" err="1" smtClean="0">
-                <a:latin typeface="Courier New" panose="02070309020205020404" pitchFamily="49" charset="0"/>
-                <a:cs typeface="Courier New" panose="02070309020205020404" pitchFamily="49" charset="0"/>
-              </a:rPr>
-              <a:t>richter</a:t>
-            </a:r>
-            <a:r>
-              <a:rPr lang="en-US" b="1" dirty="0" smtClean="0">
-                <a:latin typeface="Courier New" panose="02070309020205020404" pitchFamily="49" charset="0"/>
-                <a:cs typeface="Courier New" panose="02070309020205020404" pitchFamily="49" charset="0"/>
-              </a:rPr>
-              <a:t> </a:t>
-            </a:r>
-            <a:r>
               <a:rPr lang="en-US" b="1" dirty="0">
                 <a:latin typeface="Courier New" panose="02070309020205020404" pitchFamily="49" charset="0"/>
                 <a:cs typeface="Courier New" panose="02070309020205020404" pitchFamily="49" charset="0"/>
               </a:rPr>
-              <a:t>&gt;= </a:t>
-            </a:r>
-            <a:r>
-              <a:rPr lang="en-US" b="1" dirty="0" smtClean="0">
+              <a:t>(</a:t>
+            </a:r>
+            <a:r>
+              <a:rPr lang="en-US" b="1" dirty="0" err="1">
                 <a:latin typeface="Courier New" panose="02070309020205020404" pitchFamily="49" charset="0"/>
                 <a:cs typeface="Courier New" panose="02070309020205020404" pitchFamily="49" charset="0"/>
               </a:rPr>
-              <a:t>7.0)</a:t>
-            </a:r>
-            <a:r>
-              <a:rPr lang="en-US" b="1" dirty="0" smtClean="0">
+              <a:t>richter</a:t>
+            </a:r>
+            <a:r>
+              <a:rPr lang="en-US" b="1" dirty="0">
+                <a:latin typeface="Courier New" panose="02070309020205020404" pitchFamily="49" charset="0"/>
+                <a:cs typeface="Courier New" panose="02070309020205020404" pitchFamily="49" charset="0"/>
+              </a:rPr>
+              <a:t> &gt;= 7.0)</a:t>
+            </a:r>
+            <a:r>
+              <a:rPr lang="en-US" b="1" dirty="0">
                 <a:solidFill>
                   <a:srgbClr val="083FA4"/>
                 </a:solidFill>
@@ -4619,7 +4504,7 @@
               <a:t> </a:t>
             </a:r>
             <a:r>
-              <a:rPr lang="en-US" altLang="en-US" b="1" dirty="0" smtClean="0">
+              <a:rPr lang="en-US" altLang="en-US" b="1" dirty="0">
                 <a:solidFill>
                   <a:srgbClr val="00B050"/>
                 </a:solidFill>
@@ -4628,7 +4513,7 @@
               </a:rPr>
               <a:t>//omitted Else, ERROR is returned</a:t>
             </a:r>
-            <a:endParaRPr lang="en-US" b="1" dirty="0" smtClean="0">
+            <a:endParaRPr lang="en-US" b="1" dirty="0">
               <a:solidFill>
                 <a:srgbClr val="083FA4"/>
               </a:solidFill>
@@ -4643,7 +4528,7 @@
               </a:lnSpc>
             </a:pPr>
             <a:r>
-              <a:rPr lang="en-US" b="1" dirty="0" smtClean="0">
+              <a:rPr lang="en-US" b="1" dirty="0">
                 <a:solidFill>
                   <a:srgbClr val="3D0EEA"/>
                 </a:solidFill>
@@ -4653,21 +4538,14 @@
               <a:t>		</a:t>
             </a:r>
             <a:r>
-              <a:rPr lang="en-US" b="1" dirty="0" smtClean="0">
-                <a:latin typeface="Courier New" panose="02070309020205020404" pitchFamily="49" charset="0"/>
-                <a:cs typeface="Courier New" panose="02070309020205020404" pitchFamily="49" charset="0"/>
-              </a:rPr>
-              <a:t>r </a:t>
-            </a:r>
-            <a:r>
               <a:rPr lang="en-US" b="1" dirty="0">
                 <a:latin typeface="Courier New" panose="02070309020205020404" pitchFamily="49" charset="0"/>
                 <a:cs typeface="Courier New" panose="02070309020205020404" pitchFamily="49" charset="0"/>
               </a:rPr>
-              <a:t>= </a:t>
-            </a:r>
-            <a:r>
-              <a:rPr lang="en-US" b="1" dirty="0" smtClean="0">
+              <a:t>r = </a:t>
+            </a:r>
+            <a:r>
+              <a:rPr lang="en-US" b="1" dirty="0">
                 <a:solidFill>
                   <a:srgbClr val="C00000"/>
                 </a:solidFill>
@@ -4683,7 +4561,7 @@
               </a:rPr>
               <a:t>;</a:t>
             </a:r>
-            <a:endParaRPr lang="en-US" b="1" dirty="0" smtClean="0">
+            <a:endParaRPr lang="en-US" b="1" dirty="0">
               <a:solidFill>
                 <a:srgbClr val="3D0EEA"/>
               </a:solidFill>
@@ -4703,13 +4581,6 @@
   <p:clrMapOvr>
     <a:masterClrMapping/>
   </p:clrMapOvr>
-  <p:timing>
-    <p:tnLst>
-      <p:par>
-        <p:cTn id="1" dur="indefinite" restart="never" nodeType="tmRoot"/>
-      </p:par>
-    </p:tnLst>
-  </p:timing>
 </p:sld>
 </file>
 
@@ -4881,18 +4752,9 @@
               <a:buNone/>
             </a:pPr>
             <a:r>
-              <a:rPr lang="en-US" sz="3200" dirty="0" smtClean="0"/>
-              <a:t>Branch </a:t>
-            </a:r>
-            <a:r>
               <a:rPr lang="en-US" sz="3200" dirty="0"/>
-              <a:t>inside another </a:t>
-            </a:r>
-            <a:r>
-              <a:rPr lang="en-US" sz="3200" dirty="0" smtClean="0"/>
-              <a:t>branch:</a:t>
-            </a:r>
-            <a:endParaRPr lang="en-US" sz="3200" dirty="0"/>
+              <a:t>Branch inside another branch:</a:t>
+            </a:r>
           </a:p>
           <a:p>
             <a:pPr marL="3200400" lvl="7" indent="0" fontAlgn="t">
@@ -4905,7 +4767,7 @@
               <a:buNone/>
             </a:pPr>
             <a:r>
-              <a:rPr lang="en-US" sz="2600" dirty="0" smtClean="0">
+              <a:rPr lang="en-US" sz="2600" dirty="0">
                 <a:solidFill>
                   <a:srgbClr val="083FA4"/>
                 </a:solidFill>
@@ -4913,11 +4775,11 @@
               <a:t>if</a:t>
             </a:r>
             <a:r>
-              <a:rPr lang="en-US" sz="2600" dirty="0" smtClean="0"/>
+              <a:rPr lang="en-US" sz="2600" dirty="0"/>
               <a:t> </a:t>
             </a:r>
             <a:r>
-              <a:rPr lang="en-US" sz="2600" i="1" dirty="0" smtClean="0"/>
+              <a:rPr lang="en-US" sz="2600" i="1" dirty="0"/>
               <a:t>(condition1)</a:t>
             </a:r>
           </a:p>
@@ -4935,7 +4797,6 @@
               <a:rPr lang="en-US" sz="2600" dirty="0"/>
               <a:t>{</a:t>
             </a:r>
-            <a:endParaRPr lang="en-US" sz="2600" dirty="0" smtClean="0"/>
           </a:p>
           <a:p>
             <a:pPr marL="3200400" lvl="7" indent="0" fontAlgn="t">
@@ -4948,7 +4809,7 @@
               <a:buNone/>
             </a:pPr>
             <a:r>
-              <a:rPr lang="en-US" sz="2000" dirty="0" smtClean="0">
+              <a:rPr lang="en-US" sz="2000" dirty="0">
                 <a:solidFill>
                   <a:srgbClr val="083FA4"/>
                 </a:solidFill>
@@ -4956,68 +4817,52 @@
               <a:t>	if</a:t>
             </a:r>
             <a:r>
-              <a:rPr lang="en-US" sz="2000" dirty="0" smtClean="0"/>
-              <a:t> </a:t>
-            </a:r>
-            <a:r>
               <a:rPr lang="en-US" sz="2000" dirty="0"/>
-              <a:t>(</a:t>
+              <a:t> (</a:t>
             </a:r>
             <a:r>
               <a:rPr lang="en-US" sz="2000" i="1" dirty="0"/>
               <a:t>condition1a</a:t>
             </a:r>
             <a:r>
-              <a:rPr lang="en-US" sz="2000" dirty="0" smtClean="0"/>
+              <a:rPr lang="en-US" sz="2000" dirty="0"/>
               <a:t>)</a:t>
-            </a:r>
-            <a:r>
-              <a:rPr lang="en-US" sz="2000" dirty="0"/>
-              <a:t/>
             </a:r>
             <a:br>
               <a:rPr lang="en-US" sz="2000" dirty="0"/>
             </a:br>
             <a:r>
-              <a:rPr lang="en-US" sz="2000" dirty="0" smtClean="0"/>
+              <a:rPr lang="en-US" sz="2000" dirty="0"/>
               <a:t>          </a:t>
             </a:r>
             <a:r>
-              <a:rPr lang="en-US" sz="2000" i="1" dirty="0" smtClean="0"/>
+              <a:rPr lang="en-US" sz="2000" i="1" dirty="0"/>
               <a:t>statement1a</a:t>
-            </a:r>
-            <a:r>
-              <a:rPr lang="en-US" sz="2000" dirty="0"/>
-              <a:t/>
             </a:r>
             <a:br>
               <a:rPr lang="en-US" sz="2000" dirty="0"/>
             </a:br>
             <a:r>
-              <a:rPr lang="en-US" sz="2000" dirty="0" smtClean="0"/>
+              <a:rPr lang="en-US" sz="2000" dirty="0"/>
               <a:t>	</a:t>
             </a:r>
             <a:r>
-              <a:rPr lang="en-US" sz="2000" dirty="0" smtClean="0">
+              <a:rPr lang="en-US" sz="2000" dirty="0">
                 <a:solidFill>
                   <a:srgbClr val="083FA4"/>
                 </a:solidFill>
               </a:rPr>
               <a:t>else</a:t>
             </a:r>
-            <a:r>
-              <a:rPr lang="en-US" sz="2000" dirty="0"/>
-              <a:t/>
-            </a:r>
             <a:br>
               <a:rPr lang="en-US" sz="2000" dirty="0"/>
             </a:br>
             <a:r>
-              <a:rPr lang="en-US" sz="2000" dirty="0" smtClean="0"/>
+              <a:rPr lang="en-US" sz="2000" dirty="0"/>
               <a:t>          </a:t>
             </a:r>
             <a:r>
-              <a:rPr lang="en-US" sz="2000" i="1" dirty="0" smtClean="0"/>
+              <a:rPr lang="en-US" sz="2000" i="1" dirty="0"/>
               <a:t>statement1b</a:t>
             </a:r>
             <a:endParaRPr lang="en-US" sz="2000" dirty="0"/>
@@ -5033,37 +4878,29 @@
               <a:buNone/>
             </a:pPr>
             <a:r>
-              <a:rPr lang="en-US" sz="2400" dirty="0" smtClean="0"/>
+              <a:rPr lang="en-US" sz="2400" dirty="0"/>
               <a:t>}</a:t>
-            </a:r>
-            <a:r>
-              <a:rPr lang="en-US" sz="2600" dirty="0"/>
-              <a:t/>
             </a:r>
             <a:br>
               <a:rPr lang="en-US" sz="2600" dirty="0"/>
             </a:br>
             <a:r>
-              <a:rPr lang="en-US" sz="2600" dirty="0" smtClean="0">
+              <a:rPr lang="en-US" sz="2600" dirty="0">
                 <a:solidFill>
                   <a:srgbClr val="083FA4"/>
                 </a:solidFill>
               </a:rPr>
               <a:t>else</a:t>
             </a:r>
-            <a:r>
-              <a:rPr lang="en-US" sz="2600" dirty="0"/>
-              <a:t/>
-            </a:r>
             <a:br>
               <a:rPr lang="en-US" sz="2600" dirty="0"/>
             </a:br>
             <a:r>
-              <a:rPr lang="en-US" sz="2600" dirty="0" smtClean="0"/>
+              <a:rPr lang="en-US" sz="2600" dirty="0"/>
               <a:t>       </a:t>
             </a:r>
             <a:r>
-              <a:rPr lang="en-US" sz="2600" i="1" dirty="0" smtClean="0"/>
+              <a:rPr lang="en-US" sz="2600" i="1" dirty="0"/>
               <a:t>statement2</a:t>
             </a:r>
             <a:endParaRPr lang="en-US" sz="2600" dirty="0"/>
@@ -5080,13 +4917,6 @@
   <p:clrMapOvr>
     <a:masterClrMapping/>
   </p:clrMapOvr>
-  <p:timing>
-    <p:tnLst>
-      <p:par>
-        <p:cTn id="1" dur="indefinite" restart="never" nodeType="tmRoot"/>
-      </p:par>
-    </p:tnLst>
-  </p:timing>
 </p:sld>
 </file>
 
@@ -5129,15 +4959,7 @@
           <a:p>
             <a:r>
               <a:rPr lang="en-US" altLang="en-US" dirty="0"/>
-              <a:t>The B</a:t>
-            </a:r>
-            <a:r>
-              <a:rPr lang="en-US" altLang="en-US" dirty="0" smtClean="0"/>
-              <a:t>oolean </a:t>
-            </a:r>
-            <a:r>
-              <a:rPr lang="en-US" altLang="en-US" dirty="0"/>
-              <a:t>Type</a:t>
+              <a:t>The Boolean Type</a:t>
             </a:r>
             <a:endParaRPr lang="en-US" dirty="0"/>
           </a:p>
@@ -5174,7 +4996,7 @@
                 <a:spcPts val="1200"/>
               </a:spcAft>
             </a:pPr>
-            <a:endParaRPr lang="en-US" altLang="en-US" sz="2600" dirty="0" smtClean="0"/>
+            <a:endParaRPr lang="en-US" altLang="en-US" sz="2600" dirty="0"/>
           </a:p>
           <a:p>
             <a:pPr>
@@ -5189,12 +5011,8 @@
               </a:spcAft>
             </a:pPr>
             <a:r>
-              <a:rPr lang="en-US" altLang="en-US" sz="2600" dirty="0" smtClean="0"/>
-              <a:t>George </a:t>
-            </a:r>
-            <a:r>
               <a:rPr lang="en-US" altLang="en-US" sz="2600" dirty="0"/>
-              <a:t>Boole (1815-1864): pioneer in the study of logic </a:t>
+              <a:t>George Boole (1815-1864): pioneer in the study of logic </a:t>
             </a:r>
           </a:p>
           <a:p>
@@ -5210,12 +5028,8 @@
               </a:spcAft>
             </a:pPr>
             <a:r>
-              <a:rPr lang="en-US" altLang="en-US" sz="2600" dirty="0" smtClean="0"/>
-              <a:t>Value </a:t>
-            </a:r>
-            <a:r>
               <a:rPr lang="en-US" altLang="en-US" sz="2600" dirty="0"/>
-              <a:t>of expression </a:t>
+              <a:t>Value of expression </a:t>
             </a:r>
             <a:r>
               <a:rPr lang="en-US" altLang="en-US" sz="2600" b="1" i="1" dirty="0"/>
@@ -5223,13 +5037,8 @@
             </a:r>
             <a:r>
               <a:rPr lang="en-US" altLang="en-US" sz="2600" dirty="0"/>
-              <a:t> is true or </a:t>
-            </a:r>
-            <a:r>
-              <a:rPr lang="en-US" altLang="en-US" sz="2600" dirty="0" smtClean="0"/>
-              <a:t>false</a:t>
-            </a:r>
-            <a:endParaRPr lang="en-US" altLang="en-US" sz="2600" dirty="0"/>
+              <a:t> is true or false</a:t>
+            </a:r>
           </a:p>
           <a:p>
             <a:pPr>
@@ -5244,12 +5053,8 @@
               </a:spcAft>
             </a:pPr>
             <a:r>
-              <a:rPr lang="en-US" altLang="en-US" sz="2600" dirty="0" smtClean="0"/>
-              <a:t>Boolean </a:t>
-            </a:r>
-            <a:r>
               <a:rPr lang="en-US" altLang="en-US" sz="2600" dirty="0"/>
-              <a:t>type: one of these 2 truth values</a:t>
+              <a:t>Boolean type: one of these 2 truth values</a:t>
             </a:r>
             <a:endParaRPr lang="en-US" sz="2600" dirty="0"/>
           </a:p>
@@ -5306,13 +5111,6 @@
   <p:clrMapOvr>
     <a:masterClrMapping/>
   </p:clrMapOvr>
-  <p:timing>
-    <p:tnLst>
-      <p:par>
-        <p:cTn id="1" dur="indefinite" restart="never" nodeType="tmRoot"/>
-      </p:par>
-    </p:tnLst>
-  </p:timing>
 </p:sld>
 </file>
 
@@ -5398,7 +5196,7 @@
               <a:buChar char="·"/>
             </a:pPr>
             <a:r>
-              <a:rPr lang="en-US" altLang="en-US" sz="2800" dirty="0" err="1" smtClean="0">
+              <a:rPr lang="en-US" altLang="en-US" sz="2800" dirty="0" err="1">
                 <a:solidFill>
                   <a:srgbClr val="083FA4"/>
                 </a:solidFill>
@@ -5406,7 +5204,7 @@
               <a:t>bool</a:t>
             </a:r>
             <a:r>
-              <a:rPr lang="en-US" altLang="en-US" sz="2800" dirty="0" smtClean="0"/>
+              <a:rPr lang="en-US" altLang="en-US" sz="2800" dirty="0"/>
               <a:t> married</a:t>
             </a:r>
             <a:endParaRPr lang="en-US" altLang="en-US" sz="2800" dirty="0">
@@ -5449,21 +5247,8 @@
                   <a:srgbClr val="083FA4"/>
                 </a:solidFill>
               </a:rPr>
-              <a:t>t</a:t>
-            </a:r>
-            <a:r>
-              <a:rPr lang="en-US" altLang="en-US" sz="2800" dirty="0" smtClean="0">
-                <a:solidFill>
-                  <a:srgbClr val="083FA4"/>
-                </a:solidFill>
-              </a:rPr>
-              <a:t>rue</a:t>
-            </a:r>
-            <a:endParaRPr lang="en-US" altLang="en-US" sz="2800" dirty="0">
-              <a:solidFill>
-                <a:srgbClr val="083FA4"/>
-              </a:solidFill>
-            </a:endParaRPr>
+              <a:t>true</a:t>
+            </a:r>
           </a:p>
           <a:p>
             <a:pPr marL="425450" lvl="1" indent="-315913">
@@ -5490,7 +5275,7 @@
               <a:rPr lang="en-US" altLang="en-US" sz="2800" dirty="0"/>
             </a:br>
             <a:r>
-              <a:rPr lang="en-US" altLang="en-US" sz="2800" dirty="0" smtClean="0">
+              <a:rPr lang="en-US" altLang="en-US" sz="2800" dirty="0">
                 <a:solidFill>
                   <a:srgbClr val="083FA4"/>
                 </a:solidFill>
@@ -5498,14 +5283,14 @@
               <a:t>if</a:t>
             </a:r>
             <a:r>
-              <a:rPr lang="en-US" altLang="en-US" sz="2800" dirty="0" smtClean="0"/>
+              <a:rPr lang="en-US" altLang="en-US" sz="2800" dirty="0"/>
               <a:t> married</a:t>
             </a:r>
             <a:br>
-              <a:rPr lang="en-US" altLang="en-US" sz="2800" dirty="0" smtClean="0"/>
+              <a:rPr lang="en-US" altLang="en-US" sz="2800" dirty="0"/>
             </a:br>
             <a:r>
-              <a:rPr lang="en-US" altLang="en-US" sz="2800" dirty="0" smtClean="0">
+              <a:rPr lang="en-US" altLang="en-US" sz="2800" dirty="0">
                 <a:solidFill>
                   <a:srgbClr val="083FA4"/>
                 </a:solidFill>
@@ -5513,11 +5298,11 @@
               <a:t>if</a:t>
             </a:r>
             <a:r>
-              <a:rPr lang="en-US" altLang="en-US" sz="2800" dirty="0" smtClean="0"/>
+              <a:rPr lang="en-US" altLang="en-US" sz="2800" dirty="0"/>
               <a:t> (</a:t>
             </a:r>
             <a:r>
-              <a:rPr lang="en-US" altLang="en-US" sz="2800" dirty="0" smtClean="0">
+              <a:rPr lang="en-US" altLang="en-US" sz="2800" dirty="0">
                 <a:solidFill>
                   <a:srgbClr val="083FA4"/>
                 </a:solidFill>
@@ -5525,10 +5310,9 @@
               <a:t>!</a:t>
             </a:r>
             <a:r>
-              <a:rPr lang="en-US" altLang="en-US" sz="2800" dirty="0" smtClean="0"/>
+              <a:rPr lang="en-US" altLang="en-US" sz="2800" dirty="0"/>
               <a:t>married)</a:t>
             </a:r>
-            <a:endParaRPr lang="en-US" altLang="en-US" sz="2800" dirty="0"/>
           </a:p>
           <a:p>
             <a:pPr marL="425450" lvl="1" indent="-315913">
@@ -5548,26 +5332,14 @@
               <a:buChar char="·"/>
             </a:pPr>
             <a:r>
-              <a:rPr lang="en-US" altLang="en-US" sz="2800" dirty="0" smtClean="0"/>
-              <a:t>Don't </a:t>
-            </a:r>
-            <a:r>
               <a:rPr lang="en-US" altLang="en-US" sz="2800" dirty="0"/>
-              <a:t>test Boolean variables against truth </a:t>
-            </a:r>
-            <a:r>
-              <a:rPr lang="en-US" altLang="en-US" sz="2800" dirty="0" smtClean="0"/>
-              <a:t>values - sign of cluelessness</a:t>
-            </a:r>
-            <a:r>
-              <a:rPr lang="en-US" altLang="en-US" sz="2800" dirty="0"/>
-              <a:t>:</a:t>
+              <a:t>Don't test Boolean variables against truth values - sign of cluelessness:</a:t>
             </a:r>
             <a:br>
               <a:rPr lang="en-US" altLang="en-US" sz="2800" dirty="0"/>
             </a:br>
             <a:r>
-              <a:rPr lang="en-US" altLang="en-US" sz="2800" dirty="0" smtClean="0">
+              <a:rPr lang="en-US" altLang="en-US" sz="2800" dirty="0">
                 <a:solidFill>
                   <a:srgbClr val="083FA4"/>
                 </a:solidFill>
@@ -5575,11 +5347,11 @@
               <a:t>if</a:t>
             </a:r>
             <a:r>
-              <a:rPr lang="en-US" altLang="en-US" sz="2800" dirty="0" smtClean="0"/>
+              <a:rPr lang="en-US" altLang="en-US" sz="2800" dirty="0"/>
               <a:t> (married == </a:t>
             </a:r>
             <a:r>
-              <a:rPr lang="en-US" altLang="en-US" sz="2800" dirty="0" smtClean="0">
+              <a:rPr lang="en-US" altLang="en-US" sz="2800" dirty="0">
                 <a:solidFill>
                   <a:srgbClr val="083FA4"/>
                 </a:solidFill>
@@ -5587,16 +5359,8 @@
               <a:t>true</a:t>
             </a:r>
             <a:r>
-              <a:rPr lang="en-US" altLang="en-US" sz="2800" dirty="0" smtClean="0"/>
+              <a:rPr lang="en-US" altLang="en-US" sz="2800" dirty="0"/>
               <a:t>) 	</a:t>
-            </a:r>
-            <a:r>
-              <a:rPr lang="en-US" altLang="en-US" sz="2800" dirty="0" smtClean="0">
-                <a:solidFill>
-                  <a:srgbClr val="00B050"/>
-                </a:solidFill>
-              </a:rPr>
-              <a:t>// DON'T</a:t>
             </a:r>
             <a:r>
               <a:rPr lang="en-US" altLang="en-US" sz="2800" dirty="0">
@@ -5604,7 +5368,7 @@
                   <a:srgbClr val="00B050"/>
                 </a:solidFill>
               </a:rPr>
-              <a:t/>
+              <a:t>// DON'T</a:t>
             </a:r>
             <a:br>
               <a:rPr lang="en-US" altLang="en-US" sz="2800" dirty="0">
@@ -5623,18 +5387,10 @@
             </a:r>
             <a:r>
               <a:rPr lang="en-US" altLang="en-US" sz="2800" dirty="0"/>
-              <a:t> </a:t>
-            </a:r>
-            <a:r>
-              <a:rPr lang="en-US" altLang="en-US" sz="2800" dirty="0" smtClean="0"/>
-              <a:t>(married </a:t>
-            </a:r>
-            <a:r>
-              <a:rPr lang="en-US" altLang="en-US" sz="2800" dirty="0"/>
-              <a:t>= </a:t>
-            </a:r>
-            <a:r>
-              <a:rPr lang="en-US" altLang="en-US" sz="2800" dirty="0" smtClean="0">
+              <a:t> (married = </a:t>
+            </a:r>
+            <a:r>
+              <a:rPr lang="en-US" altLang="en-US" sz="2800" dirty="0">
                 <a:solidFill>
                   <a:srgbClr val="083FA4"/>
                 </a:solidFill>
@@ -5642,16 +5398,8 @@
               <a:t>false</a:t>
             </a:r>
             <a:r>
-              <a:rPr lang="en-US" altLang="en-US" sz="2800" dirty="0" smtClean="0"/>
+              <a:rPr lang="en-US" altLang="en-US" sz="2800" dirty="0"/>
               <a:t>) 	</a:t>
-            </a:r>
-            <a:r>
-              <a:rPr lang="en-US" altLang="en-US" sz="2800" dirty="0" smtClean="0">
-                <a:solidFill>
-                  <a:srgbClr val="00B050"/>
-                </a:solidFill>
-              </a:rPr>
-              <a:t>// DON'T</a:t>
             </a:r>
             <a:r>
               <a:rPr lang="en-US" altLang="en-US" sz="2800" dirty="0">
@@ -5659,7 +5407,7 @@
                   <a:srgbClr val="00B050"/>
                 </a:solidFill>
               </a:rPr>
-              <a:t/>
+              <a:t>// DON'T</a:t>
             </a:r>
             <a:br>
               <a:rPr lang="en-US" altLang="en-US" sz="2800" dirty="0">
@@ -5678,14 +5426,10 @@
             </a:r>
             <a:r>
               <a:rPr lang="en-US" altLang="en-US" sz="2800" dirty="0"/>
-              <a:t> </a:t>
-            </a:r>
-            <a:r>
-              <a:rPr lang="en-US" altLang="en-US" sz="2800" dirty="0" smtClean="0"/>
-              <a:t>(married != </a:t>
-            </a:r>
-            <a:r>
-              <a:rPr lang="en-US" altLang="en-US" sz="2800" dirty="0" smtClean="0">
+              <a:t> (married != </a:t>
+            </a:r>
+            <a:r>
+              <a:rPr lang="en-US" altLang="en-US" sz="2800" dirty="0">
                 <a:solidFill>
                   <a:srgbClr val="083FA4"/>
                 </a:solidFill>
@@ -5693,11 +5437,11 @@
               <a:t>false</a:t>
             </a:r>
             <a:r>
-              <a:rPr lang="en-US" altLang="en-US" sz="2800" dirty="0" smtClean="0"/>
+              <a:rPr lang="en-US" altLang="en-US" sz="2800" dirty="0"/>
               <a:t>) 	</a:t>
             </a:r>
             <a:r>
-              <a:rPr lang="en-US" altLang="en-US" sz="2800" dirty="0" smtClean="0">
+              <a:rPr lang="en-US" altLang="en-US" sz="2800" dirty="0">
                 <a:solidFill>
                   <a:srgbClr val="00B050"/>
                 </a:solidFill>
@@ -5722,13 +5466,6 @@
   <p:clrMapOvr>
     <a:masterClrMapping/>
   </p:clrMapOvr>
-  <p:timing>
-    <p:tnLst>
-      <p:par>
-        <p:cTn id="1" dur="indefinite" restart="never" nodeType="tmRoot"/>
-      </p:par>
-    </p:tnLst>
-  </p:timing>
 </p:sld>
 </file>
 
@@ -5808,7 +5545,7 @@
               <a:buChar char="·"/>
             </a:pPr>
             <a:r>
-              <a:rPr lang="en-US" altLang="en-US" sz="3400" dirty="0" smtClean="0">
+              <a:rPr lang="en-US" altLang="en-US" sz="3400" dirty="0">
                 <a:solidFill>
                   <a:srgbClr val="083FA4"/>
                 </a:solidFill>
@@ -5816,10 +5553,9 @@
               <a:t>&amp;&amp;</a:t>
             </a:r>
             <a:r>
-              <a:rPr lang="en-US" altLang="en-US" sz="3400" dirty="0" smtClean="0"/>
+              <a:rPr lang="en-US" altLang="en-US" sz="3400" dirty="0"/>
               <a:t> – and (conjunction)</a:t>
             </a:r>
-            <a:endParaRPr lang="en-US" altLang="en-US" sz="3400" dirty="0"/>
           </a:p>
           <a:p>
             <a:pPr marL="425450" lvl="1" indent="-315913">
@@ -5833,7 +5569,7 @@
               <a:buChar char="·"/>
             </a:pPr>
             <a:r>
-              <a:rPr lang="en-US" altLang="en-US" sz="3400" dirty="0" smtClean="0">
+              <a:rPr lang="en-US" altLang="en-US" sz="3400" dirty="0">
                 <a:solidFill>
                   <a:srgbClr val="083FA4"/>
                 </a:solidFill>
@@ -5841,10 +5577,9 @@
               <a:t>||</a:t>
             </a:r>
             <a:r>
-              <a:rPr lang="en-US" altLang="en-US" sz="3400" dirty="0" smtClean="0"/>
+              <a:rPr lang="en-US" altLang="en-US" sz="3400" dirty="0"/>
               <a:t> 	  – or (disjunction)</a:t>
             </a:r>
-            <a:endParaRPr lang="en-US" altLang="en-US" sz="3400" dirty="0"/>
           </a:p>
           <a:p>
             <a:pPr marL="425450" lvl="1" indent="-315913">
@@ -5858,7 +5593,7 @@
               <a:buChar char="·"/>
             </a:pPr>
             <a:r>
-              <a:rPr lang="en-US" altLang="en-US" sz="3400" dirty="0" smtClean="0">
+              <a:rPr lang="en-US" altLang="en-US" sz="3400" dirty="0">
                 <a:solidFill>
                   <a:srgbClr val="083FA4"/>
                 </a:solidFill>
@@ -5866,43 +5601,8 @@
               <a:t>!	</a:t>
             </a:r>
             <a:r>
-              <a:rPr lang="en-US" altLang="en-US" sz="3400" dirty="0" smtClean="0"/>
-              <a:t>  – </a:t>
-            </a:r>
-            <a:r>
               <a:rPr lang="en-US" altLang="en-US" sz="3400" dirty="0"/>
-              <a:t>not (</a:t>
-            </a:r>
-            <a:r>
-              <a:rPr lang="en-US" altLang="en-US" sz="3400" dirty="0" smtClean="0"/>
-              <a:t>negation)</a:t>
-            </a:r>
-          </a:p>
-          <a:p>
-            <a:pPr marL="109537" lvl="1" indent="0">
-              <a:spcAft>
-                <a:spcPts val="500"/>
-              </a:spcAft>
-              <a:buClr>
-                <a:schemeClr val="tx1"/>
-              </a:buClr>
-              <a:buNone/>
-            </a:pPr>
-            <a:endParaRPr lang="en-US" altLang="en-US" sz="3400" dirty="0" smtClean="0"/>
-          </a:p>
-          <a:p>
-            <a:pPr marL="109537" lvl="1" indent="0">
-              <a:spcAft>
-                <a:spcPts val="500"/>
-              </a:spcAft>
-              <a:buClr>
-                <a:schemeClr val="tx1"/>
-              </a:buClr>
-              <a:buNone/>
-            </a:pPr>
-            <a:r>
-              <a:rPr lang="en-US" altLang="en-US" sz="3400" dirty="0" smtClean="0"/>
-              <a:t>…</a:t>
+              <a:t>  – not (negation)</a:t>
             </a:r>
           </a:p>
           <a:p>
@@ -5928,7 +5628,34 @@
               <a:buNone/>
             </a:pPr>
             <a:r>
-              <a:rPr lang="en-US" altLang="en-US" sz="3400" dirty="0" smtClean="0"/>
+              <a:rPr lang="en-US" altLang="en-US" sz="3400" dirty="0"/>
+              <a:t>…</a:t>
+            </a:r>
+          </a:p>
+          <a:p>
+            <a:pPr marL="109537" lvl="1" indent="0">
+              <a:spcAft>
+                <a:spcPts val="500"/>
+              </a:spcAft>
+              <a:buClr>
+                <a:schemeClr val="tx1"/>
+              </a:buClr>
+              <a:buNone/>
+            </a:pPr>
+            <a:endParaRPr lang="en-US" altLang="en-US" sz="3400" dirty="0"/>
+          </a:p>
+          <a:p>
+            <a:pPr marL="109537" lvl="1" indent="0">
+              <a:spcAft>
+                <a:spcPts val="500"/>
+              </a:spcAft>
+              <a:buClr>
+                <a:schemeClr val="tx1"/>
+              </a:buClr>
+              <a:buNone/>
+            </a:pPr>
+            <a:r>
+              <a:rPr lang="en-US" altLang="en-US" sz="3400" dirty="0"/>
               <a:t>…</a:t>
             </a:r>
           </a:p>
@@ -5969,7 +5696,7 @@
               </a:spcAft>
             </a:pPr>
             <a:r>
-              <a:rPr lang="en-US" sz="2800" b="1" dirty="0" smtClean="0">
+              <a:rPr lang="en-US" sz="2800" b="1" dirty="0">
                 <a:solidFill>
                   <a:srgbClr val="083FA4"/>
                 </a:solidFill>
@@ -5979,14 +5706,14 @@
               <a:t>	if </a:t>
             </a:r>
             <a:r>
-              <a:rPr lang="en-US" sz="2800" b="1" dirty="0" smtClean="0">
+              <a:rPr lang="en-US" sz="2800" b="1" dirty="0">
                 <a:latin typeface="Courier New" panose="02070309020205020404" pitchFamily="49" charset="0"/>
                 <a:cs typeface="Courier New" panose="02070309020205020404" pitchFamily="49" charset="0"/>
               </a:rPr>
               <a:t>(0 &lt; amount </a:t>
             </a:r>
             <a:r>
-              <a:rPr lang="en-US" sz="2800" b="1" dirty="0" smtClean="0">
+              <a:rPr lang="en-US" sz="2800" b="1" dirty="0">
                 <a:solidFill>
                   <a:srgbClr val="083FA4"/>
                 </a:solidFill>
@@ -5996,13 +5723,13 @@
               <a:t>&amp;&amp;</a:t>
             </a:r>
             <a:r>
-              <a:rPr lang="en-US" sz="2800" b="1" dirty="0" smtClean="0">
+              <a:rPr lang="en-US" sz="2800" b="1" dirty="0">
                 <a:latin typeface="Courier New" panose="02070309020205020404" pitchFamily="49" charset="0"/>
                 <a:cs typeface="Courier New" panose="02070309020205020404" pitchFamily="49" charset="0"/>
               </a:rPr>
               <a:t> amount &lt; 1000)</a:t>
             </a:r>
-            <a:endParaRPr lang="en-US" sz="2800" b="1" dirty="0" smtClean="0">
+            <a:endParaRPr lang="en-US" sz="2800" b="1" dirty="0">
               <a:solidFill>
                 <a:srgbClr val="3D0EEA"/>
               </a:solidFill>
@@ -6039,7 +5766,7 @@
           <a:lstStyle/>
           <a:p>
             <a:r>
-              <a:rPr lang="en-US" sz="2800" b="1" dirty="0" smtClean="0">
+              <a:rPr lang="en-US" sz="2800" b="1" dirty="0">
                 <a:solidFill>
                   <a:srgbClr val="083FA4"/>
                 </a:solidFill>
@@ -6049,14 +5776,14 @@
               <a:t>	if </a:t>
             </a:r>
             <a:r>
-              <a:rPr lang="en-US" sz="2800" b="1" dirty="0" smtClean="0">
+              <a:rPr lang="en-US" sz="2800" b="1" dirty="0">
                 <a:latin typeface="Courier New" panose="02070309020205020404" pitchFamily="49" charset="0"/>
                 <a:cs typeface="Courier New" panose="02070309020205020404" pitchFamily="49" charset="0"/>
               </a:rPr>
               <a:t>(input == </a:t>
             </a:r>
             <a:r>
-              <a:rPr lang="en-US" sz="2800" b="1" dirty="0" smtClean="0">
+              <a:rPr lang="en-US" sz="2800" b="1" dirty="0">
                 <a:solidFill>
                   <a:srgbClr val="C00000"/>
                 </a:solidFill>
@@ -6066,14 +5793,14 @@
               <a:t>"S"</a:t>
             </a:r>
             <a:r>
-              <a:rPr lang="en-US" sz="2800" b="1" dirty="0" smtClean="0">
+              <a:rPr lang="en-US" sz="2800" b="1" dirty="0">
                 <a:latin typeface="Courier New" panose="02070309020205020404" pitchFamily="49" charset="0"/>
                 <a:cs typeface="Courier New" panose="02070309020205020404" pitchFamily="49" charset="0"/>
               </a:rPr>
               <a:t> </a:t>
             </a:r>
             <a:r>
-              <a:rPr lang="en-US" sz="2800" b="1" dirty="0" smtClean="0">
+              <a:rPr lang="en-US" sz="2800" b="1" dirty="0">
                 <a:solidFill>
                   <a:srgbClr val="083FA4"/>
                 </a:solidFill>
@@ -6083,28 +5810,14 @@
               <a:t>|| </a:t>
             </a:r>
             <a:r>
-              <a:rPr lang="en-US" sz="2800" b="1" dirty="0" smtClean="0">
-                <a:latin typeface="Courier New" panose="02070309020205020404" pitchFamily="49" charset="0"/>
-                <a:cs typeface="Courier New" panose="02070309020205020404" pitchFamily="49" charset="0"/>
-              </a:rPr>
-              <a:t>input </a:t>
-            </a:r>
-            <a:r>
               <a:rPr lang="en-US" sz="2800" b="1" dirty="0">
                 <a:latin typeface="Courier New" panose="02070309020205020404" pitchFamily="49" charset="0"/>
                 <a:cs typeface="Courier New" panose="02070309020205020404" pitchFamily="49" charset="0"/>
               </a:rPr>
-              <a:t>=</a:t>
-            </a:r>
-            <a:r>
-              <a:rPr lang="en-US" sz="2800" b="1" dirty="0" smtClean="0">
-                <a:latin typeface="Courier New" panose="02070309020205020404" pitchFamily="49" charset="0"/>
-                <a:cs typeface="Courier New" panose="02070309020205020404" pitchFamily="49" charset="0"/>
-              </a:rPr>
-              <a:t>= </a:t>
-            </a:r>
-            <a:r>
-              <a:rPr lang="en-US" sz="2800" b="1" dirty="0" smtClean="0">
+              <a:t>input == </a:t>
+            </a:r>
+            <a:r>
+              <a:rPr lang="en-US" sz="2800" b="1" dirty="0">
                 <a:solidFill>
                   <a:srgbClr val="C00000"/>
                 </a:solidFill>
@@ -6114,13 +5827,13 @@
               <a:t>"M"</a:t>
             </a:r>
             <a:r>
-              <a:rPr lang="en-US" sz="2800" b="1" dirty="0" smtClean="0">
+              <a:rPr lang="en-US" sz="2800" b="1" dirty="0">
                 <a:latin typeface="Courier New" panose="02070309020205020404" pitchFamily="49" charset="0"/>
                 <a:cs typeface="Courier New" panose="02070309020205020404" pitchFamily="49" charset="0"/>
               </a:rPr>
               <a:t>)</a:t>
             </a:r>
-            <a:endParaRPr lang="en-US" sz="2800" b="1" dirty="0" smtClean="0">
+            <a:endParaRPr lang="en-US" sz="2800" b="1" dirty="0">
               <a:solidFill>
                 <a:srgbClr val="3D0EEA"/>
               </a:solidFill>
@@ -6140,13 +5853,6 @@
   <p:clrMapOvr>
     <a:masterClrMapping/>
   </p:clrMapOvr>
-  <p:timing>
-    <p:tnLst>
-      <p:par>
-        <p:cTn id="1" dur="indefinite" restart="never" nodeType="tmRoot"/>
-      </p:par>
-    </p:tnLst>
-  </p:timing>
 </p:sld>
 </file>
 
@@ -6188,12 +5894,8 @@
           <a:lstStyle/>
           <a:p>
             <a:r>
-              <a:rPr lang="en-US" altLang="en-US" dirty="0" smtClean="0"/>
-              <a:t>AND, OR </a:t>
-            </a:r>
-            <a:r>
               <a:rPr lang="en-US" altLang="en-US" dirty="0"/>
-              <a:t>Operators</a:t>
+              <a:t>AND, OR Operators</a:t>
             </a:r>
             <a:endParaRPr lang="en-US" dirty="0"/>
           </a:p>
@@ -6249,10 +5951,9 @@
             <a:p>
               <a:pPr algn="ctr"/>
               <a:r>
-                <a:rPr lang="en-US" sz="1500" dirty="0" smtClean="0"/>
+                <a:rPr lang="en-US" sz="1500" dirty="0"/>
                 <a:t>0 &lt; amount</a:t>
               </a:r>
-              <a:endParaRPr lang="en-US" sz="1500" dirty="0"/>
             </a:p>
           </p:txBody>
         </p:sp>
@@ -6292,10 +5993,9 @@
             <a:p>
               <a:pPr algn="ctr"/>
               <a:r>
-                <a:rPr lang="en-US" dirty="0" smtClean="0"/>
+                <a:rPr lang="en-US" dirty="0"/>
                 <a:t>“AND” condition fulfilled</a:t>
               </a:r>
-              <a:endParaRPr lang="en-US" dirty="0"/>
             </a:p>
           </p:txBody>
         </p:sp>
@@ -6322,10 +6022,9 @@
             <a:lstStyle/>
             <a:p>
               <a:r>
-                <a:rPr lang="en-US" sz="1600" dirty="0" smtClean="0"/>
+                <a:rPr lang="en-US" sz="1600" dirty="0"/>
                 <a:t>true</a:t>
               </a:r>
-              <a:endParaRPr lang="en-US" sz="1600" dirty="0"/>
             </a:p>
           </p:txBody>
         </p:sp>
@@ -6390,10 +6089,9 @@
             <a:lstStyle/>
             <a:p>
               <a:r>
-                <a:rPr lang="en-US" sz="1600" dirty="0" smtClean="0"/>
+                <a:rPr lang="en-US" sz="1600" dirty="0"/>
                 <a:t>false</a:t>
               </a:r>
-              <a:endParaRPr lang="en-US" sz="1600" dirty="0"/>
             </a:p>
           </p:txBody>
         </p:sp>
@@ -6433,10 +6131,9 @@
             <a:p>
               <a:pPr algn="ctr"/>
               <a:r>
-                <a:rPr lang="en-US" sz="1500" dirty="0" smtClean="0"/>
+                <a:rPr lang="en-US" sz="1500" dirty="0"/>
                 <a:t>amount &lt; 100</a:t>
               </a:r>
-              <a:endParaRPr lang="en-US" sz="1500" dirty="0"/>
             </a:p>
           </p:txBody>
         </p:sp>
@@ -6617,10 +6314,9 @@
             <a:lstStyle/>
             <a:p>
               <a:r>
-                <a:rPr lang="en-US" sz="1600" dirty="0" smtClean="0"/>
+                <a:rPr lang="en-US" sz="1600" dirty="0"/>
                 <a:t>true</a:t>
               </a:r>
-              <a:endParaRPr lang="en-US" sz="1600" dirty="0"/>
             </a:p>
           </p:txBody>
         </p:sp>
@@ -6647,10 +6343,9 @@
             <a:lstStyle/>
             <a:p>
               <a:r>
-                <a:rPr lang="en-US" sz="1600" dirty="0" smtClean="0"/>
+                <a:rPr lang="en-US" sz="1600" dirty="0"/>
                 <a:t>false</a:t>
               </a:r>
-              <a:endParaRPr lang="en-US" sz="1600" dirty="0"/>
             </a:p>
           </p:txBody>
         </p:sp>
@@ -6705,10 +6400,9 @@
             <a:p>
               <a:pPr algn="ctr"/>
               <a:r>
-                <a:rPr lang="en-US" sz="1500" dirty="0" smtClean="0"/>
+                <a:rPr lang="en-US" sz="1500" dirty="0"/>
                 <a:t>input = “S”</a:t>
               </a:r>
-              <a:endParaRPr lang="en-US" sz="1500" dirty="0"/>
             </a:p>
           </p:txBody>
         </p:sp>
@@ -6748,10 +6442,9 @@
             <a:p>
               <a:pPr algn="ctr"/>
               <a:r>
-                <a:rPr lang="en-US" dirty="0" smtClean="0"/>
+                <a:rPr lang="en-US" dirty="0"/>
                 <a:t>“OR” condition fulfilled</a:t>
               </a:r>
-              <a:endParaRPr lang="en-US" dirty="0"/>
             </a:p>
           </p:txBody>
         </p:sp>
@@ -6778,10 +6471,9 @@
             <a:lstStyle/>
             <a:p>
               <a:r>
-                <a:rPr lang="en-US" sz="1600" dirty="0" smtClean="0"/>
+                <a:rPr lang="en-US" sz="1600" dirty="0"/>
                 <a:t>true</a:t>
               </a:r>
-              <a:endParaRPr lang="en-US" sz="1600" dirty="0"/>
             </a:p>
           </p:txBody>
         </p:sp>
@@ -6846,10 +6538,9 @@
             <a:lstStyle/>
             <a:p>
               <a:r>
-                <a:rPr lang="en-US" sz="1600" dirty="0" smtClean="0"/>
+                <a:rPr lang="en-US" sz="1600" dirty="0"/>
                 <a:t>false</a:t>
               </a:r>
-              <a:endParaRPr lang="en-US" sz="1600" dirty="0"/>
             </a:p>
           </p:txBody>
         </p:sp>
@@ -6889,10 +6580,9 @@
             <a:p>
               <a:pPr algn="ctr"/>
               <a:r>
-                <a:rPr lang="en-US" sz="1500" dirty="0" smtClean="0"/>
+                <a:rPr lang="en-US" sz="1500" dirty="0"/>
                 <a:t>input = “M”</a:t>
               </a:r>
-              <a:endParaRPr lang="en-US" sz="1500" dirty="0"/>
             </a:p>
           </p:txBody>
         </p:sp>
@@ -6958,10 +6648,9 @@
             <a:lstStyle/>
             <a:p>
               <a:r>
-                <a:rPr lang="en-US" sz="1600" dirty="0" smtClean="0"/>
+                <a:rPr lang="en-US" sz="1600" dirty="0"/>
                 <a:t>true</a:t>
               </a:r>
-              <a:endParaRPr lang="en-US" sz="1600" dirty="0"/>
             </a:p>
           </p:txBody>
         </p:sp>
@@ -6988,10 +6677,9 @@
             <a:lstStyle/>
             <a:p>
               <a:r>
-                <a:rPr lang="en-US" sz="1600" dirty="0" smtClean="0"/>
+                <a:rPr lang="en-US" sz="1600" dirty="0"/>
                 <a:t>false</a:t>
               </a:r>
-              <a:endParaRPr lang="en-US" sz="1600" dirty="0"/>
             </a:p>
           </p:txBody>
         </p:sp>
@@ -7121,13 +6809,6 @@
   <p:clrMapOvr>
     <a:masterClrMapping/>
   </p:clrMapOvr>
-  <p:timing>
-    <p:tnLst>
-      <p:par>
-        <p:cTn id="1" dur="indefinite" restart="never" nodeType="tmRoot"/>
-      </p:par>
-    </p:tnLst>
-  </p:timing>
 </p:sld>
 </file>
 
@@ -7206,7 +6887,7 @@
               <a:buNone/>
             </a:pPr>
             <a:r>
-              <a:rPr lang="en-US" altLang="en-US" sz="3200" dirty="0" smtClean="0"/>
+              <a:rPr lang="en-US" altLang="en-US" sz="3200" dirty="0"/>
               <a:t>Wrong:</a:t>
             </a:r>
           </a:p>
@@ -7232,7 +6913,7 @@
               </a:spcAft>
               <a:buNone/>
             </a:pPr>
-            <a:endParaRPr lang="en-US" altLang="en-US" sz="100" dirty="0" smtClean="0"/>
+            <a:endParaRPr lang="en-US" altLang="en-US" sz="100" dirty="0"/>
           </a:p>
           <a:p>
             <a:pPr marL="0" indent="0">
@@ -7244,7 +6925,7 @@
               </a:spcAft>
               <a:buNone/>
             </a:pPr>
-            <a:endParaRPr lang="en-US" altLang="en-US" sz="100" dirty="0" smtClean="0"/>
+            <a:endParaRPr lang="en-US" altLang="en-US" sz="100" dirty="0"/>
           </a:p>
           <a:p>
             <a:pPr marL="0" indent="0">
@@ -7257,7 +6938,7 @@
               <a:buNone/>
             </a:pPr>
             <a:r>
-              <a:rPr lang="en-US" altLang="en-US" sz="3200" dirty="0" smtClean="0"/>
+              <a:rPr lang="en-US" altLang="en-US" sz="3200" dirty="0"/>
               <a:t>Correct:</a:t>
             </a:r>
           </a:p>
@@ -7299,7 +6980,7 @@
               </a:spcAft>
             </a:pPr>
             <a:r>
-              <a:rPr lang="en-US" sz="2800" b="1" dirty="0" smtClean="0">
+              <a:rPr lang="en-US" sz="2800" b="1" dirty="0">
                 <a:solidFill>
                   <a:srgbClr val="00B050"/>
                 </a:solidFill>
@@ -7316,37 +6997,27 @@
                 <a:latin typeface="Courier New" panose="02070309020205020404" pitchFamily="49" charset="0"/>
                 <a:cs typeface="Courier New" panose="02070309020205020404" pitchFamily="49" charset="0"/>
               </a:rPr>
-              <a:t>i</a:t>
-            </a:r>
-            <a:r>
-              <a:rPr lang="en-US" sz="2800" b="1" dirty="0" smtClean="0">
+              <a:t>if </a:t>
+            </a:r>
+            <a:r>
+              <a:rPr lang="en-US" sz="2800" b="1" dirty="0">
+                <a:latin typeface="Courier New" panose="02070309020205020404" pitchFamily="49" charset="0"/>
+                <a:cs typeface="Courier New" panose="02070309020205020404" pitchFamily="49" charset="0"/>
+              </a:rPr>
+              <a:t>(price &gt; 10 </a:t>
+            </a:r>
+            <a:r>
+              <a:rPr lang="en-US" sz="2800" b="1" dirty="0">
                 <a:solidFill>
                   <a:srgbClr val="083FA4"/>
                 </a:solidFill>
                 <a:latin typeface="Courier New" panose="02070309020205020404" pitchFamily="49" charset="0"/>
                 <a:cs typeface="Courier New" panose="02070309020205020404" pitchFamily="49" charset="0"/>
               </a:rPr>
-              <a:t>f </a:t>
-            </a:r>
-            <a:r>
-              <a:rPr lang="en-US" sz="2800" b="1" dirty="0" smtClean="0">
-                <a:latin typeface="Courier New" panose="02070309020205020404" pitchFamily="49" charset="0"/>
-                <a:cs typeface="Courier New" panose="02070309020205020404" pitchFamily="49" charset="0"/>
-              </a:rPr>
-              <a:t>(price &gt; 10 </a:t>
-            </a:r>
-            <a:r>
-              <a:rPr lang="en-US" sz="2800" b="1" dirty="0" smtClean="0">
-                <a:solidFill>
-                  <a:srgbClr val="083FA4"/>
-                </a:solidFill>
-                <a:latin typeface="Courier New" panose="02070309020205020404" pitchFamily="49" charset="0"/>
-                <a:cs typeface="Courier New" panose="02070309020205020404" pitchFamily="49" charset="0"/>
-              </a:rPr>
               <a:t>&amp;&amp;</a:t>
             </a:r>
             <a:r>
-              <a:rPr lang="en-US" sz="2800" b="1" dirty="0" smtClean="0">
+              <a:rPr lang="en-US" sz="2800" b="1" dirty="0">
                 <a:latin typeface="Courier New" panose="02070309020205020404" pitchFamily="49" charset="0"/>
                 <a:cs typeface="Courier New" panose="02070309020205020404" pitchFamily="49" charset="0"/>
               </a:rPr>
@@ -7370,20 +7041,10 @@
                 <a:latin typeface="Courier New" panose="02070309020205020404" pitchFamily="49" charset="0"/>
                 <a:cs typeface="Courier New" panose="02070309020205020404" pitchFamily="49" charset="0"/>
               </a:rPr>
-              <a:t>	</a:t>
-            </a:r>
-            <a:r>
-              <a:rPr lang="en-US" sz="2800" b="1" dirty="0" smtClean="0">
-                <a:solidFill>
-                  <a:srgbClr val="083FA4"/>
-                </a:solidFill>
-                <a:latin typeface="Courier New" panose="02070309020205020404" pitchFamily="49" charset="0"/>
-                <a:cs typeface="Courier New" panose="02070309020205020404" pitchFamily="49" charset="0"/>
-              </a:rPr>
-              <a:t>if </a:t>
-            </a:r>
-            <a:r>
-              <a:rPr lang="en-US" sz="2800" b="1" dirty="0" smtClean="0">
+              <a:t>	if </a:t>
+            </a:r>
+            <a:r>
+              <a:rPr lang="en-US" sz="2800" b="1" dirty="0">
                 <a:latin typeface="Courier New" panose="02070309020205020404" pitchFamily="49" charset="0"/>
                 <a:cs typeface="Courier New" panose="02070309020205020404" pitchFamily="49" charset="0"/>
               </a:rPr>
@@ -7400,14 +7061,14 @@
               <a:t>"S"</a:t>
             </a:r>
             <a:r>
-              <a:rPr lang="en-US" sz="2800" b="1" dirty="0" smtClean="0">
+              <a:rPr lang="en-US" sz="2800" b="1" dirty="0">
                 <a:latin typeface="Courier New" panose="02070309020205020404" pitchFamily="49" charset="0"/>
                 <a:cs typeface="Courier New" panose="02070309020205020404" pitchFamily="49" charset="0"/>
               </a:rPr>
               <a:t> </a:t>
             </a:r>
             <a:r>
-              <a:rPr lang="en-US" sz="2800" b="1" dirty="0" smtClean="0">
+              <a:rPr lang="en-US" sz="2800" b="1" dirty="0">
                 <a:solidFill>
                   <a:srgbClr val="083FA4"/>
                 </a:solidFill>
@@ -7417,7 +7078,7 @@
               <a:t>|| </a:t>
             </a:r>
             <a:r>
-              <a:rPr lang="en-US" sz="2800" b="1" dirty="0" smtClean="0">
+              <a:rPr lang="en-US" sz="2800" b="1" dirty="0">
                 <a:solidFill>
                   <a:srgbClr val="C00000"/>
                 </a:solidFill>
@@ -7427,14 +7088,14 @@
               <a:t>"M"</a:t>
             </a:r>
             <a:r>
-              <a:rPr lang="en-US" sz="2800" b="1" dirty="0" smtClean="0">
+              <a:rPr lang="en-US" sz="2800" b="1" dirty="0">
                 <a:latin typeface="Courier New" panose="02070309020205020404" pitchFamily="49" charset="0"/>
                 <a:cs typeface="Courier New" panose="02070309020205020404" pitchFamily="49" charset="0"/>
               </a:rPr>
               <a:t>)</a:t>
             </a:r>
             <a:r>
-              <a:rPr lang="en-US" sz="2800" b="1" dirty="0" smtClean="0">
+              <a:rPr lang="en-US" sz="2800" b="1" dirty="0">
                 <a:solidFill>
                   <a:srgbClr val="C00000"/>
                 </a:solidFill>
@@ -7444,16 +7105,12 @@
               <a:t>  </a:t>
             </a:r>
             <a:r>
-              <a:rPr lang="en-US" sz="2800" b="1" dirty="0" smtClean="0">
+              <a:rPr lang="en-US" sz="2800" b="1" dirty="0">
                 <a:latin typeface="Courier New" panose="02070309020205020404" pitchFamily="49" charset="0"/>
                 <a:cs typeface="Courier New" panose="02070309020205020404" pitchFamily="49" charset="0"/>
               </a:rPr>
               <a:t>...</a:t>
             </a:r>
-            <a:endParaRPr lang="en-US" sz="2800" b="1" dirty="0">
-              <a:latin typeface="Courier New" panose="02070309020205020404" pitchFamily="49" charset="0"/>
-              <a:cs typeface="Courier New" panose="02070309020205020404" pitchFamily="49" charset="0"/>
-            </a:endParaRPr>
           </a:p>
         </p:txBody>
       </p:sp>
@@ -7493,7 +7150,7 @@
               </a:spcAft>
             </a:pPr>
             <a:r>
-              <a:rPr lang="en-US" sz="2800" b="1" dirty="0" smtClean="0">
+              <a:rPr lang="en-US" sz="2800" b="1" dirty="0">
                 <a:solidFill>
                   <a:srgbClr val="00B050"/>
                 </a:solidFill>
@@ -7503,7 +7160,7 @@
               <a:t>	</a:t>
             </a:r>
             <a:r>
-              <a:rPr lang="en-US" sz="2800" b="1" dirty="0" smtClean="0">
+              <a:rPr lang="en-US" sz="2800" b="1" dirty="0">
                 <a:solidFill>
                   <a:srgbClr val="083FA4"/>
                 </a:solidFill>
@@ -7513,14 +7170,14 @@
               <a:t>if </a:t>
             </a:r>
             <a:r>
-              <a:rPr lang="en-US" sz="2800" b="1" dirty="0" smtClean="0">
+              <a:rPr lang="en-US" sz="2800" b="1" dirty="0">
                 <a:latin typeface="Courier New" panose="02070309020205020404" pitchFamily="49" charset="0"/>
                 <a:cs typeface="Courier New" panose="02070309020205020404" pitchFamily="49" charset="0"/>
               </a:rPr>
               <a:t>(price &gt; 10 </a:t>
             </a:r>
             <a:r>
-              <a:rPr lang="en-US" sz="2800" b="1" dirty="0" smtClean="0">
+              <a:rPr lang="en-US" sz="2800" b="1" dirty="0">
                 <a:solidFill>
                   <a:srgbClr val="083FA4"/>
                 </a:solidFill>
@@ -7530,7 +7187,7 @@
               <a:t>&amp;&amp;</a:t>
             </a:r>
             <a:r>
-              <a:rPr lang="en-US" sz="2800" b="1" dirty="0" smtClean="0">
+              <a:rPr lang="en-US" sz="2800" b="1" dirty="0">
                 <a:latin typeface="Courier New" panose="02070309020205020404" pitchFamily="49" charset="0"/>
                 <a:cs typeface="Courier New" panose="02070309020205020404" pitchFamily="49" charset="0"/>
               </a:rPr>
@@ -7554,24 +7211,14 @@
                 <a:latin typeface="Courier New" panose="02070309020205020404" pitchFamily="49" charset="0"/>
                 <a:cs typeface="Courier New" panose="02070309020205020404" pitchFamily="49" charset="0"/>
               </a:rPr>
-              <a:t>	</a:t>
-            </a:r>
-            <a:r>
-              <a:rPr lang="en-US" sz="2800" b="1" dirty="0" smtClean="0">
-                <a:solidFill>
-                  <a:srgbClr val="083FA4"/>
-                </a:solidFill>
+              <a:t>	if </a:t>
+            </a:r>
+            <a:r>
+              <a:rPr lang="en-US" sz="2800" b="1" dirty="0">
                 <a:latin typeface="Courier New" panose="02070309020205020404" pitchFamily="49" charset="0"/>
                 <a:cs typeface="Courier New" panose="02070309020205020404" pitchFamily="49" charset="0"/>
               </a:rPr>
-              <a:t>if </a:t>
-            </a:r>
-            <a:r>
-              <a:rPr lang="en-US" sz="2800" b="1" dirty="0" smtClean="0">
-                <a:latin typeface="Courier New" panose="02070309020205020404" pitchFamily="49" charset="0"/>
-                <a:cs typeface="Courier New" panose="02070309020205020404" pitchFamily="49" charset="0"/>
-              </a:rPr>
-              <a:t>(value = </a:t>
+              <a:t>(value == </a:t>
             </a:r>
             <a:r>
               <a:rPr lang="en-US" sz="2800" b="1" dirty="0">
@@ -7584,14 +7231,14 @@
               <a:t>"S"</a:t>
             </a:r>
             <a:r>
-              <a:rPr lang="en-US" sz="2800" b="1" dirty="0" smtClean="0">
+              <a:rPr lang="en-US" sz="2800" b="1" dirty="0">
                 <a:latin typeface="Courier New" panose="02070309020205020404" pitchFamily="49" charset="0"/>
                 <a:cs typeface="Courier New" panose="02070309020205020404" pitchFamily="49" charset="0"/>
               </a:rPr>
               <a:t> </a:t>
             </a:r>
             <a:r>
-              <a:rPr lang="en-US" sz="2800" b="1" dirty="0" smtClean="0">
+              <a:rPr lang="en-US" sz="2800" b="1" dirty="0">
                 <a:solidFill>
                   <a:srgbClr val="083FA4"/>
                 </a:solidFill>
@@ -7601,14 +7248,14 @@
               <a:t>|| </a:t>
             </a:r>
             <a:r>
-              <a:rPr lang="en-US" sz="2800" b="1" dirty="0" smtClean="0">
+              <a:rPr lang="en-US" sz="2800" b="1" dirty="0">
                 <a:latin typeface="Courier New" panose="02070309020205020404" pitchFamily="49" charset="0"/>
                 <a:cs typeface="Courier New" panose="02070309020205020404" pitchFamily="49" charset="0"/>
               </a:rPr>
               <a:t>value == </a:t>
             </a:r>
             <a:r>
-              <a:rPr lang="en-US" sz="2800" b="1" dirty="0" smtClean="0">
+              <a:rPr lang="en-US" sz="2800" b="1" dirty="0">
                 <a:solidFill>
                   <a:srgbClr val="C00000"/>
                 </a:solidFill>
@@ -7618,14 +7265,14 @@
               <a:t>"M"</a:t>
             </a:r>
             <a:r>
-              <a:rPr lang="en-US" sz="2800" b="1" dirty="0" smtClean="0">
+              <a:rPr lang="en-US" sz="2800" b="1" dirty="0">
                 <a:latin typeface="Courier New" panose="02070309020205020404" pitchFamily="49" charset="0"/>
                 <a:cs typeface="Courier New" panose="02070309020205020404" pitchFamily="49" charset="0"/>
               </a:rPr>
               <a:t>)</a:t>
             </a:r>
             <a:r>
-              <a:rPr lang="en-US" sz="2800" b="1" dirty="0" smtClean="0">
+              <a:rPr lang="en-US" sz="2800" b="1" dirty="0">
                 <a:solidFill>
                   <a:srgbClr val="C00000"/>
                 </a:solidFill>
@@ -7635,16 +7282,12 @@
               <a:t> </a:t>
             </a:r>
             <a:r>
-              <a:rPr lang="en-US" sz="2800" b="1" dirty="0" smtClean="0">
+              <a:rPr lang="en-US" sz="2800" b="1" dirty="0">
                 <a:latin typeface="Courier New" panose="02070309020205020404" pitchFamily="49" charset="0"/>
                 <a:cs typeface="Courier New" panose="02070309020205020404" pitchFamily="49" charset="0"/>
               </a:rPr>
               <a:t>...</a:t>
             </a:r>
-            <a:endParaRPr lang="en-US" sz="2800" b="1" dirty="0">
-              <a:latin typeface="Courier New" panose="02070309020205020404" pitchFamily="49" charset="0"/>
-              <a:cs typeface="Courier New" panose="02070309020205020404" pitchFamily="49" charset="0"/>
-            </a:endParaRPr>
           </a:p>
         </p:txBody>
       </p:sp>
@@ -7658,13 +7301,6 @@
   <p:clrMapOvr>
     <a:masterClrMapping/>
   </p:clrMapOvr>
-  <p:timing>
-    <p:tnLst>
-      <p:par>
-        <p:cTn id="1" dur="indefinite" restart="never" nodeType="tmRoot"/>
-      </p:par>
-    </p:tnLst>
-  </p:timing>
 </p:sld>
 </file>
 
@@ -7707,11 +7343,7 @@
           <a:p>
             <a:r>
               <a:rPr lang="en-US" altLang="en-US" dirty="0"/>
-              <a:t>Truth </a:t>
-            </a:r>
-            <a:r>
-              <a:rPr lang="en-US" altLang="en-US" dirty="0" smtClean="0"/>
-              <a:t>Table – And (conjunction)</a:t>
+              <a:t>Truth Table – And (conjunction)</a:t>
             </a:r>
             <a:endParaRPr lang="en-US" dirty="0"/>
           </a:p>
@@ -7743,9 +7375,27 @@
                 <a:tableStyleId>{5FD0F851-EC5A-4D38-B0AD-8093EC10F338}</a:tableStyleId>
               </a:tblPr>
               <a:tblGrid>
-                <a:gridCol w="3731154"/>
-                <a:gridCol w="3731154"/>
-                <a:gridCol w="3731154"/>
+                <a:gridCol w="3731154">
+                  <a:extLst>
+                    <a:ext uri="{9D8B030D-6E8A-4147-A177-3AD203B41FA5}">
+                      <a16:colId xmlns:a16="http://schemas.microsoft.com/office/drawing/2014/main" val="20000"/>
+                    </a:ext>
+                  </a:extLst>
+                </a:gridCol>
+                <a:gridCol w="3731154">
+                  <a:extLst>
+                    <a:ext uri="{9D8B030D-6E8A-4147-A177-3AD203B41FA5}">
+                      <a16:colId xmlns:a16="http://schemas.microsoft.com/office/drawing/2014/main" val="20001"/>
+                    </a:ext>
+                  </a:extLst>
+                </a:gridCol>
+                <a:gridCol w="3731154">
+                  <a:extLst>
+                    <a:ext uri="{9D8B030D-6E8A-4147-A177-3AD203B41FA5}">
+                      <a16:colId xmlns:a16="http://schemas.microsoft.com/office/drawing/2014/main" val="20002"/>
+                    </a:ext>
+                  </a:extLst>
+                </a:gridCol>
               </a:tblGrid>
               <a:tr h="1227958">
                 <a:tc>
@@ -7755,10 +7405,9 @@
                     <a:p>
                       <a:pPr algn="ctr"/>
                       <a:r>
-                        <a:rPr lang="en-US" sz="4400" dirty="0" smtClean="0"/>
+                        <a:rPr lang="en-US" sz="4400" dirty="0"/>
                         <a:t>A</a:t>
                       </a:r>
-                      <a:endParaRPr lang="en-US" sz="4400" dirty="0"/>
                     </a:p>
                   </a:txBody>
                   <a:tcPr anchor="ctr"/>
@@ -7770,10 +7419,9 @@
                     <a:p>
                       <a:pPr algn="ctr"/>
                       <a:r>
-                        <a:rPr lang="en-US" sz="4400" dirty="0" smtClean="0"/>
+                        <a:rPr lang="en-US" sz="4400" dirty="0"/>
                         <a:t>B</a:t>
                       </a:r>
-                      <a:endParaRPr lang="en-US" sz="4400" dirty="0"/>
                     </a:p>
                   </a:txBody>
                   <a:tcPr anchor="ctr"/>
@@ -7785,14 +7433,18 @@
                     <a:p>
                       <a:pPr algn="ctr"/>
                       <a:r>
-                        <a:rPr lang="en-US" sz="4400" dirty="0" smtClean="0"/>
+                        <a:rPr lang="en-US" sz="4400" dirty="0"/>
                         <a:t>A and B</a:t>
                       </a:r>
-                      <a:endParaRPr lang="en-US" sz="4400" dirty="0"/>
                     </a:p>
                   </a:txBody>
                   <a:tcPr anchor="ctr"/>
                 </a:tc>
+                <a:extLst>
+                  <a:ext uri="{0D108BD9-81ED-4DB2-BD59-A6C34878D82A}">
+                    <a16:rowId xmlns:a16="http://schemas.microsoft.com/office/drawing/2014/main" val="10000"/>
+                  </a:ext>
+                </a:extLst>
               </a:tr>
               <a:tr h="1227958">
                 <a:tc>
@@ -7802,10 +7454,9 @@
                     <a:p>
                       <a:pPr algn="ctr"/>
                       <a:r>
-                        <a:rPr lang="en-US" sz="4400" dirty="0" smtClean="0"/>
+                        <a:rPr lang="en-US" sz="4400" dirty="0"/>
                         <a:t>True</a:t>
                       </a:r>
-                      <a:endParaRPr lang="en-US" sz="4400" dirty="0"/>
                     </a:p>
                   </a:txBody>
                   <a:tcPr anchor="ctr"/>
@@ -7817,10 +7468,9 @@
                     <a:p>
                       <a:pPr algn="ctr"/>
                       <a:r>
-                        <a:rPr lang="en-US" sz="4400" dirty="0" smtClean="0"/>
+                        <a:rPr lang="en-US" sz="4400" dirty="0"/>
                         <a:t>True</a:t>
                       </a:r>
-                      <a:endParaRPr lang="en-US" sz="4400" dirty="0"/>
                     </a:p>
                   </a:txBody>
                   <a:tcPr anchor="ctr"/>
@@ -7832,14 +7482,18 @@
                     <a:p>
                       <a:pPr algn="ctr"/>
                       <a:r>
-                        <a:rPr lang="en-US" sz="4400" dirty="0" smtClean="0"/>
+                        <a:rPr lang="en-US" sz="4400" dirty="0"/>
                         <a:t>True</a:t>
                       </a:r>
-                      <a:endParaRPr lang="en-US" sz="4400" dirty="0"/>
                     </a:p>
                   </a:txBody>
                   <a:tcPr anchor="ctr"/>
                 </a:tc>
+                <a:extLst>
+                  <a:ext uri="{0D108BD9-81ED-4DB2-BD59-A6C34878D82A}">
+                    <a16:rowId xmlns:a16="http://schemas.microsoft.com/office/drawing/2014/main" val="10001"/>
+                  </a:ext>
+                </a:extLst>
               </a:tr>
               <a:tr h="1227958">
                 <a:tc>
@@ -7849,10 +7503,9 @@
                     <a:p>
                       <a:pPr algn="ctr"/>
                       <a:r>
-                        <a:rPr lang="en-US" sz="4400" dirty="0" smtClean="0"/>
+                        <a:rPr lang="en-US" sz="4400" dirty="0"/>
                         <a:t>True</a:t>
                       </a:r>
-                      <a:endParaRPr lang="en-US" sz="4400" dirty="0"/>
                     </a:p>
                   </a:txBody>
                   <a:tcPr anchor="ctr">
@@ -7871,10 +7524,9 @@
                     <a:p>
                       <a:pPr algn="ctr"/>
                       <a:r>
-                        <a:rPr lang="en-US" sz="4400" dirty="0" smtClean="0"/>
+                        <a:rPr lang="en-US" sz="4400" dirty="0"/>
                         <a:t>False</a:t>
                       </a:r>
-                      <a:endParaRPr lang="en-US" sz="4400" dirty="0"/>
                     </a:p>
                   </a:txBody>
                   <a:tcPr anchor="ctr"/>
@@ -7886,14 +7538,18 @@
                     <a:p>
                       <a:pPr algn="ctr"/>
                       <a:r>
-                        <a:rPr lang="en-US" sz="4400" dirty="0" smtClean="0"/>
+                        <a:rPr lang="en-US" sz="4400" dirty="0"/>
                         <a:t>False</a:t>
                       </a:r>
-                      <a:endParaRPr lang="en-US" sz="4400" dirty="0"/>
                     </a:p>
                   </a:txBody>
                   <a:tcPr anchor="ctr"/>
                 </a:tc>
+                <a:extLst>
+                  <a:ext uri="{0D108BD9-81ED-4DB2-BD59-A6C34878D82A}">
+                    <a16:rowId xmlns:a16="http://schemas.microsoft.com/office/drawing/2014/main" val="10002"/>
+                  </a:ext>
+                </a:extLst>
               </a:tr>
               <a:tr h="1227958">
                 <a:tc>
@@ -7903,10 +7559,9 @@
                     <a:p>
                       <a:pPr algn="ctr"/>
                       <a:r>
-                        <a:rPr lang="en-US" sz="4400" dirty="0" smtClean="0"/>
+                        <a:rPr lang="en-US" sz="4400" dirty="0"/>
                         <a:t>False</a:t>
                       </a:r>
-                      <a:endParaRPr lang="en-US" sz="4400" dirty="0"/>
                     </a:p>
                   </a:txBody>
                   <a:tcPr anchor="ctr">
@@ -7920,10 +7575,9 @@
                     <a:p>
                       <a:pPr algn="ctr"/>
                       <a:r>
-                        <a:rPr lang="en-US" sz="4400" dirty="0" smtClean="0"/>
+                        <a:rPr lang="en-US" sz="4400" dirty="0"/>
                         <a:t>False</a:t>
                       </a:r>
-                      <a:endParaRPr lang="en-US" sz="4400" dirty="0"/>
                     </a:p>
                   </a:txBody>
                   <a:tcPr anchor="ctr">
@@ -7937,16 +7591,20 @@
                     <a:p>
                       <a:pPr algn="ctr"/>
                       <a:r>
-                        <a:rPr lang="en-US" sz="4400" dirty="0" smtClean="0"/>
+                        <a:rPr lang="en-US" sz="4400" dirty="0"/>
                         <a:t>False</a:t>
                       </a:r>
-                      <a:endParaRPr lang="en-US" sz="4400" dirty="0"/>
                     </a:p>
                   </a:txBody>
                   <a:tcPr anchor="ctr">
                     <a:noFill/>
                   </a:tcPr>
                 </a:tc>
+                <a:extLst>
+                  <a:ext uri="{0D108BD9-81ED-4DB2-BD59-A6C34878D82A}">
+                    <a16:rowId xmlns:a16="http://schemas.microsoft.com/office/drawing/2014/main" val="10003"/>
+                  </a:ext>
+                </a:extLst>
               </a:tr>
             </a:tbl>
           </a:graphicData>
@@ -7962,13 +7620,6 @@
   <p:clrMapOvr>
     <a:masterClrMapping/>
   </p:clrMapOvr>
-  <p:timing>
-    <p:tnLst>
-      <p:par>
-        <p:cTn id="1" dur="indefinite" restart="never" nodeType="tmRoot"/>
-      </p:par>
-    </p:tnLst>
-  </p:timing>
 </p:sld>
 </file>
 
@@ -8011,11 +7662,7 @@
           <a:p>
             <a:r>
               <a:rPr lang="en-US" altLang="en-US" dirty="0"/>
-              <a:t>Truth </a:t>
-            </a:r>
-            <a:r>
-              <a:rPr lang="en-US" altLang="en-US" dirty="0" smtClean="0"/>
-              <a:t>Table – Or (disjunction)</a:t>
+              <a:t>Truth Table – Or (disjunction)</a:t>
             </a:r>
             <a:endParaRPr lang="en-US" dirty="0"/>
           </a:p>
@@ -8046,9 +7693,27 @@
                 <a:tableStyleId>{5FD0F851-EC5A-4D38-B0AD-8093EC10F338}</a:tableStyleId>
               </a:tblPr>
               <a:tblGrid>
-                <a:gridCol w="3731154"/>
-                <a:gridCol w="3731154"/>
-                <a:gridCol w="3731154"/>
+                <a:gridCol w="3731154">
+                  <a:extLst>
+                    <a:ext uri="{9D8B030D-6E8A-4147-A177-3AD203B41FA5}">
+                      <a16:colId xmlns:a16="http://schemas.microsoft.com/office/drawing/2014/main" val="20000"/>
+                    </a:ext>
+                  </a:extLst>
+                </a:gridCol>
+                <a:gridCol w="3731154">
+                  <a:extLst>
+                    <a:ext uri="{9D8B030D-6E8A-4147-A177-3AD203B41FA5}">
+                      <a16:colId xmlns:a16="http://schemas.microsoft.com/office/drawing/2014/main" val="20001"/>
+                    </a:ext>
+                  </a:extLst>
+                </a:gridCol>
+                <a:gridCol w="3731154">
+                  <a:extLst>
+                    <a:ext uri="{9D8B030D-6E8A-4147-A177-3AD203B41FA5}">
+                      <a16:colId xmlns:a16="http://schemas.microsoft.com/office/drawing/2014/main" val="20002"/>
+                    </a:ext>
+                  </a:extLst>
+                </a:gridCol>
               </a:tblGrid>
               <a:tr h="1227958">
                 <a:tc>
@@ -8058,10 +7723,9 @@
                     <a:p>
                       <a:pPr algn="ctr"/>
                       <a:r>
-                        <a:rPr lang="en-US" sz="4400" dirty="0" smtClean="0"/>
+                        <a:rPr lang="en-US" sz="4400" dirty="0"/>
                         <a:t>A</a:t>
                       </a:r>
-                      <a:endParaRPr lang="en-US" sz="4400" dirty="0"/>
                     </a:p>
                   </a:txBody>
                   <a:tcPr anchor="ctr"/>
@@ -8073,10 +7737,9 @@
                     <a:p>
                       <a:pPr algn="ctr"/>
                       <a:r>
-                        <a:rPr lang="en-US" sz="4400" dirty="0" smtClean="0"/>
+                        <a:rPr lang="en-US" sz="4400" dirty="0"/>
                         <a:t>B</a:t>
                       </a:r>
-                      <a:endParaRPr lang="en-US" sz="4400" dirty="0"/>
                     </a:p>
                   </a:txBody>
                   <a:tcPr anchor="ctr"/>
@@ -8088,14 +7751,18 @@
                     <a:p>
                       <a:pPr algn="ctr"/>
                       <a:r>
-                        <a:rPr lang="en-US" sz="4400" dirty="0" smtClean="0"/>
+                        <a:rPr lang="en-US" sz="4400" dirty="0"/>
                         <a:t>A or B</a:t>
                       </a:r>
-                      <a:endParaRPr lang="en-US" sz="4400" dirty="0"/>
                     </a:p>
                   </a:txBody>
                   <a:tcPr anchor="ctr"/>
                 </a:tc>
+                <a:extLst>
+                  <a:ext uri="{0D108BD9-81ED-4DB2-BD59-A6C34878D82A}">
+                    <a16:rowId xmlns:a16="http://schemas.microsoft.com/office/drawing/2014/main" val="10000"/>
+                  </a:ext>
+                </a:extLst>
               </a:tr>
               <a:tr h="1227958">
                 <a:tc>
@@ -8105,10 +7772,9 @@
                     <a:p>
                       <a:pPr algn="ctr"/>
                       <a:r>
-                        <a:rPr lang="en-US" sz="4400" dirty="0" smtClean="0"/>
+                        <a:rPr lang="en-US" sz="4400" dirty="0"/>
                         <a:t>True</a:t>
                       </a:r>
-                      <a:endParaRPr lang="en-US" sz="4400" dirty="0"/>
                     </a:p>
                   </a:txBody>
                   <a:tcPr anchor="ctr"/>
@@ -8120,10 +7786,9 @@
                     <a:p>
                       <a:pPr algn="ctr"/>
                       <a:r>
-                        <a:rPr lang="en-US" sz="4400" dirty="0" smtClean="0"/>
+                        <a:rPr lang="en-US" sz="4400" dirty="0"/>
                         <a:t>True</a:t>
                       </a:r>
-                      <a:endParaRPr lang="en-US" sz="4400" dirty="0"/>
                     </a:p>
                   </a:txBody>
                   <a:tcPr anchor="ctr"/>
@@ -8135,14 +7800,18 @@
                     <a:p>
                       <a:pPr algn="ctr"/>
                       <a:r>
-                        <a:rPr lang="en-US" sz="4400" dirty="0" smtClean="0"/>
+                        <a:rPr lang="en-US" sz="4400" dirty="0"/>
                         <a:t>True</a:t>
                       </a:r>
-                      <a:endParaRPr lang="en-US" sz="4400" dirty="0"/>
                     </a:p>
                   </a:txBody>
                   <a:tcPr anchor="ctr"/>
                 </a:tc>
+                <a:extLst>
+                  <a:ext uri="{0D108BD9-81ED-4DB2-BD59-A6C34878D82A}">
+                    <a16:rowId xmlns:a16="http://schemas.microsoft.com/office/drawing/2014/main" val="10001"/>
+                  </a:ext>
+                </a:extLst>
               </a:tr>
               <a:tr h="1227958">
                 <a:tc>
@@ -8152,10 +7821,9 @@
                     <a:p>
                       <a:pPr algn="ctr"/>
                       <a:r>
-                        <a:rPr lang="en-US" sz="4400" dirty="0" smtClean="0"/>
+                        <a:rPr lang="en-US" sz="4400" dirty="0"/>
                         <a:t>True</a:t>
                       </a:r>
-                      <a:endParaRPr lang="en-US" sz="4400" dirty="0"/>
                     </a:p>
                   </a:txBody>
                   <a:tcPr anchor="ctr">
@@ -8174,10 +7842,9 @@
                     <a:p>
                       <a:pPr algn="ctr"/>
                       <a:r>
-                        <a:rPr lang="en-US" sz="4400" dirty="0" smtClean="0"/>
+                        <a:rPr lang="en-US" sz="4400" dirty="0"/>
                         <a:t>False</a:t>
                       </a:r>
-                      <a:endParaRPr lang="en-US" sz="4400" dirty="0"/>
                     </a:p>
                   </a:txBody>
                   <a:tcPr anchor="ctr"/>
@@ -8189,10 +7856,9 @@
                     <a:p>
                       <a:pPr algn="ctr"/>
                       <a:r>
-                        <a:rPr lang="en-US" sz="4400" dirty="0" smtClean="0"/>
+                        <a:rPr lang="en-US" sz="4400" dirty="0"/>
                         <a:t>True</a:t>
                       </a:r>
-                      <a:endParaRPr lang="en-US" sz="4400" dirty="0"/>
                     </a:p>
                   </a:txBody>
                   <a:tcPr anchor="ctr">
@@ -8204,6 +7870,11 @@
                     </a:solidFill>
                   </a:tcPr>
                 </a:tc>
+                <a:extLst>
+                  <a:ext uri="{0D108BD9-81ED-4DB2-BD59-A6C34878D82A}">
+                    <a16:rowId xmlns:a16="http://schemas.microsoft.com/office/drawing/2014/main" val="10002"/>
+                  </a:ext>
+                </a:extLst>
               </a:tr>
               <a:tr h="1227958">
                 <a:tc>
@@ -8213,10 +7884,9 @@
                     <a:p>
                       <a:pPr algn="ctr"/>
                       <a:r>
-                        <a:rPr lang="en-US" sz="4400" dirty="0" smtClean="0"/>
+                        <a:rPr lang="en-US" sz="4400" dirty="0"/>
                         <a:t>False</a:t>
                       </a:r>
-                      <a:endParaRPr lang="en-US" sz="4400" dirty="0"/>
                     </a:p>
                   </a:txBody>
                   <a:tcPr anchor="ctr">
@@ -8230,10 +7900,9 @@
                     <a:p>
                       <a:pPr algn="ctr"/>
                       <a:r>
-                        <a:rPr lang="en-US" sz="4400" dirty="0" smtClean="0"/>
+                        <a:rPr lang="en-US" sz="4400" dirty="0"/>
                         <a:t>False</a:t>
                       </a:r>
-                      <a:endParaRPr lang="en-US" sz="4400" dirty="0"/>
                     </a:p>
                   </a:txBody>
                   <a:tcPr anchor="ctr">
@@ -8247,16 +7916,20 @@
                     <a:p>
                       <a:pPr algn="ctr"/>
                       <a:r>
-                        <a:rPr lang="en-US" sz="4400" dirty="0" smtClean="0"/>
+                        <a:rPr lang="en-US" sz="4400" dirty="0"/>
                         <a:t>False</a:t>
                       </a:r>
-                      <a:endParaRPr lang="en-US" sz="4400" dirty="0"/>
                     </a:p>
                   </a:txBody>
                   <a:tcPr anchor="ctr">
                     <a:noFill/>
                   </a:tcPr>
                 </a:tc>
+                <a:extLst>
+                  <a:ext uri="{0D108BD9-81ED-4DB2-BD59-A6C34878D82A}">
+                    <a16:rowId xmlns:a16="http://schemas.microsoft.com/office/drawing/2014/main" val="10003"/>
+                  </a:ext>
+                </a:extLst>
               </a:tr>
             </a:tbl>
           </a:graphicData>
@@ -8272,13 +7945,6 @@
   <p:clrMapOvr>
     <a:masterClrMapping/>
   </p:clrMapOvr>
-  <p:timing>
-    <p:tnLst>
-      <p:par>
-        <p:cTn id="1" dur="indefinite" restart="never" nodeType="tmRoot"/>
-      </p:par>
-    </p:tnLst>
-  </p:timing>
 </p:sld>
 </file>
 
@@ -8321,11 +7987,7 @@
           <a:p>
             <a:r>
               <a:rPr lang="en-US" altLang="en-US" dirty="0"/>
-              <a:t>Truth </a:t>
-            </a:r>
-            <a:r>
-              <a:rPr lang="en-US" altLang="en-US" dirty="0" smtClean="0"/>
-              <a:t>Table – Not (negation)</a:t>
+              <a:t>Truth Table – Not (negation)</a:t>
             </a:r>
             <a:endParaRPr lang="en-US" dirty="0"/>
           </a:p>
@@ -8356,8 +8018,20 @@
                 <a:tableStyleId>{5FD0F851-EC5A-4D38-B0AD-8093EC10F338}</a:tableStyleId>
               </a:tblPr>
               <a:tblGrid>
-                <a:gridCol w="5626977"/>
-                <a:gridCol w="5626977"/>
+                <a:gridCol w="5626977">
+                  <a:extLst>
+                    <a:ext uri="{9D8B030D-6E8A-4147-A177-3AD203B41FA5}">
+                      <a16:colId xmlns:a16="http://schemas.microsoft.com/office/drawing/2014/main" val="20000"/>
+                    </a:ext>
+                  </a:extLst>
+                </a:gridCol>
+                <a:gridCol w="5626977">
+                  <a:extLst>
+                    <a:ext uri="{9D8B030D-6E8A-4147-A177-3AD203B41FA5}">
+                      <a16:colId xmlns:a16="http://schemas.microsoft.com/office/drawing/2014/main" val="20001"/>
+                    </a:ext>
+                  </a:extLst>
+                </a:gridCol>
               </a:tblGrid>
               <a:tr h="1637277">
                 <a:tc>
@@ -8367,10 +8041,9 @@
                     <a:p>
                       <a:pPr algn="ctr"/>
                       <a:r>
-                        <a:rPr lang="en-US" sz="5400" dirty="0" smtClean="0"/>
+                        <a:rPr lang="en-US" sz="5400" dirty="0"/>
                         <a:t>A</a:t>
                       </a:r>
-                      <a:endParaRPr lang="en-US" sz="5400" dirty="0"/>
                     </a:p>
                   </a:txBody>
                   <a:tcPr anchor="ctr"/>
@@ -8382,14 +8055,18 @@
                     <a:p>
                       <a:pPr algn="ctr"/>
                       <a:r>
-                        <a:rPr lang="en-US" sz="5400" dirty="0" smtClean="0"/>
+                        <a:rPr lang="en-US" sz="5400" dirty="0"/>
                         <a:t>Not A</a:t>
                       </a:r>
-                      <a:endParaRPr lang="en-US" sz="5400" dirty="0"/>
                     </a:p>
                   </a:txBody>
                   <a:tcPr anchor="ctr"/>
                 </a:tc>
+                <a:extLst>
+                  <a:ext uri="{0D108BD9-81ED-4DB2-BD59-A6C34878D82A}">
+                    <a16:rowId xmlns:a16="http://schemas.microsoft.com/office/drawing/2014/main" val="10000"/>
+                  </a:ext>
+                </a:extLst>
               </a:tr>
               <a:tr h="1637277">
                 <a:tc>
@@ -8399,10 +8076,9 @@
                     <a:p>
                       <a:pPr algn="ctr"/>
                       <a:r>
-                        <a:rPr lang="en-US" sz="5400" dirty="0" smtClean="0"/>
+                        <a:rPr lang="en-US" sz="5400" dirty="0"/>
                         <a:t>True</a:t>
                       </a:r>
-                      <a:endParaRPr lang="en-US" sz="5400" dirty="0"/>
                     </a:p>
                   </a:txBody>
                   <a:tcPr anchor="ctr">
@@ -8421,16 +8097,20 @@
                     <a:p>
                       <a:pPr algn="ctr"/>
                       <a:r>
-                        <a:rPr lang="en-US" sz="5400" dirty="0" smtClean="0"/>
+                        <a:rPr lang="en-US" sz="5400" dirty="0"/>
                         <a:t>False</a:t>
                       </a:r>
-                      <a:endParaRPr lang="en-US" sz="5400" dirty="0"/>
                     </a:p>
                   </a:txBody>
                   <a:tcPr anchor="ctr">
                     <a:noFill/>
                   </a:tcPr>
                 </a:tc>
+                <a:extLst>
+                  <a:ext uri="{0D108BD9-81ED-4DB2-BD59-A6C34878D82A}">
+                    <a16:rowId xmlns:a16="http://schemas.microsoft.com/office/drawing/2014/main" val="10001"/>
+                  </a:ext>
+                </a:extLst>
               </a:tr>
               <a:tr h="1637277">
                 <a:tc>
@@ -8440,10 +8120,9 @@
                     <a:p>
                       <a:pPr algn="ctr"/>
                       <a:r>
-                        <a:rPr lang="en-US" sz="5400" dirty="0" smtClean="0"/>
+                        <a:rPr lang="en-US" sz="5400" dirty="0"/>
                         <a:t>False</a:t>
                       </a:r>
-                      <a:endParaRPr lang="en-US" sz="5400" dirty="0"/>
                     </a:p>
                   </a:txBody>
                   <a:tcPr anchor="ctr">
@@ -8457,10 +8136,9 @@
                     <a:p>
                       <a:pPr algn="ctr"/>
                       <a:r>
-                        <a:rPr lang="en-US" sz="5400" dirty="0" smtClean="0"/>
+                        <a:rPr lang="en-US" sz="5400" dirty="0"/>
                         <a:t>True</a:t>
                       </a:r>
-                      <a:endParaRPr lang="en-US" sz="5400" dirty="0"/>
                     </a:p>
                   </a:txBody>
                   <a:tcPr anchor="ctr">
@@ -8472,6 +8150,11 @@
                     </a:solidFill>
                   </a:tcPr>
                 </a:tc>
+                <a:extLst>
+                  <a:ext uri="{0D108BD9-81ED-4DB2-BD59-A6C34878D82A}">
+                    <a16:rowId xmlns:a16="http://schemas.microsoft.com/office/drawing/2014/main" val="10002"/>
+                  </a:ext>
+                </a:extLst>
               </a:tr>
             </a:tbl>
           </a:graphicData>
@@ -8487,13 +8170,6 @@
   <p:clrMapOvr>
     <a:masterClrMapping/>
   </p:clrMapOvr>
-  <p:timing>
-    <p:tnLst>
-      <p:par>
-        <p:cTn id="1" dur="indefinite" restart="never" nodeType="tmRoot"/>
-      </p:par>
-    </p:tnLst>
-  </p:timing>
 </p:sld>
 </file>
 
@@ -8538,11 +8214,11 @@
           <a:p>
             <a:pPr algn="ctr"/>
             <a:r>
-              <a:rPr lang="en-GB" sz="4800" b="1" dirty="0" smtClean="0"/>
+              <a:rPr lang="en-GB" sz="4800" b="1" dirty="0"/>
               <a:t>Fundamentals</a:t>
             </a:r>
             <a:r>
-              <a:rPr lang="en-GB" sz="4400" b="1" dirty="0" smtClean="0"/>
+              <a:rPr lang="en-GB" sz="4400" b="1" dirty="0"/>
               <a:t> of Programming</a:t>
             </a:r>
             <a:endParaRPr lang="en-US" sz="4400" b="1" dirty="0"/>
@@ -8573,15 +8249,15 @@
           <a:p>
             <a:pPr algn="ctr"/>
             <a:r>
-              <a:rPr lang="en-US" sz="4000" dirty="0" smtClean="0"/>
+              <a:rPr lang="en-US" sz="4000" dirty="0"/>
               <a:t>Lecture</a:t>
             </a:r>
             <a:r>
-              <a:rPr lang="en-US" sz="3600" dirty="0" smtClean="0"/>
+              <a:rPr lang="en-US" sz="3600" dirty="0"/>
               <a:t> 3. </a:t>
             </a:r>
             <a:r>
-              <a:rPr lang="en-US" altLang="en-US" sz="3600" dirty="0" smtClean="0"/>
+              <a:rPr lang="en-US" altLang="en-US" sz="3600" dirty="0"/>
               <a:t>Flow control</a:t>
             </a:r>
             <a:endParaRPr lang="en-US" sz="3600" dirty="0"/>
@@ -8598,13 +8274,6 @@
   <p:clrMapOvr>
     <a:masterClrMapping/>
   </p:clrMapOvr>
-  <p:timing>
-    <p:tnLst>
-      <p:par>
-        <p:cTn id="1" dur="indefinite" restart="never" nodeType="tmRoot"/>
-      </p:par>
-    </p:tnLst>
-  </p:timing>
 </p:sld>
 </file>
 
@@ -8679,19 +8348,7 @@
             </a:pPr>
             <a:r>
               <a:rPr lang="en-US" altLang="en-US" sz="3300" dirty="0"/>
-              <a:t>Usual </a:t>
-            </a:r>
-            <a:r>
-              <a:rPr lang="en-US" altLang="en-US" sz="3300" dirty="0" smtClean="0"/>
-              <a:t>“==” </a:t>
-            </a:r>
-            <a:r>
-              <a:rPr lang="en-US" altLang="en-US" sz="3300" dirty="0"/>
-              <a:t>operator can be used if exact match is </a:t>
-            </a:r>
-            <a:r>
-              <a:rPr lang="en-US" altLang="en-US" sz="3300" dirty="0" smtClean="0"/>
-              <a:t>required</a:t>
+              <a:t>Usual “==” operator can be used if exact match is required</a:t>
             </a:r>
           </a:p>
           <a:p>
@@ -8704,7 +8361,7 @@
               </a:spcAft>
               <a:buNone/>
             </a:pPr>
-            <a:endParaRPr lang="en-US" altLang="en-US" sz="3300" dirty="0" smtClean="0"/>
+            <a:endParaRPr lang="en-US" altLang="en-US" sz="3300" dirty="0"/>
           </a:p>
           <a:p>
             <a:pPr marL="109537" lvl="1" indent="0">
@@ -8720,25 +8377,13 @@
               <a:buNone/>
             </a:pPr>
             <a:r>
-              <a:rPr lang="en-US" altLang="en-US" sz="3300" dirty="0" smtClean="0"/>
-              <a:t>Don't </a:t>
-            </a:r>
-            <a:r>
               <a:rPr lang="en-US" altLang="en-US" sz="3300" dirty="0"/>
-              <a:t>use </a:t>
-            </a:r>
-            <a:r>
-              <a:rPr lang="en-US" altLang="en-US" sz="3300" dirty="0" smtClean="0"/>
-              <a:t>“=“ </a:t>
-            </a:r>
-            <a:r>
-              <a:rPr lang="en-US" altLang="en-US" sz="3300" dirty="0"/>
-              <a:t>for strings if comparison is case insensitive</a:t>
+              <a:t>Don't use “=“ for strings if comparison is case insensitive</a:t>
             </a:r>
             <a:br>
               <a:rPr lang="en-US" altLang="en-US" sz="3300" dirty="0"/>
             </a:br>
-            <a:endParaRPr lang="en-US" altLang="en-US" sz="3300" dirty="0" smtClean="0"/>
+            <a:endParaRPr lang="en-US" altLang="en-US" sz="3300" dirty="0"/>
           </a:p>
           <a:p>
             <a:pPr marL="425450" lvl="1" indent="-315913">
@@ -8765,13 +8410,8 @@
             </a:pPr>
             <a:r>
               <a:rPr lang="en-US" altLang="en-US" sz="3300" dirty="0"/>
-              <a:t>Use Compare method</a:t>
-            </a:r>
-            <a:r>
-              <a:rPr lang="en-US" altLang="en-US" sz="3300" dirty="0" smtClean="0"/>
-              <a:t>:</a:t>
-            </a:r>
-            <a:endParaRPr lang="en-US" altLang="en-US" sz="3300" dirty="0"/>
+              <a:t>Use Compare method:</a:t>
+            </a:r>
           </a:p>
         </p:txBody>
       </p:sp>
@@ -8802,7 +8442,7 @@
           <a:lstStyle/>
           <a:p>
             <a:r>
-              <a:rPr lang="en-US" sz="2800" b="1" dirty="0" smtClean="0">
+              <a:rPr lang="en-US" sz="2800" b="1" dirty="0">
                 <a:solidFill>
                   <a:srgbClr val="083FA4"/>
                 </a:solidFill>
@@ -8812,14 +8452,14 @@
               <a:t>	if </a:t>
             </a:r>
             <a:r>
-              <a:rPr lang="en-US" sz="2800" b="1" dirty="0" smtClean="0">
+              <a:rPr lang="en-US" sz="2800" b="1" dirty="0">
                 <a:latin typeface="Courier New" panose="02070309020205020404" pitchFamily="49" charset="0"/>
                 <a:cs typeface="Courier New" panose="02070309020205020404" pitchFamily="49" charset="0"/>
               </a:rPr>
               <a:t>(input == </a:t>
             </a:r>
             <a:r>
-              <a:rPr lang="en-US" sz="2800" b="1" dirty="0" smtClean="0">
+              <a:rPr lang="en-US" sz="2800" b="1" dirty="0">
                 <a:solidFill>
                   <a:srgbClr val="C00000"/>
                 </a:solidFill>
@@ -8845,17 +8485,7 @@
                 <a:latin typeface="Courier New" panose="02070309020205020404" pitchFamily="49" charset="0"/>
                 <a:cs typeface="Courier New" panose="02070309020205020404" pitchFamily="49" charset="0"/>
               </a:rPr>
-              <a:t>	</a:t>
-            </a:r>
-            <a:r>
-              <a:rPr lang="en-US" sz="2800" b="1" dirty="0" smtClean="0">
-                <a:solidFill>
-                  <a:srgbClr val="00B050"/>
-                </a:solidFill>
-                <a:latin typeface="Courier New" panose="02070309020205020404" pitchFamily="49" charset="0"/>
-                <a:cs typeface="Courier New" panose="02070309020205020404" pitchFamily="49" charset="0"/>
-              </a:rPr>
-              <a:t>//WRONG for input = "y"!</a:t>
+              <a:t>	//WRONG for input = "y"!</a:t>
             </a:r>
           </a:p>
         </p:txBody>
@@ -8887,7 +8517,7 @@
           <a:lstStyle/>
           <a:p>
             <a:r>
-              <a:rPr lang="en-US" sz="2800" b="1" dirty="0" smtClean="0">
+              <a:rPr lang="en-US" sz="2800" b="1" dirty="0">
                 <a:solidFill>
                   <a:srgbClr val="083FA4"/>
                 </a:solidFill>
@@ -8897,14 +8527,14 @@
               <a:t>	if </a:t>
             </a:r>
             <a:r>
-              <a:rPr lang="en-US" sz="2800" b="1" dirty="0" smtClean="0">
+              <a:rPr lang="en-US" sz="2800" b="1" dirty="0">
                 <a:latin typeface="Courier New" panose="02070309020205020404" pitchFamily="49" charset="0"/>
                 <a:cs typeface="Courier New" panose="02070309020205020404" pitchFamily="49" charset="0"/>
               </a:rPr>
               <a:t>(input == </a:t>
             </a:r>
             <a:r>
-              <a:rPr lang="en-US" sz="2800" b="1" dirty="0" smtClean="0">
+              <a:rPr lang="en-US" sz="2800" b="1" dirty="0">
                 <a:solidFill>
                   <a:srgbClr val="C00000"/>
                 </a:solidFill>
@@ -8914,13 +8544,13 @@
               <a:t>"Y"</a:t>
             </a:r>
             <a:r>
-              <a:rPr lang="en-US" sz="2800" b="1" dirty="0" smtClean="0">
+              <a:rPr lang="en-US" sz="2800" b="1" dirty="0">
                 <a:latin typeface="Courier New" panose="02070309020205020404" pitchFamily="49" charset="0"/>
                 <a:cs typeface="Courier New" panose="02070309020205020404" pitchFamily="49" charset="0"/>
               </a:rPr>
               <a:t>)</a:t>
             </a:r>
-            <a:endParaRPr lang="en-US" sz="2800" b="1" dirty="0" smtClean="0">
+            <a:endParaRPr lang="en-US" sz="2800" b="1" dirty="0">
               <a:solidFill>
                 <a:srgbClr val="00B050"/>
               </a:solidFill>
@@ -8957,7 +8587,7 @@
           <a:lstStyle/>
           <a:p>
             <a:r>
-              <a:rPr lang="en-US" sz="2800" b="1" dirty="0" smtClean="0">
+              <a:rPr lang="en-US" sz="2800" b="1" dirty="0">
                 <a:solidFill>
                   <a:srgbClr val="083FA4"/>
                 </a:solidFill>
@@ -8974,7 +8604,7 @@
               <a:t>(</a:t>
             </a:r>
             <a:r>
-              <a:rPr lang="en-US" sz="2800" b="1" dirty="0" err="1" smtClean="0">
+              <a:rPr lang="en-US" sz="2800" b="1" dirty="0" err="1">
                 <a:solidFill>
                   <a:srgbClr val="083FA4"/>
                 </a:solidFill>
@@ -8984,14 +8614,14 @@
               <a:t>String</a:t>
             </a:r>
             <a:r>
-              <a:rPr lang="en-US" sz="2800" b="1" dirty="0" err="1" smtClean="0">
+              <a:rPr lang="en-US" sz="2800" b="1" dirty="0" err="1">
                 <a:latin typeface="Courier New" panose="02070309020205020404" pitchFamily="49" charset="0"/>
                 <a:cs typeface="Courier New" panose="02070309020205020404" pitchFamily="49" charset="0"/>
               </a:rPr>
               <a:t>.Compare</a:t>
             </a:r>
             <a:r>
-              <a:rPr lang="en-US" sz="2800" b="1" dirty="0" smtClean="0">
+              <a:rPr lang="en-US" sz="2800" b="1" dirty="0">
                 <a:latin typeface="Courier New" panose="02070309020205020404" pitchFamily="49" charset="0"/>
                 <a:cs typeface="Courier New" panose="02070309020205020404" pitchFamily="49" charset="0"/>
               </a:rPr>
@@ -9005,27 +8635,17 @@
                 <a:latin typeface="Courier New" panose="02070309020205020404" pitchFamily="49" charset="0"/>
                 <a:cs typeface="Courier New" panose="02070309020205020404" pitchFamily="49" charset="0"/>
               </a:rPr>
-              <a:t>"</a:t>
-            </a:r>
-            <a:r>
-              <a:rPr lang="en-US" sz="2800" b="1" dirty="0" smtClean="0">
-                <a:solidFill>
-                  <a:srgbClr val="C00000"/>
-                </a:solidFill>
+              <a:t>"Y"</a:t>
+            </a:r>
+            <a:r>
+              <a:rPr lang="en-US" sz="2800" b="1" dirty="0">
                 <a:latin typeface="Courier New" panose="02070309020205020404" pitchFamily="49" charset="0"/>
                 <a:cs typeface="Courier New" panose="02070309020205020404" pitchFamily="49" charset="0"/>
               </a:rPr>
-              <a:t>Y"</a:t>
-            </a:r>
-            <a:r>
-              <a:rPr lang="en-US" sz="2800" b="1" dirty="0" smtClean="0">
-                <a:latin typeface="Courier New" panose="02070309020205020404" pitchFamily="49" charset="0"/>
-                <a:cs typeface="Courier New" panose="02070309020205020404" pitchFamily="49" charset="0"/>
-              </a:rPr>
               <a:t>, </a:t>
             </a:r>
             <a:r>
-              <a:rPr lang="en-US" sz="2800" b="1" dirty="0" smtClean="0">
+              <a:rPr lang="en-US" sz="2800" b="1" dirty="0">
                 <a:solidFill>
                   <a:srgbClr val="083FA4"/>
                 </a:solidFill>
@@ -9035,13 +8655,13 @@
               <a:t>True</a:t>
             </a:r>
             <a:r>
-              <a:rPr lang="en-US" sz="2800" b="1" dirty="0" smtClean="0">
+              <a:rPr lang="en-US" sz="2800" b="1" dirty="0">
                 <a:latin typeface="Courier New" panose="02070309020205020404" pitchFamily="49" charset="0"/>
                 <a:cs typeface="Courier New" panose="02070309020205020404" pitchFamily="49" charset="0"/>
               </a:rPr>
               <a:t>) == 0)</a:t>
             </a:r>
-            <a:endParaRPr lang="en-US" sz="2800" b="1" dirty="0" smtClean="0">
+            <a:endParaRPr lang="en-US" sz="2800" b="1" dirty="0">
               <a:solidFill>
                 <a:srgbClr val="00B050"/>
               </a:solidFill>
@@ -9061,13 +8681,6 @@
   <p:clrMapOvr>
     <a:masterClrMapping/>
   </p:clrMapOvr>
-  <p:timing>
-    <p:tnLst>
-      <p:par>
-        <p:cTn id="1" dur="indefinite" restart="never" nodeType="tmRoot"/>
-      </p:par>
-    </p:tnLst>
-  </p:timing>
 </p:sld>
 </file>
 
@@ -9161,13 +8774,8 @@
             </a:pPr>
             <a:r>
               <a:rPr lang="en-US" altLang="en-US" sz="3200" dirty="0"/>
-              <a:t>Place True or False in the 3rd column</a:t>
-            </a:r>
-            <a:r>
-              <a:rPr lang="en-US" altLang="en-US" sz="3200" dirty="0" smtClean="0"/>
-              <a:t>:</a:t>
-            </a:r>
-            <a:endParaRPr lang="en-US" altLang="en-US" sz="3200" dirty="0"/>
+              <a:t>Place True or False in the 3rd column:</a:t>
+            </a:r>
           </a:p>
         </p:txBody>
       </p:sp>
@@ -9196,9 +8804,27 @@
                 <a:tableStyleId>{5FD0F851-EC5A-4D38-B0AD-8093EC10F338}</a:tableStyleId>
               </a:tblPr>
               <a:tblGrid>
-                <a:gridCol w="3731154"/>
-                <a:gridCol w="3731154"/>
-                <a:gridCol w="3731154"/>
+                <a:gridCol w="3731154">
+                  <a:extLst>
+                    <a:ext uri="{9D8B030D-6E8A-4147-A177-3AD203B41FA5}">
+                      <a16:colId xmlns:a16="http://schemas.microsoft.com/office/drawing/2014/main" val="20000"/>
+                    </a:ext>
+                  </a:extLst>
+                </a:gridCol>
+                <a:gridCol w="3731154">
+                  <a:extLst>
+                    <a:ext uri="{9D8B030D-6E8A-4147-A177-3AD203B41FA5}">
+                      <a16:colId xmlns:a16="http://schemas.microsoft.com/office/drawing/2014/main" val="20001"/>
+                    </a:ext>
+                  </a:extLst>
+                </a:gridCol>
+                <a:gridCol w="3731154">
+                  <a:extLst>
+                    <a:ext uri="{9D8B030D-6E8A-4147-A177-3AD203B41FA5}">
+                      <a16:colId xmlns:a16="http://schemas.microsoft.com/office/drawing/2014/main" val="20002"/>
+                    </a:ext>
+                  </a:extLst>
+                </a:gridCol>
               </a:tblGrid>
               <a:tr h="665329">
                 <a:tc>
@@ -9225,7 +8851,7 @@
                         <a:tabLst/>
                       </a:pPr>
                       <a:r>
-                        <a:rPr kumimoji="0" lang="en-US" sz="3200" b="1" i="0" u="none" strike="noStrike" cap="none" normalizeH="0" baseline="0" dirty="0" err="1" smtClean="0">
+                        <a:rPr kumimoji="0" lang="en-US" sz="3200" b="1" i="0" u="none" strike="noStrike" cap="none" normalizeH="0" baseline="0" dirty="0" err="1">
                           <a:ln>
                             <a:noFill/>
                           </a:ln>
@@ -9237,7 +8863,7 @@
                         </a:rPr>
                         <a:t>StrA</a:t>
                       </a:r>
-                      <a:endParaRPr kumimoji="0" lang="ru-RU" sz="3200" b="1" i="0" u="none" strike="noStrike" cap="none" normalizeH="0" baseline="0" dirty="0" smtClean="0">
+                      <a:endParaRPr kumimoji="0" lang="ru-RU" sz="3200" b="1" i="0" u="none" strike="noStrike" cap="none" normalizeH="0" baseline="0" dirty="0">
                         <a:ln>
                           <a:noFill/>
                         </a:ln>
@@ -9275,7 +8901,7 @@
                         <a:tabLst/>
                       </a:pPr>
                       <a:r>
-                        <a:rPr kumimoji="0" lang="en-US" sz="3200" b="1" i="0" u="none" strike="noStrike" cap="none" normalizeH="0" baseline="0" dirty="0" err="1" smtClean="0">
+                        <a:rPr kumimoji="0" lang="en-US" sz="3200" b="1" i="0" u="none" strike="noStrike" cap="none" normalizeH="0" baseline="0" dirty="0" err="1">
                           <a:ln>
                             <a:noFill/>
                           </a:ln>
@@ -9287,7 +8913,7 @@
                         </a:rPr>
                         <a:t>StrB</a:t>
                       </a:r>
-                      <a:endParaRPr kumimoji="0" lang="ru-RU" sz="3200" b="1" i="0" u="none" strike="noStrike" cap="none" normalizeH="0" baseline="0" dirty="0" smtClean="0">
+                      <a:endParaRPr kumimoji="0" lang="ru-RU" sz="3200" b="1" i="0" u="none" strike="noStrike" cap="none" normalizeH="0" baseline="0" dirty="0">
                         <a:ln>
                           <a:noFill/>
                         </a:ln>
@@ -9325,7 +8951,7 @@
                         <a:tabLst/>
                       </a:pPr>
                       <a:r>
-                        <a:rPr kumimoji="0" lang="en-US" sz="3200" b="1" i="0" u="none" strike="noStrike" cap="none" normalizeH="0" baseline="0" dirty="0" smtClean="0">
+                        <a:rPr kumimoji="0" lang="en-US" sz="3200" b="1" i="0" u="none" strike="noStrike" cap="none" normalizeH="0" baseline="0" dirty="0">
                           <a:ln>
                             <a:noFill/>
                           </a:ln>
@@ -9338,7 +8964,7 @@
                         <a:t> </a:t>
                       </a:r>
                       <a:r>
-                        <a:rPr kumimoji="0" lang="en-US" sz="3200" b="1" i="0" u="none" strike="noStrike" cap="none" normalizeH="0" baseline="0" dirty="0" err="1" smtClean="0">
+                        <a:rPr kumimoji="0" lang="en-US" sz="3200" b="1" i="0" u="none" strike="noStrike" cap="none" normalizeH="0" baseline="0" dirty="0" err="1">
                           <a:ln>
                             <a:noFill/>
                           </a:ln>
@@ -9351,7 +8977,7 @@
                         <a:t>StrA</a:t>
                       </a:r>
                       <a:r>
-                        <a:rPr kumimoji="0" lang="en-US" sz="3200" b="1" i="0" u="none" strike="noStrike" cap="none" normalizeH="0" baseline="0" dirty="0" smtClean="0">
+                        <a:rPr kumimoji="0" lang="en-US" sz="3200" b="1" i="0" u="none" strike="noStrike" cap="none" normalizeH="0" baseline="0" dirty="0">
                           <a:ln>
                             <a:noFill/>
                           </a:ln>
@@ -9364,7 +8990,7 @@
                         <a:t> &lt; </a:t>
                       </a:r>
                       <a:r>
-                        <a:rPr kumimoji="0" lang="en-US" sz="3200" b="1" i="0" u="none" strike="noStrike" cap="none" normalizeH="0" baseline="0" dirty="0" err="1" smtClean="0">
+                        <a:rPr kumimoji="0" lang="en-US" sz="3200" b="1" i="0" u="none" strike="noStrike" cap="none" normalizeH="0" baseline="0" dirty="0" err="1">
                           <a:ln>
                             <a:noFill/>
                           </a:ln>
@@ -9376,7 +9002,7 @@
                         </a:rPr>
                         <a:t>StrB</a:t>
                       </a:r>
-                      <a:endParaRPr kumimoji="0" lang="ru-RU" sz="3200" b="1" i="0" u="none" strike="noStrike" cap="none" normalizeH="0" baseline="0" dirty="0" smtClean="0">
+                      <a:endParaRPr kumimoji="0" lang="ru-RU" sz="3200" b="1" i="0" u="none" strike="noStrike" cap="none" normalizeH="0" baseline="0" dirty="0">
                         <a:ln>
                           <a:noFill/>
                         </a:ln>
@@ -9390,6 +9016,11 @@
                   </a:txBody>
                   <a:tcPr marL="90000" marR="90000" marT="46800" marB="46800" horzOverflow="overflow"/>
                 </a:tc>
+                <a:extLst>
+                  <a:ext uri="{0D108BD9-81ED-4DB2-BD59-A6C34878D82A}">
+                    <a16:rowId xmlns:a16="http://schemas.microsoft.com/office/drawing/2014/main" val="10000"/>
+                  </a:ext>
+                </a:extLst>
               </a:tr>
               <a:tr h="665329">
                 <a:tc>
@@ -9416,7 +9047,7 @@
                         <a:tabLst/>
                       </a:pPr>
                       <a:r>
-                        <a:rPr kumimoji="0" lang="en-US" sz="3200" b="0" i="0" u="none" strike="noStrike" cap="none" normalizeH="0" baseline="0" dirty="0" smtClean="0">
+                        <a:rPr kumimoji="0" lang="en-US" sz="3200" b="0" i="0" u="none" strike="noStrike" cap="none" normalizeH="0" baseline="0" dirty="0">
                           <a:ln>
                             <a:noFill/>
                           </a:ln>
@@ -9428,7 +9059,7 @@
                         </a:rPr>
                         <a:t>Apple</a:t>
                       </a:r>
-                      <a:endParaRPr kumimoji="0" lang="ru-RU" sz="3200" b="0" i="0" u="none" strike="noStrike" cap="none" normalizeH="0" baseline="0" dirty="0" smtClean="0">
+                      <a:endParaRPr kumimoji="0" lang="ru-RU" sz="3200" b="0" i="0" u="none" strike="noStrike" cap="none" normalizeH="0" baseline="0" dirty="0">
                         <a:ln>
                           <a:noFill/>
                         </a:ln>
@@ -9466,7 +9097,7 @@
                         <a:tabLst/>
                       </a:pPr>
                       <a:r>
-                        <a:rPr kumimoji="0" lang="en-US" sz="3200" b="0" i="0" u="none" strike="noStrike" cap="none" normalizeH="0" baseline="0" dirty="0" smtClean="0">
+                        <a:rPr kumimoji="0" lang="en-US" sz="3200" b="0" i="0" u="none" strike="noStrike" cap="none" normalizeH="0" baseline="0" dirty="0">
                           <a:ln>
                             <a:noFill/>
                           </a:ln>
@@ -9478,7 +9109,7 @@
                         </a:rPr>
                         <a:t>Basket</a:t>
                       </a:r>
-                      <a:endParaRPr kumimoji="0" lang="ru-RU" sz="3200" b="0" i="0" u="none" strike="noStrike" cap="none" normalizeH="0" baseline="0" dirty="0" smtClean="0">
+                      <a:endParaRPr kumimoji="0" lang="ru-RU" sz="3200" b="0" i="0" u="none" strike="noStrike" cap="none" normalizeH="0" baseline="0" dirty="0">
                         <a:ln>
                           <a:noFill/>
                         </a:ln>
@@ -9516,7 +9147,7 @@
                         <a:tabLst/>
                       </a:pPr>
                       <a:r>
-                        <a:rPr kumimoji="0" lang="en-US" sz="3200" b="0" i="0" u="none" strike="noStrike" cap="none" normalizeH="0" baseline="0" dirty="0" smtClean="0">
+                        <a:rPr kumimoji="0" lang="en-US" sz="3200" b="0" i="0" u="none" strike="noStrike" cap="none" normalizeH="0" baseline="0" dirty="0">
                           <a:ln>
                             <a:noFill/>
                           </a:ln>
@@ -9532,6 +9163,11 @@
                   </a:txBody>
                   <a:tcPr horzOverflow="overflow"/>
                 </a:tc>
+                <a:extLst>
+                  <a:ext uri="{0D108BD9-81ED-4DB2-BD59-A6C34878D82A}">
+                    <a16:rowId xmlns:a16="http://schemas.microsoft.com/office/drawing/2014/main" val="10001"/>
+                  </a:ext>
+                </a:extLst>
               </a:tr>
               <a:tr h="665329">
                 <a:tc>
@@ -9558,7 +9194,7 @@
                         <a:tabLst/>
                       </a:pPr>
                       <a:r>
-                        <a:rPr kumimoji="0" lang="en-US" sz="3200" b="0" i="0" u="none" strike="noStrike" cap="none" normalizeH="0" baseline="0" dirty="0" smtClean="0">
+                        <a:rPr kumimoji="0" lang="en-US" sz="3200" b="0" i="0" u="none" strike="noStrike" cap="none" normalizeH="0" baseline="0" dirty="0">
                           <a:ln>
                             <a:noFill/>
                           </a:ln>
@@ -9570,7 +9206,7 @@
                         </a:rPr>
                         <a:t>Geese</a:t>
                       </a:r>
-                      <a:endParaRPr kumimoji="0" lang="ru-RU" sz="3200" b="0" i="0" u="none" strike="noStrike" cap="none" normalizeH="0" baseline="0" dirty="0" smtClean="0">
+                      <a:endParaRPr kumimoji="0" lang="ru-RU" sz="3200" b="0" i="0" u="none" strike="noStrike" cap="none" normalizeH="0" baseline="0" dirty="0">
                         <a:ln>
                           <a:noFill/>
                         </a:ln>
@@ -9608,7 +9244,7 @@
                         <a:tabLst/>
                       </a:pPr>
                       <a:r>
-                        <a:rPr kumimoji="0" lang="en-US" sz="3200" b="0" i="0" u="none" strike="noStrike" cap="none" normalizeH="0" baseline="0" dirty="0" smtClean="0">
+                        <a:rPr kumimoji="0" lang="en-US" sz="3200" b="0" i="0" u="none" strike="noStrike" cap="none" normalizeH="0" baseline="0" dirty="0">
                           <a:ln>
                             <a:noFill/>
                           </a:ln>
@@ -9620,7 +9256,7 @@
                         </a:rPr>
                         <a:t>Geek</a:t>
                       </a:r>
-                      <a:endParaRPr kumimoji="0" lang="ru-RU" sz="3200" b="0" i="0" u="none" strike="noStrike" cap="none" normalizeH="0" baseline="0" dirty="0" smtClean="0">
+                      <a:endParaRPr kumimoji="0" lang="ru-RU" sz="3200" b="0" i="0" u="none" strike="noStrike" cap="none" normalizeH="0" baseline="0" dirty="0">
                         <a:ln>
                           <a:noFill/>
                         </a:ln>
@@ -9658,7 +9294,7 @@
                         <a:tabLst/>
                       </a:pPr>
                       <a:r>
-                        <a:rPr kumimoji="0" lang="en-US" sz="3200" b="0" i="0" u="none" strike="noStrike" cap="none" normalizeH="0" baseline="0" dirty="0" smtClean="0">
+                        <a:rPr kumimoji="0" lang="en-US" sz="3200" b="0" i="0" u="none" strike="noStrike" cap="none" normalizeH="0" baseline="0" dirty="0">
                           <a:ln>
                             <a:noFill/>
                           </a:ln>
@@ -9674,6 +9310,11 @@
                   </a:txBody>
                   <a:tcPr horzOverflow="overflow"/>
                 </a:tc>
+                <a:extLst>
+                  <a:ext uri="{0D108BD9-81ED-4DB2-BD59-A6C34878D82A}">
+                    <a16:rowId xmlns:a16="http://schemas.microsoft.com/office/drawing/2014/main" val="10002"/>
+                  </a:ext>
+                </a:extLst>
               </a:tr>
               <a:tr h="665329">
                 <a:tc>
@@ -9700,7 +9341,7 @@
                         <a:tabLst/>
                       </a:pPr>
                       <a:r>
-                        <a:rPr kumimoji="0" lang="en-US" sz="3200" b="0" i="0" u="none" strike="noStrike" cap="none" normalizeH="0" baseline="0" dirty="0" smtClean="0">
+                        <a:rPr kumimoji="0" lang="en-US" sz="3200" b="0" i="0" u="none" strike="noStrike" cap="none" normalizeH="0" baseline="0" dirty="0">
                           <a:ln>
                             <a:noFill/>
                           </a:ln>
@@ -9712,7 +9353,7 @@
                         </a:rPr>
                         <a:t>Hello</a:t>
                       </a:r>
-                      <a:endParaRPr kumimoji="0" lang="ru-RU" sz="3200" b="0" i="0" u="none" strike="noStrike" cap="none" normalizeH="0" baseline="0" dirty="0" smtClean="0">
+                      <a:endParaRPr kumimoji="0" lang="ru-RU" sz="3200" b="0" i="0" u="none" strike="noStrike" cap="none" normalizeH="0" baseline="0" dirty="0">
                         <a:ln>
                           <a:noFill/>
                         </a:ln>
@@ -9750,7 +9391,7 @@
                         <a:tabLst/>
                       </a:pPr>
                       <a:r>
-                        <a:rPr kumimoji="0" lang="en-US" sz="3200" b="0" i="0" u="none" strike="noStrike" cap="none" normalizeH="0" baseline="0" dirty="0" smtClean="0">
+                        <a:rPr kumimoji="0" lang="en-US" sz="3200" b="0" i="0" u="none" strike="noStrike" cap="none" normalizeH="0" baseline="0" dirty="0">
                           <a:ln>
                             <a:noFill/>
                           </a:ln>
@@ -9762,7 +9403,7 @@
                         </a:rPr>
                         <a:t>Hello World</a:t>
                       </a:r>
-                      <a:endParaRPr kumimoji="0" lang="ru-RU" sz="3200" b="0" i="0" u="none" strike="noStrike" cap="none" normalizeH="0" baseline="0" dirty="0" smtClean="0">
+                      <a:endParaRPr kumimoji="0" lang="ru-RU" sz="3200" b="0" i="0" u="none" strike="noStrike" cap="none" normalizeH="0" baseline="0" dirty="0">
                         <a:ln>
                           <a:noFill/>
                         </a:ln>
@@ -9800,7 +9441,7 @@
                         <a:tabLst/>
                       </a:pPr>
                       <a:r>
-                        <a:rPr kumimoji="0" lang="en-US" sz="3200" b="0" i="0" u="none" strike="noStrike" cap="none" normalizeH="0" baseline="0" dirty="0" smtClean="0">
+                        <a:rPr kumimoji="0" lang="en-US" sz="3200" b="0" i="0" u="none" strike="noStrike" cap="none" normalizeH="0" baseline="0" dirty="0">
                           <a:ln>
                             <a:noFill/>
                           </a:ln>
@@ -9816,6 +9457,11 @@
                   </a:txBody>
                   <a:tcPr horzOverflow="overflow"/>
                 </a:tc>
+                <a:extLst>
+                  <a:ext uri="{0D108BD9-81ED-4DB2-BD59-A6C34878D82A}">
+                    <a16:rowId xmlns:a16="http://schemas.microsoft.com/office/drawing/2014/main" val="10003"/>
+                  </a:ext>
+                </a:extLst>
               </a:tr>
             </a:tbl>
           </a:graphicData>
@@ -10237,7 +9883,7 @@
               <a:t>If the selection happens from the multiple number of choices then the </a:t>
             </a:r>
             <a:r>
-              <a:rPr lang="en-US" altLang="en-US" sz="4000" b="1" dirty="0" smtClean="0">
+              <a:rPr lang="en-US" altLang="en-US" sz="4000" b="1" dirty="0">
                 <a:solidFill>
                   <a:srgbClr val="083FA4"/>
                 </a:solidFill>
@@ -10245,15 +9891,11 @@
               <a:t>if</a:t>
             </a:r>
             <a:r>
-              <a:rPr lang="en-US" altLang="en-US" sz="4000" dirty="0" smtClean="0"/>
-              <a:t> </a:t>
-            </a:r>
-            <a:r>
               <a:rPr lang="en-US" altLang="en-US" sz="4000" dirty="0"/>
-              <a:t>structure could be replaced with </a:t>
-            </a:r>
-            <a:r>
-              <a:rPr lang="en-US" altLang="en-US" sz="4000" b="1" dirty="0" smtClean="0">
+              <a:t> structure could be replaced with </a:t>
+            </a:r>
+            <a:r>
+              <a:rPr lang="en-US" altLang="en-US" sz="4000" b="1" dirty="0">
                 <a:solidFill>
                   <a:srgbClr val="083FA4"/>
                 </a:solidFill>
@@ -10261,11 +9903,11 @@
               <a:t>switch</a:t>
             </a:r>
             <a:r>
-              <a:rPr lang="en-US" altLang="en-US" sz="4000" b="1" dirty="0" smtClean="0"/>
+              <a:rPr lang="en-US" altLang="en-US" sz="4000" b="1" dirty="0"/>
               <a:t>…</a:t>
             </a:r>
             <a:r>
-              <a:rPr lang="en-US" altLang="en-US" sz="4000" b="1" dirty="0" smtClean="0">
+              <a:rPr lang="en-US" altLang="en-US" sz="4000" b="1" dirty="0">
                 <a:solidFill>
                   <a:srgbClr val="083FA4"/>
                 </a:solidFill>
@@ -10273,10 +9915,9 @@
               <a:t>case</a:t>
             </a:r>
             <a:r>
-              <a:rPr lang="en-US" altLang="en-US" sz="4000" dirty="0" smtClean="0"/>
+              <a:rPr lang="en-US" altLang="en-US" sz="4000" dirty="0"/>
               <a:t> structure</a:t>
             </a:r>
-            <a:endParaRPr lang="en-US" altLang="en-US" sz="4000" dirty="0"/>
           </a:p>
           <a:p>
             <a:pPr>
@@ -10308,13 +9949,6 @@
   <p:clrMapOvr>
     <a:masterClrMapping/>
   </p:clrMapOvr>
-  <p:timing>
-    <p:tnLst>
-      <p:par>
-        <p:cTn id="1" dur="indefinite" restart="never" nodeType="tmRoot"/>
-      </p:par>
-    </p:tnLst>
-  </p:timing>
 </p:sld>
 </file>
 
@@ -10380,7 +10014,7 @@
               <a:buNone/>
             </a:pPr>
             <a:r>
-              <a:rPr lang="en-US" altLang="en-US" dirty="0" smtClean="0">
+              <a:rPr lang="en-US" altLang="en-US" dirty="0">
                 <a:solidFill>
                   <a:srgbClr val="083FA4"/>
                 </a:solidFill>
@@ -10388,15 +10022,15 @@
               <a:t>switch </a:t>
             </a:r>
             <a:r>
-              <a:rPr lang="en-US" altLang="en-US" dirty="0" smtClean="0"/>
+              <a:rPr lang="en-US" altLang="en-US" dirty="0"/>
               <a:t>(</a:t>
             </a:r>
             <a:r>
-              <a:rPr lang="en-US" altLang="en-US" i="1" dirty="0" smtClean="0"/>
+              <a:rPr lang="en-US" altLang="en-US" i="1" dirty="0"/>
               <a:t>expression</a:t>
             </a:r>
             <a:r>
-              <a:rPr lang="en-US" altLang="en-US" dirty="0" smtClean="0"/>
+              <a:rPr lang="en-US" altLang="en-US" dirty="0"/>
               <a:t>)</a:t>
             </a:r>
           </a:p>
@@ -10424,7 +10058,7 @@
               <a:t>		</a:t>
             </a:r>
             <a:r>
-              <a:rPr lang="en-US" altLang="en-US" dirty="0" smtClean="0">
+              <a:rPr lang="en-US" altLang="en-US" dirty="0">
                 <a:solidFill>
                   <a:srgbClr val="083FA4"/>
                 </a:solidFill>
@@ -10432,14 +10066,13 @@
               <a:t>case </a:t>
             </a:r>
             <a:r>
-              <a:rPr lang="en-US" altLang="en-US" i="1" dirty="0" smtClean="0"/>
+              <a:rPr lang="en-US" altLang="en-US" i="1" dirty="0"/>
               <a:t>&lt;case clause&gt;</a:t>
             </a:r>
             <a:r>
-              <a:rPr lang="en-US" altLang="en-US" dirty="0" smtClean="0"/>
+              <a:rPr lang="en-US" altLang="en-US" dirty="0"/>
               <a:t>:</a:t>
             </a:r>
-            <a:endParaRPr lang="en-US" altLang="en-US" dirty="0"/>
           </a:p>
           <a:p>
             <a:pPr>
@@ -10456,7 +10089,6 @@
               <a:rPr lang="en-US" altLang="en-US" i="1" dirty="0"/>
               <a:t>&lt;actions&gt; </a:t>
             </a:r>
-            <a:endParaRPr lang="en-US" altLang="en-US" i="1" dirty="0" smtClean="0"/>
           </a:p>
           <a:p>
             <a:pPr>
@@ -10467,11 +10099,7 @@
             </a:pPr>
             <a:r>
               <a:rPr lang="en-US" altLang="en-US" i="1" dirty="0"/>
-              <a:t>	</a:t>
-            </a:r>
-            <a:r>
-              <a:rPr lang="en-US" altLang="en-US" i="1" dirty="0" smtClean="0"/>
-              <a:t>		</a:t>
+              <a:t>			</a:t>
             </a:r>
             <a:r>
               <a:rPr lang="en-US" altLang="en-US" dirty="0">
@@ -10479,15 +10107,7 @@
                   <a:srgbClr val="083FA4"/>
                 </a:solidFill>
               </a:rPr>
-              <a:t> </a:t>
-            </a:r>
-            <a:r>
-              <a:rPr lang="en-US" altLang="en-US" dirty="0" smtClean="0">
-                <a:solidFill>
-                  <a:srgbClr val="083FA4"/>
-                </a:solidFill>
-              </a:rPr>
-              <a:t>break;</a:t>
+              <a:t> break;</a:t>
             </a:r>
             <a:endParaRPr lang="en-US" altLang="en-US" i="1" dirty="0"/>
           </a:p>
@@ -10503,7 +10123,7 @@
               <a:t>		</a:t>
             </a:r>
             <a:r>
-              <a:rPr lang="en-US" altLang="en-US" dirty="0" smtClean="0">
+              <a:rPr lang="en-US" altLang="en-US" dirty="0">
                 <a:solidFill>
                   <a:srgbClr val="083FA4"/>
                 </a:solidFill>
@@ -10512,17 +10132,12 @@
             </a:r>
             <a:r>
               <a:rPr lang="en-US" altLang="en-US" i="1" dirty="0"/>
-              <a:t>&lt;case clause</a:t>
-            </a:r>
-            <a:r>
-              <a:rPr lang="en-US" altLang="en-US" i="1" dirty="0" smtClean="0"/>
-              <a:t>&gt;</a:t>
-            </a:r>
-            <a:r>
-              <a:rPr lang="en-US" altLang="en-US" dirty="0" smtClean="0"/>
+              <a:t>&lt;case clause&gt;</a:t>
+            </a:r>
+            <a:r>
+              <a:rPr lang="en-US" altLang="en-US" dirty="0"/>
               <a:t>:</a:t>
             </a:r>
-            <a:endParaRPr lang="en-US" altLang="en-US" dirty="0"/>
           </a:p>
           <a:p>
             <a:pPr>
@@ -10537,11 +10152,7 @@
             </a:r>
             <a:r>
               <a:rPr lang="en-US" altLang="en-US" i="1" dirty="0"/>
-              <a:t>&lt;actions</a:t>
-            </a:r>
-            <a:r>
-              <a:rPr lang="en-US" altLang="en-US" i="1" dirty="0" smtClean="0"/>
-              <a:t>&gt;</a:t>
+              <a:t>&lt;actions&gt;</a:t>
             </a:r>
           </a:p>
           <a:p>
@@ -10552,20 +10163,12 @@
               <a:buNone/>
             </a:pPr>
             <a:r>
-              <a:rPr lang="en-US" altLang="en-US" dirty="0" smtClean="0">
-                <a:solidFill>
-                  <a:srgbClr val="083FA4"/>
-                </a:solidFill>
-              </a:rPr>
-              <a:t>			break</a:t>
-            </a:r>
-            <a:r>
               <a:rPr lang="en-US" altLang="en-US" dirty="0">
                 <a:solidFill>
                   <a:srgbClr val="083FA4"/>
                 </a:solidFill>
               </a:rPr>
-              <a:t>;</a:t>
+              <a:t>			break;</a:t>
             </a:r>
             <a:endParaRPr lang="en-US" altLang="en-US" i="1" dirty="0"/>
           </a:p>
@@ -10593,18 +10196,13 @@
               <a:t>		</a:t>
             </a:r>
             <a:r>
-              <a:rPr lang="en-US" altLang="en-US" dirty="0" smtClean="0">
+              <a:rPr lang="en-US" altLang="en-US" dirty="0">
                 <a:solidFill>
                   <a:srgbClr val="083FA4"/>
                 </a:solidFill>
               </a:rPr>
               <a:t>default:</a:t>
             </a:r>
-            <a:endParaRPr lang="en-US" altLang="en-US" dirty="0">
-              <a:solidFill>
-                <a:srgbClr val="083FA4"/>
-              </a:solidFill>
-            </a:endParaRPr>
           </a:p>
           <a:p>
             <a:pPr>
@@ -10619,11 +10217,7 @@
             </a:r>
             <a:r>
               <a:rPr lang="en-US" altLang="en-US" i="1" dirty="0"/>
-              <a:t>&lt;actions</a:t>
-            </a:r>
-            <a:r>
-              <a:rPr lang="en-US" altLang="en-US" i="1" dirty="0" smtClean="0"/>
-              <a:t>&gt;</a:t>
+              <a:t>&lt;actions&gt;</a:t>
             </a:r>
           </a:p>
           <a:p>
@@ -10635,11 +10229,7 @@
             </a:pPr>
             <a:r>
               <a:rPr lang="en-US" altLang="en-US" i="1" dirty="0"/>
-              <a:t>	</a:t>
-            </a:r>
-            <a:r>
-              <a:rPr lang="en-US" altLang="en-US" i="1" dirty="0" smtClean="0"/>
-              <a:t>		</a:t>
+              <a:t>			</a:t>
             </a:r>
             <a:r>
               <a:rPr lang="en-US" altLang="en-US" dirty="0">
@@ -10659,10 +10249,9 @@
               <a:buNone/>
             </a:pPr>
             <a:r>
-              <a:rPr lang="en-US" altLang="en-US" dirty="0" smtClean="0"/>
+              <a:rPr lang="en-US" altLang="en-US" dirty="0"/>
               <a:t>}</a:t>
             </a:r>
-            <a:endParaRPr lang="en-US" altLang="en-US" dirty="0"/>
           </a:p>
         </p:txBody>
       </p:sp>
@@ -10676,13 +10265,6 @@
   <p:clrMapOvr>
     <a:masterClrMapping/>
   </p:clrMapOvr>
-  <p:timing>
-    <p:tnLst>
-      <p:par>
-        <p:cTn id="1" dur="indefinite" restart="never" nodeType="tmRoot"/>
-      </p:par>
-    </p:tnLst>
-  </p:timing>
 </p:sld>
 </file>
 
@@ -10720,11 +10302,7 @@
           <a:p>
             <a:r>
               <a:rPr lang="en-US" altLang="en-US" dirty="0"/>
-              <a:t>Select … </a:t>
-            </a:r>
-            <a:r>
-              <a:rPr lang="en-US" altLang="en-US" dirty="0" smtClean="0"/>
-              <a:t>Case example</a:t>
+              <a:t>Select … Case example</a:t>
             </a:r>
             <a:endParaRPr lang="en-US" dirty="0"/>
           </a:p>
@@ -10795,68 +10373,24 @@
           </a:p>
           <a:p>
             <a:r>
-              <a:rPr lang="en-US" sz="2000" dirty="0" smtClean="0">
-                <a:solidFill>
-                  <a:srgbClr val="000000"/>
-                </a:solidFill>
-                <a:latin typeface="Consolas" panose="020B0609020204030204" pitchFamily="49" charset="0"/>
-              </a:rPr>
-              <a:t>{</a:t>
-            </a:r>
-            <a:endParaRPr lang="en-US" sz="2000" dirty="0">
-              <a:solidFill>
-                <a:srgbClr val="000000"/>
-              </a:solidFill>
-              <a:latin typeface="Consolas" panose="020B0609020204030204" pitchFamily="49" charset="0"/>
-            </a:endParaRPr>
-          </a:p>
-          <a:p>
-            <a:r>
-              <a:rPr lang="en-US" sz="2000" dirty="0" smtClean="0">
-                <a:solidFill>
-                  <a:srgbClr val="0000FF"/>
-                </a:solidFill>
-                <a:latin typeface="Consolas" panose="020B0609020204030204" pitchFamily="49" charset="0"/>
-              </a:rPr>
-              <a:t>	case</a:t>
-            </a:r>
-            <a:r>
-              <a:rPr lang="en-US" sz="2000" dirty="0" smtClean="0">
-                <a:solidFill>
-                  <a:srgbClr val="000000"/>
-                </a:solidFill>
-                <a:latin typeface="Consolas" panose="020B0609020204030204" pitchFamily="49" charset="0"/>
-              </a:rPr>
-              <a:t> </a:t>
-            </a:r>
-            <a:r>
               <a:rPr lang="en-US" sz="2000" dirty="0">
                 <a:solidFill>
                   <a:srgbClr val="000000"/>
                 </a:solidFill>
                 <a:latin typeface="Consolas" panose="020B0609020204030204" pitchFamily="49" charset="0"/>
               </a:rPr>
-              <a:t>11:</a:t>
-            </a:r>
-          </a:p>
-          <a:p>
-            <a:r>
-              <a:rPr lang="en-US" sz="2000" dirty="0" smtClean="0">
+              <a:t>{</a:t>
+            </a:r>
+          </a:p>
+          <a:p>
+            <a:r>
+              <a:rPr lang="en-US" sz="2000" dirty="0">
                 <a:solidFill>
                   <a:srgbClr val="0000FF"/>
                 </a:solidFill>
                 <a:latin typeface="Consolas" panose="020B0609020204030204" pitchFamily="49" charset="0"/>
               </a:rPr>
               <a:t>	case</a:t>
-            </a:r>
-            <a:r>
-              <a:rPr lang="en-US" sz="2000" dirty="0" smtClean="0">
-                <a:solidFill>
-                  <a:srgbClr val="000000"/>
-                </a:solidFill>
-                <a:latin typeface="Consolas" panose="020B0609020204030204" pitchFamily="49" charset="0"/>
-              </a:rPr>
-              <a:t> </a:t>
             </a:r>
             <a:r>
               <a:rPr lang="en-US" sz="2000" dirty="0">
@@ -10865,27 +10399,18 @@
                 </a:solidFill>
                 <a:latin typeface="Consolas" panose="020B0609020204030204" pitchFamily="49" charset="0"/>
               </a:rPr>
-              <a:t>18:</a:t>
-            </a:r>
-          </a:p>
-          <a:p>
-            <a:r>
-              <a:rPr lang="en-US" sz="2000" dirty="0" smtClean="0">
+              <a:t> 11:</a:t>
+            </a:r>
+          </a:p>
+          <a:p>
+            <a:r>
+              <a:rPr lang="en-US" sz="2000" dirty="0">
                 <a:solidFill>
                   <a:srgbClr val="0000FF"/>
                 </a:solidFill>
                 <a:latin typeface="Consolas" panose="020B0609020204030204" pitchFamily="49" charset="0"/>
               </a:rPr>
               <a:t>	case</a:t>
-            </a:r>
-            <a:r>
-              <a:rPr lang="en-US" sz="2000" dirty="0" smtClean="0">
-                <a:solidFill>
-                  <a:srgbClr val="000000"/>
-                </a:solidFill>
-                <a:latin typeface="Consolas" panose="020B0609020204030204" pitchFamily="49" charset="0"/>
-              </a:rPr>
-              <a:t> </a:t>
             </a:r>
             <a:r>
               <a:rPr lang="en-US" sz="2000" dirty="0">
@@ -10894,18 +10419,18 @@
                 </a:solidFill>
                 <a:latin typeface="Consolas" panose="020B0609020204030204" pitchFamily="49" charset="0"/>
               </a:rPr>
-              <a:t>19:</a:t>
-            </a:r>
-          </a:p>
-          <a:p>
-            <a:r>
-              <a:rPr lang="en-US" sz="2000" dirty="0" smtClean="0">
+              <a:t> 18:</a:t>
+            </a:r>
+          </a:p>
+          <a:p>
+            <a:r>
+              <a:rPr lang="en-US" sz="2000" dirty="0">
                 <a:solidFill>
-                  <a:srgbClr val="000000"/>
+                  <a:srgbClr val="0000FF"/>
                 </a:solidFill>
                 <a:latin typeface="Consolas" panose="020B0609020204030204" pitchFamily="49" charset="0"/>
               </a:rPr>
-              <a:t>		Building </a:t>
+              <a:t>	case</a:t>
             </a:r>
             <a:r>
               <a:rPr lang="en-US" sz="2000" dirty="0">
@@ -10914,7 +10439,18 @@
                 </a:solidFill>
                 <a:latin typeface="Consolas" panose="020B0609020204030204" pitchFamily="49" charset="0"/>
               </a:rPr>
-              <a:t>= </a:t>
+              <a:t> 19:</a:t>
+            </a:r>
+          </a:p>
+          <a:p>
+            <a:r>
+              <a:rPr lang="en-US" sz="2000" dirty="0">
+                <a:solidFill>
+                  <a:srgbClr val="000000"/>
+                </a:solidFill>
+                <a:latin typeface="Consolas" panose="020B0609020204030204" pitchFamily="49" charset="0"/>
+              </a:rPr>
+              <a:t>		Building = </a:t>
             </a:r>
             <a:r>
               <a:rPr lang="en-US" sz="2000" dirty="0">
@@ -10937,7 +10473,7 @@
           </a:p>
           <a:p>
             <a:r>
-              <a:rPr lang="en-US" sz="2000" dirty="0" smtClean="0">
+              <a:rPr lang="en-US" sz="2000" dirty="0">
                 <a:solidFill>
                   <a:srgbClr val="0000FF"/>
                 </a:solidFill>
@@ -10957,7 +10493,7 @@
           </a:p>
           <a:p>
             <a:r>
-              <a:rPr lang="en-US" sz="2000" dirty="0" smtClean="0">
+              <a:rPr lang="en-US" sz="2000" dirty="0">
                 <a:solidFill>
                   <a:srgbClr val="0000FF"/>
                 </a:solidFill>
@@ -10966,7 +10502,7 @@
               <a:t>	case</a:t>
             </a:r>
             <a:r>
-              <a:rPr lang="en-US" sz="2000" dirty="0" smtClean="0">
+              <a:rPr lang="en-US" sz="2000" dirty="0">
                 <a:solidFill>
                   <a:srgbClr val="000000"/>
                 </a:solidFill>
@@ -11008,17 +10544,10 @@
                 </a:solidFill>
                 <a:latin typeface="Consolas" panose="020B0609020204030204" pitchFamily="49" charset="0"/>
               </a:rPr>
-              <a:t> </a:t>
-            </a:r>
-            <a:r>
-              <a:rPr lang="en-US" sz="2000" dirty="0" smtClean="0">
-                <a:solidFill>
-                  <a:srgbClr val="000000"/>
-                </a:solidFill>
-                <a:latin typeface="Consolas" panose="020B0609020204030204" pitchFamily="49" charset="0"/>
-              </a:rPr>
-              <a:t>(n &lt;= 6</a:t>
-            </a:r>
+              <a:t> (n &lt;= 6):</a:t>
+            </a:r>
+          </a:p>
+          <a:p>
             <a:r>
               <a:rPr lang="en-US" sz="2000" dirty="0">
                 <a:solidFill>
@@ -11026,18 +10555,16 @@
                 </a:solidFill>
                 <a:latin typeface="Consolas" panose="020B0609020204030204" pitchFamily="49" charset="0"/>
               </a:rPr>
-              <a:t>):</a:t>
-            </a:r>
-          </a:p>
-          <a:p>
-            <a:r>
-              <a:rPr lang="en-US" sz="2000" dirty="0" smtClean="0">
+              <a:t>	     	Building = </a:t>
+            </a:r>
+            <a:r>
+              <a:rPr lang="en-US" sz="2000" dirty="0">
                 <a:solidFill>
-                  <a:srgbClr val="000000"/>
+                  <a:srgbClr val="A31515"/>
                 </a:solidFill>
                 <a:latin typeface="Consolas" panose="020B0609020204030204" pitchFamily="49" charset="0"/>
               </a:rPr>
-              <a:t>	     	Building </a:t>
+              <a:t>"B"</a:t>
             </a:r>
             <a:r>
               <a:rPr lang="en-US" sz="2000" dirty="0">
@@ -11046,7 +10573,58 @@
                 </a:solidFill>
                 <a:latin typeface="Consolas" panose="020B0609020204030204" pitchFamily="49" charset="0"/>
               </a:rPr>
-              <a:t>= </a:t>
+              <a:t>;</a:t>
+            </a:r>
+          </a:p>
+          <a:p>
+            <a:r>
+              <a:rPr lang="en-US" sz="2000" dirty="0">
+                <a:solidFill>
+                  <a:srgbClr val="0000FF"/>
+                </a:solidFill>
+                <a:latin typeface="Consolas" panose="020B0609020204030204" pitchFamily="49" charset="0"/>
+              </a:rPr>
+              <a:t>		break</a:t>
+            </a:r>
+            <a:r>
+              <a:rPr lang="en-US" sz="2000" dirty="0">
+                <a:solidFill>
+                  <a:srgbClr val="000000"/>
+                </a:solidFill>
+                <a:latin typeface="Consolas" panose="020B0609020204030204" pitchFamily="49" charset="0"/>
+              </a:rPr>
+              <a:t>;</a:t>
+            </a:r>
+          </a:p>
+          <a:p>
+            <a:r>
+              <a:rPr lang="en-US" sz="2000" dirty="0">
+                <a:solidFill>
+                  <a:srgbClr val="0000FF"/>
+                </a:solidFill>
+                <a:latin typeface="Consolas" panose="020B0609020204030204" pitchFamily="49" charset="0"/>
+              </a:rPr>
+              <a:t>	default</a:t>
+            </a:r>
+            <a:r>
+              <a:rPr lang="en-US" sz="2000" dirty="0">
+                <a:solidFill>
+                  <a:srgbClr val="000000"/>
+                </a:solidFill>
+                <a:latin typeface="Consolas" panose="020B0609020204030204" pitchFamily="49" charset="0"/>
+              </a:rPr>
+              <a:t>:</a:t>
+            </a:r>
+          </a:p>
+          <a:p>
+            <a:r>
+              <a:rPr lang="en-US" sz="2000" dirty="0">
+                <a:solidFill>
+                  <a:srgbClr val="000000"/>
+                </a:solidFill>
+                <a:latin typeface="Consolas" panose="020B0609020204030204" pitchFamily="49" charset="0"/>
+              </a:rPr>
+              <a:t>		Building = </a:t>
             </a:r>
             <a:r>
               <a:rPr lang="en-US" sz="2000" dirty="0">
@@ -11055,7 +10633,7 @@
                 </a:solidFill>
                 <a:latin typeface="Consolas" panose="020B0609020204030204" pitchFamily="49" charset="0"/>
               </a:rPr>
-              <a:t>"B"</a:t>
+              <a:t>"C"</a:t>
             </a:r>
             <a:r>
               <a:rPr lang="en-US" sz="2000" dirty="0">
@@ -11069,7 +10647,7 @@
           </a:p>
           <a:p>
             <a:r>
-              <a:rPr lang="en-US" sz="2000" dirty="0" smtClean="0">
+              <a:rPr lang="en-US" sz="2000" dirty="0">
                 <a:solidFill>
                   <a:srgbClr val="0000FF"/>
                 </a:solidFill>
@@ -11089,93 +10667,15 @@
           </a:p>
           <a:p>
             <a:r>
-              <a:rPr lang="en-US" sz="2000" dirty="0" smtClean="0">
-                <a:solidFill>
-                  <a:srgbClr val="0000FF"/>
-                </a:solidFill>
-                <a:latin typeface="Consolas" panose="020B0609020204030204" pitchFamily="49" charset="0"/>
-              </a:rPr>
-              <a:t>	default</a:t>
-            </a:r>
-            <a:r>
               <a:rPr lang="en-US" sz="2000" dirty="0">
                 <a:solidFill>
                   <a:srgbClr val="000000"/>
                 </a:solidFill>
                 <a:latin typeface="Consolas" panose="020B0609020204030204" pitchFamily="49" charset="0"/>
               </a:rPr>
-              <a:t>:</a:t>
-            </a:r>
-          </a:p>
-          <a:p>
-            <a:r>
-              <a:rPr lang="en-US" sz="2000" dirty="0" smtClean="0">
-                <a:solidFill>
-                  <a:srgbClr val="000000"/>
-                </a:solidFill>
-                <a:latin typeface="Consolas" panose="020B0609020204030204" pitchFamily="49" charset="0"/>
-              </a:rPr>
-              <a:t>		Building </a:t>
-            </a:r>
-            <a:r>
-              <a:rPr lang="en-US" sz="2000" dirty="0">
-                <a:solidFill>
-                  <a:srgbClr val="000000"/>
-                </a:solidFill>
-                <a:latin typeface="Consolas" panose="020B0609020204030204" pitchFamily="49" charset="0"/>
-              </a:rPr>
-              <a:t>= </a:t>
-            </a:r>
-            <a:r>
-              <a:rPr lang="en-US" sz="2000" dirty="0">
-                <a:solidFill>
-                  <a:srgbClr val="A31515"/>
-                </a:solidFill>
-                <a:latin typeface="Consolas" panose="020B0609020204030204" pitchFamily="49" charset="0"/>
-              </a:rPr>
-              <a:t>"C"</a:t>
-            </a:r>
-            <a:r>
-              <a:rPr lang="en-US" sz="2000" dirty="0">
-                <a:solidFill>
-                  <a:srgbClr val="000000"/>
-                </a:solidFill>
-                <a:latin typeface="Consolas" panose="020B0609020204030204" pitchFamily="49" charset="0"/>
-              </a:rPr>
-              <a:t>;</a:t>
-            </a:r>
-          </a:p>
-          <a:p>
-            <a:r>
-              <a:rPr lang="en-US" sz="2000" dirty="0" smtClean="0">
-                <a:solidFill>
-                  <a:srgbClr val="0000FF"/>
-                </a:solidFill>
-                <a:latin typeface="Consolas" panose="020B0609020204030204" pitchFamily="49" charset="0"/>
-              </a:rPr>
-              <a:t>		break</a:t>
-            </a:r>
-            <a:r>
-              <a:rPr lang="en-US" sz="2000" dirty="0">
-                <a:solidFill>
-                  <a:srgbClr val="000000"/>
-                </a:solidFill>
-                <a:latin typeface="Consolas" panose="020B0609020204030204" pitchFamily="49" charset="0"/>
-              </a:rPr>
-              <a:t>;</a:t>
-            </a:r>
-          </a:p>
-          <a:p>
-            <a:r>
-              <a:rPr lang="en-US" sz="2000" dirty="0" smtClean="0">
-                <a:solidFill>
-                  <a:srgbClr val="000000"/>
-                </a:solidFill>
-                <a:latin typeface="Consolas" panose="020B0609020204030204" pitchFamily="49" charset="0"/>
-              </a:rPr>
               <a:t>}</a:t>
             </a:r>
-            <a:endParaRPr lang="en-US" sz="2000" b="1" dirty="0" smtClean="0">
+            <a:endParaRPr lang="en-US" sz="2000" b="1" dirty="0">
               <a:solidFill>
                 <a:srgbClr val="00B050"/>
               </a:solidFill>
@@ -11220,7 +10720,7 @@
               <a:t>The </a:t>
             </a:r>
             <a:r>
-              <a:rPr lang="en-US" altLang="en-US" sz="3500" b="1" dirty="0" smtClean="0">
+              <a:rPr lang="en-US" altLang="en-US" sz="3500" b="1" dirty="0">
                 <a:solidFill>
                   <a:srgbClr val="083FA4"/>
                 </a:solidFill>
@@ -11228,16 +10728,8 @@
               <a:t>Case</a:t>
             </a:r>
             <a:r>
-              <a:rPr lang="en-US" altLang="en-US" sz="3500" dirty="0" smtClean="0"/>
-              <a:t> </a:t>
-            </a:r>
-            <a:r>
               <a:rPr lang="en-US" altLang="en-US" sz="3500" dirty="0"/>
-              <a:t>clause </a:t>
-            </a:r>
-            <a:r>
-              <a:rPr lang="en-US" altLang="en-US" sz="3500" dirty="0" smtClean="0"/>
-              <a:t>may:</a:t>
+              <a:t> clause may:</a:t>
             </a:r>
           </a:p>
           <a:p>
@@ -11252,14 +10744,9 @@
               <a:buChar char="•"/>
             </a:pPr>
             <a:r>
-              <a:rPr lang="en-US" altLang="en-US" sz="3500" dirty="0" smtClean="0"/>
-              <a:t>list individual </a:t>
-            </a:r>
-            <a:r>
               <a:rPr lang="en-US" altLang="en-US" sz="3500" dirty="0"/>
-              <a:t>values, </a:t>
-            </a:r>
-            <a:endParaRPr lang="en-US" altLang="en-US" sz="3500" dirty="0" smtClean="0"/>
+              <a:t>list individual values, </a:t>
+            </a:r>
           </a:p>
           <a:p>
             <a:pPr marL="571500" indent="-571500">
@@ -11273,27 +10760,11 @@
               <a:buChar char="•"/>
             </a:pPr>
             <a:r>
-              <a:rPr lang="en-US" altLang="en-US" sz="3500" dirty="0" smtClean="0"/>
-              <a:t>list a range </a:t>
-            </a:r>
-            <a:r>
               <a:rPr lang="en-US" altLang="en-US" sz="3500" dirty="0"/>
-              <a:t>of </a:t>
-            </a:r>
-            <a:r>
-              <a:rPr lang="en-US" altLang="en-US" sz="3500" dirty="0" smtClean="0"/>
-              <a:t>values</a:t>
-            </a:r>
-            <a:r>
-              <a:rPr lang="en-US" altLang="en-US" sz="3500" dirty="0"/>
-              <a:t> </a:t>
-            </a:r>
-            <a:r>
-              <a:rPr lang="en-US" altLang="en-US" sz="3500" dirty="0" smtClean="0"/>
-              <a:t>using the </a:t>
-            </a:r>
-            <a:r>
-              <a:rPr lang="en-US" altLang="en-US" sz="3500" b="1" dirty="0" smtClean="0">
+              <a:t>list a range of values using the </a:t>
+            </a:r>
+            <a:r>
+              <a:rPr lang="en-US" altLang="en-US" sz="3500" b="1" dirty="0">
                 <a:solidFill>
                   <a:srgbClr val="083FA4"/>
                 </a:solidFill>
@@ -11301,7 +10772,7 @@
               <a:t>when</a:t>
             </a:r>
             <a:r>
-              <a:rPr lang="en-US" altLang="en-US" sz="3500" dirty="0" smtClean="0"/>
+              <a:rPr lang="en-US" altLang="en-US" sz="3500" dirty="0"/>
               <a:t> keyword</a:t>
             </a:r>
           </a:p>
@@ -11317,11 +10788,11 @@
               <a:buChar char="•"/>
             </a:pPr>
             <a:r>
-              <a:rPr lang="en-US" altLang="en-US" sz="3500" dirty="0" smtClean="0"/>
+              <a:rPr lang="en-US" altLang="en-US" sz="3500" dirty="0"/>
               <a:t>must end with </a:t>
             </a:r>
             <a:r>
-              <a:rPr lang="en-US" altLang="en-US" sz="3500" b="1" dirty="0" smtClean="0">
+              <a:rPr lang="en-US" altLang="en-US" sz="3500" b="1" dirty="0">
                 <a:solidFill>
                   <a:srgbClr val="083FA4"/>
                 </a:solidFill>
@@ -11329,7 +10800,7 @@
               <a:t>break </a:t>
             </a:r>
             <a:r>
-              <a:rPr lang="en-US" altLang="en-US" sz="3500" dirty="0" smtClean="0"/>
+              <a:rPr lang="en-US" altLang="en-US" sz="3500" dirty="0"/>
               <a:t>keyword</a:t>
             </a:r>
           </a:p>
@@ -11345,13 +10816,6 @@
   <p:clrMapOvr>
     <a:masterClrMapping/>
   </p:clrMapOvr>
-  <p:timing>
-    <p:tnLst>
-      <p:par>
-        <p:cTn id="1" dur="indefinite" restart="never" nodeType="tmRoot"/>
-      </p:par>
-    </p:tnLst>
-  </p:timing>
 </p:sld>
 </file>
 
@@ -11426,7 +10890,7 @@
           <a:graphicData uri="http://schemas.openxmlformats.org/presentationml/2006/ole">
             <mc:AlternateContent xmlns:mc="http://schemas.openxmlformats.org/markup-compatibility/2006">
               <mc:Choice xmlns:v="urn:schemas-microsoft-com:vml" Requires="v">
-                <p:oleObj spid="_x0000_s6167" name="Bitmap Image" r:id="rId4" imgW="3685714" imgH="2314286" progId="Paint.Picture">
+                <p:oleObj spid="_x0000_s6169" name="Bitmap Image" r:id="rId4" imgW="3685714" imgH="2314286" progId="Paint.Picture">
                   <p:embed/>
                 </p:oleObj>
               </mc:Choice>
@@ -11485,13 +10949,6 @@
   <p:clrMapOvr>
     <a:masterClrMapping/>
   </p:clrMapOvr>
-  <p:timing>
-    <p:tnLst>
-      <p:par>
-        <p:cTn id="1" dur="indefinite" restart="never" nodeType="tmRoot"/>
-      </p:par>
-    </p:tnLst>
-  </p:timing>
 </p:sld>
 </file>
 
@@ -11645,16 +11102,12 @@
               <a:t>If the value is </a:t>
             </a:r>
             <a:r>
-              <a:rPr lang="en-US" altLang="en-US" sz="3700" b="1" dirty="0" smtClean="0"/>
+              <a:rPr lang="en-US" altLang="en-US" sz="3700" b="1" dirty="0"/>
               <a:t>False</a:t>
             </a:r>
             <a:r>
-              <a:rPr lang="en-US" altLang="en-US" sz="3700" dirty="0" smtClean="0"/>
-              <a:t> – the </a:t>
-            </a:r>
-            <a:r>
               <a:rPr lang="en-US" altLang="en-US" sz="3700" dirty="0"/>
-              <a:t>component is unchecked.</a:t>
+              <a:t> – the component is unchecked.</a:t>
             </a:r>
             <a:endParaRPr lang="ru-RU" altLang="en-US" sz="3700" dirty="0"/>
           </a:p>
@@ -11670,13 +11123,6 @@
   <p:clrMapOvr>
     <a:masterClrMapping/>
   </p:clrMapOvr>
-  <p:timing>
-    <p:tnLst>
-      <p:par>
-        <p:cTn id="1" dur="indefinite" restart="never" nodeType="tmRoot"/>
-      </p:par>
-    </p:tnLst>
-  </p:timing>
 </p:sld>
 </file>
 
@@ -11718,10 +11164,9 @@
           <a:lstStyle/>
           <a:p>
             <a:r>
-              <a:rPr lang="en-US" sz="5400" dirty="0" smtClean="0"/>
+              <a:rPr lang="en-US" sz="5400" dirty="0"/>
               <a:t>The End</a:t>
             </a:r>
-            <a:endParaRPr lang="en-US" sz="5400" dirty="0"/>
           </a:p>
         </p:txBody>
       </p:sp>
@@ -11735,13 +11180,6 @@
   <p:clrMapOvr>
     <a:masterClrMapping/>
   </p:clrMapOvr>
-  <p:timing>
-    <p:tnLst>
-      <p:par>
-        <p:cTn id="1" dur="indefinite" restart="never" nodeType="tmRoot"/>
-      </p:par>
-    </p:tnLst>
-  </p:timing>
 </p:sld>
 </file>
 
@@ -11778,7 +11216,7 @@
           <a:lstStyle/>
           <a:p>
             <a:r>
-              <a:rPr lang="en-US" altLang="en-US" dirty="0" smtClean="0"/>
+              <a:rPr lang="en-US" altLang="en-US" dirty="0"/>
               <a:t>Agenda</a:t>
             </a:r>
             <a:endParaRPr lang="en-US" dirty="0"/>
@@ -11879,13 +11317,6 @@
   <p:clrMapOvr>
     <a:masterClrMapping/>
   </p:clrMapOvr>
-  <p:timing>
-    <p:tnLst>
-      <p:par>
-        <p:cTn id="1" dur="indefinite" restart="never" nodeType="tmRoot"/>
-      </p:par>
-    </p:tnLst>
-  </p:timing>
 </p:sld>
 </file>
 
@@ -11965,10 +11396,9 @@
           <a:p>
             <a:pPr algn="ctr"/>
             <a:r>
-              <a:rPr lang="en-US" dirty="0" smtClean="0"/>
+              <a:rPr lang="en-US" dirty="0"/>
               <a:t>amount ≤ balance?</a:t>
             </a:r>
-            <a:endParaRPr lang="en-US" dirty="0"/>
           </a:p>
         </p:txBody>
       </p:sp>
@@ -12008,17 +11438,16 @@
           <a:p>
             <a:pPr algn="ctr"/>
             <a:r>
-              <a:rPr lang="en-US" dirty="0" smtClean="0"/>
+              <a:rPr lang="en-US" dirty="0"/>
               <a:t>balance = </a:t>
             </a:r>
           </a:p>
           <a:p>
             <a:pPr algn="ctr"/>
             <a:r>
-              <a:rPr lang="en-US" dirty="0" smtClean="0"/>
+              <a:rPr lang="en-US" dirty="0"/>
               <a:t>balance – amount</a:t>
             </a:r>
-            <a:endParaRPr lang="en-US" dirty="0"/>
           </a:p>
         </p:txBody>
       </p:sp>
@@ -12084,10 +11513,9 @@
           <a:lstStyle/>
           <a:p>
             <a:r>
-              <a:rPr lang="en-US" sz="1600" dirty="0" smtClean="0"/>
+              <a:rPr lang="en-US" sz="1600" dirty="0"/>
               <a:t>true</a:t>
             </a:r>
-            <a:endParaRPr lang="en-US" sz="1600" dirty="0"/>
           </a:p>
         </p:txBody>
       </p:sp>
@@ -12231,10 +11659,9 @@
           <a:lstStyle/>
           <a:p>
             <a:r>
-              <a:rPr lang="en-US" sz="1600" dirty="0" smtClean="0"/>
+              <a:rPr lang="en-US" sz="1600" dirty="0"/>
               <a:t>false</a:t>
             </a:r>
-            <a:endParaRPr lang="en-US" sz="1600" dirty="0"/>
           </a:p>
         </p:txBody>
       </p:sp>
@@ -12248,13 +11675,6 @@
   <p:clrMapOvr>
     <a:masterClrMapping/>
   </p:clrMapOvr>
-  <p:timing>
-    <p:tnLst>
-      <p:par>
-        <p:cTn id="1" dur="indefinite" restart="never" nodeType="tmRoot"/>
-      </p:par>
-    </p:tnLst>
-  </p:timing>
 </p:sld>
 </file>
 
@@ -12334,10 +11754,9 @@
           <a:p>
             <a:pPr algn="ctr"/>
             <a:r>
-              <a:rPr lang="en-US" dirty="0" smtClean="0"/>
+              <a:rPr lang="en-US" dirty="0"/>
               <a:t>amount ≤ balance?</a:t>
             </a:r>
-            <a:endParaRPr lang="en-US" dirty="0"/>
           </a:p>
         </p:txBody>
       </p:sp>
@@ -12364,10 +11783,9 @@
           <a:lstStyle/>
           <a:p>
             <a:r>
-              <a:rPr lang="en-US" sz="1600" dirty="0" smtClean="0"/>
+              <a:rPr lang="en-US" sz="1600" dirty="0"/>
               <a:t>true</a:t>
             </a:r>
-            <a:endParaRPr lang="en-US" sz="1600" dirty="0"/>
           </a:p>
         </p:txBody>
       </p:sp>
@@ -12430,10 +11848,9 @@
           <a:lstStyle/>
           <a:p>
             <a:r>
-              <a:rPr lang="en-US" sz="1600" dirty="0" smtClean="0"/>
+              <a:rPr lang="en-US" sz="1600" dirty="0"/>
               <a:t>false</a:t>
             </a:r>
-            <a:endParaRPr lang="en-US" sz="1600" dirty="0"/>
           </a:p>
         </p:txBody>
       </p:sp>
@@ -12526,17 +11943,16 @@
             <a:p>
               <a:pPr algn="ctr"/>
               <a:r>
-                <a:rPr lang="en-US" dirty="0" smtClean="0"/>
+                <a:rPr lang="en-US" dirty="0"/>
                 <a:t>balance = </a:t>
               </a:r>
             </a:p>
             <a:p>
               <a:pPr algn="ctr"/>
               <a:r>
-                <a:rPr lang="en-US" dirty="0" smtClean="0"/>
+                <a:rPr lang="en-US" dirty="0"/>
                 <a:t>balance – amount</a:t>
               </a:r>
-              <a:endParaRPr lang="en-US" dirty="0"/>
             </a:p>
           </p:txBody>
         </p:sp>
@@ -12576,22 +11992,18 @@
             <a:p>
               <a:pPr algn="ctr"/>
               <a:r>
-                <a:rPr lang="en-US" dirty="0" smtClean="0"/>
+                <a:rPr lang="en-US" dirty="0"/>
                 <a:t>balance = </a:t>
               </a:r>
             </a:p>
             <a:p>
               <a:pPr algn="ctr"/>
               <a:r>
-                <a:rPr lang="en-US" dirty="0" smtClean="0"/>
-                <a:t>balance – amount </a:t>
+                <a:rPr lang="en-US" dirty="0"/>
+                <a:t>balance – amount – </a:t>
               </a:r>
               <a:r>
-                <a:rPr lang="en-US" dirty="0"/>
-                <a:t>– </a:t>
-              </a:r>
-              <a:r>
-                <a:rPr lang="en-US" dirty="0" err="1" smtClean="0"/>
+                <a:rPr lang="en-US" dirty="0" err="1"/>
                 <a:t>overdraftPenalty</a:t>
               </a:r>
               <a:endParaRPr lang="en-US" dirty="0"/>
@@ -12725,13 +12137,6 @@
   <p:clrMapOvr>
     <a:masterClrMapping/>
   </p:clrMapOvr>
-  <p:timing>
-    <p:tnLst>
-      <p:par>
-        <p:cTn id="1" dur="indefinite" restart="never" nodeType="tmRoot"/>
-      </p:par>
-    </p:tnLst>
-  </p:timing>
 </p:sld>
 </file>
 
@@ -12774,11 +12179,7 @@
           <a:p>
             <a:r>
               <a:rPr lang="en-US" altLang="en-US" dirty="0"/>
-              <a:t>IF </a:t>
-            </a:r>
-            <a:r>
-              <a:rPr lang="en-US" altLang="en-US" dirty="0" smtClean="0"/>
-              <a:t>and IF/ELSE statements</a:t>
+              <a:t>IF and IF/ELSE statements</a:t>
             </a:r>
             <a:endParaRPr lang="en-US" dirty="0"/>
           </a:p>
@@ -12810,8 +12211,20 @@
                 <a:tableStyleId>{2D5ABB26-0587-4C30-8999-92F81FD0307C}</a:tableStyleId>
               </a:tblPr>
               <a:tblGrid>
-                <a:gridCol w="5369719"/>
-                <a:gridCol w="5369719"/>
+                <a:gridCol w="5369719">
+                  <a:extLst>
+                    <a:ext uri="{9D8B030D-6E8A-4147-A177-3AD203B41FA5}">
+                      <a16:colId xmlns:a16="http://schemas.microsoft.com/office/drawing/2014/main" val="20000"/>
+                    </a:ext>
+                  </a:extLst>
+                </a:gridCol>
+                <a:gridCol w="5369719">
+                  <a:extLst>
+                    <a:ext uri="{9D8B030D-6E8A-4147-A177-3AD203B41FA5}">
+                      <a16:colId xmlns:a16="http://schemas.microsoft.com/office/drawing/2014/main" val="20001"/>
+                    </a:ext>
+                  </a:extLst>
+                </a:gridCol>
               </a:tblGrid>
               <a:tr h="370840">
                 <a:tc>
@@ -12832,7 +12245,7 @@
                         <a:buNone/>
                       </a:pPr>
                       <a:r>
-                        <a:rPr lang="en-US" altLang="en-US" sz="4000" dirty="0" smtClean="0">
+                        <a:rPr lang="en-US" altLang="en-US" sz="4000" dirty="0">
                           <a:solidFill>
                             <a:srgbClr val="083FA4"/>
                           </a:solidFill>
@@ -12840,11 +12253,11 @@
                         <a:t>if (</a:t>
                       </a:r>
                       <a:r>
-                        <a:rPr lang="en-US" altLang="en-US" sz="4000" i="1" dirty="0" smtClean="0"/>
+                        <a:rPr lang="en-US" altLang="en-US" sz="4000" i="1" dirty="0"/>
                         <a:t>condition</a:t>
                       </a:r>
                       <a:r>
-                        <a:rPr lang="en-US" altLang="en-US" sz="4000" kern="1200" dirty="0" smtClean="0">
+                        <a:rPr lang="en-US" altLang="en-US" sz="4000" kern="1200" dirty="0">
                           <a:solidFill>
                             <a:srgbClr val="083FA4"/>
                           </a:solidFill>
@@ -12854,15 +12267,11 @@
                         </a:rPr>
                         <a:t>)</a:t>
                       </a:r>
-                      <a:r>
-                        <a:rPr lang="en-US" altLang="en-US" sz="4000" dirty="0" smtClean="0"/>
-                        <a:t/>
-                      </a:r>
                       <a:br>
-                        <a:rPr lang="en-US" altLang="en-US" sz="4000" dirty="0" smtClean="0"/>
+                        <a:rPr lang="en-US" altLang="en-US" sz="4000" dirty="0"/>
                       </a:br>
                       <a:r>
-                        <a:rPr lang="en-US" altLang="en-US" sz="4000" kern="1200" dirty="0" smtClean="0">
+                        <a:rPr lang="en-US" altLang="en-US" sz="4000" kern="1200" dirty="0">
                           <a:solidFill>
                             <a:srgbClr val="083FA4"/>
                           </a:solidFill>
@@ -12887,7 +12296,7 @@
                         <a:buNone/>
                       </a:pPr>
                       <a:r>
-                        <a:rPr lang="en-US" altLang="en-US" sz="4000" i="1" dirty="0" smtClean="0"/>
+                        <a:rPr lang="en-US" altLang="en-US" sz="4000" i="1" dirty="0"/>
                         <a:t>   statements</a:t>
                       </a:r>
                     </a:p>
@@ -12905,7 +12314,7 @@
                         <a:buNone/>
                       </a:pPr>
                       <a:r>
-                        <a:rPr lang="en-US" altLang="en-US" sz="4000" kern="1200" dirty="0" smtClean="0">
+                        <a:rPr lang="en-US" altLang="en-US" sz="4000" kern="1200" dirty="0">
                           <a:solidFill>
                             <a:srgbClr val="083FA4"/>
                           </a:solidFill>
@@ -12937,7 +12346,7 @@
                         <a:buNone/>
                       </a:pPr>
                       <a:r>
-                        <a:rPr lang="en-US" altLang="en-US" sz="4000" dirty="0" smtClean="0">
+                        <a:rPr lang="en-US" altLang="en-US" sz="4000" dirty="0">
                           <a:solidFill>
                             <a:srgbClr val="083FA4"/>
                           </a:solidFill>
@@ -12945,11 +12354,11 @@
                         <a:t>if (</a:t>
                       </a:r>
                       <a:r>
-                        <a:rPr lang="en-US" altLang="en-US" sz="4000" i="1" dirty="0" smtClean="0"/>
+                        <a:rPr lang="en-US" altLang="en-US" sz="4000" i="1" dirty="0"/>
                         <a:t>condition</a:t>
                       </a:r>
                       <a:r>
-                        <a:rPr lang="en-US" altLang="en-US" sz="4000" kern="1200" dirty="0" smtClean="0">
+                        <a:rPr lang="en-US" altLang="en-US" sz="4000" kern="1200" dirty="0">
                           <a:solidFill>
                             <a:srgbClr val="083FA4"/>
                           </a:solidFill>
@@ -12959,15 +12368,11 @@
                         </a:rPr>
                         <a:t>)</a:t>
                       </a:r>
-                      <a:r>
-                        <a:rPr lang="en-US" altLang="en-US" sz="4000" dirty="0" smtClean="0"/>
-                        <a:t/>
-                      </a:r>
                       <a:br>
-                        <a:rPr lang="en-US" altLang="en-US" sz="4000" dirty="0" smtClean="0"/>
+                        <a:rPr lang="en-US" altLang="en-US" sz="4000" dirty="0"/>
                       </a:br>
                       <a:r>
-                        <a:rPr lang="en-US" altLang="en-US" sz="4000" kern="1200" dirty="0" smtClean="0">
+                        <a:rPr lang="en-US" altLang="en-US" sz="4000" kern="1200" dirty="0">
                           <a:solidFill>
                             <a:srgbClr val="083FA4"/>
                           </a:solidFill>
@@ -12992,7 +12397,7 @@
                         <a:buNone/>
                       </a:pPr>
                       <a:r>
-                        <a:rPr lang="en-US" altLang="en-US" sz="4000" i="1" dirty="0" smtClean="0"/>
+                        <a:rPr lang="en-US" altLang="en-US" sz="4000" i="1" dirty="0"/>
                         <a:t>   statements</a:t>
                       </a:r>
                     </a:p>
@@ -13010,7 +12415,7 @@
                         <a:buNone/>
                       </a:pPr>
                       <a:r>
-                        <a:rPr lang="en-US" altLang="en-US" sz="4000" kern="1200" dirty="0" smtClean="0">
+                        <a:rPr lang="en-US" altLang="en-US" sz="4000" kern="1200" dirty="0">
                           <a:solidFill>
                             <a:srgbClr val="083FA4"/>
                           </a:solidFill>
@@ -13035,7 +12440,7 @@
                         <a:buNone/>
                       </a:pPr>
                       <a:r>
-                        <a:rPr lang="en-US" altLang="en-US" sz="4000" kern="1200" dirty="0" smtClean="0">
+                        <a:rPr lang="en-US" altLang="en-US" sz="4000" kern="1200" dirty="0">
                           <a:solidFill>
                             <a:srgbClr val="083FA4"/>
                           </a:solidFill>
@@ -13060,7 +12465,7 @@
                         <a:buNone/>
                       </a:pPr>
                       <a:r>
-                        <a:rPr lang="en-US" altLang="en-US" sz="4000" kern="1200" dirty="0" smtClean="0">
+                        <a:rPr lang="en-US" altLang="en-US" sz="4000" kern="1200" dirty="0">
                           <a:solidFill>
                             <a:srgbClr val="083FA4"/>
                           </a:solidFill>
@@ -13090,10 +12495,10 @@
                         <a:defRPr/>
                       </a:pPr>
                       <a:r>
-                        <a:rPr lang="en-US" altLang="en-US" sz="4000" i="1" dirty="0" smtClean="0"/>
+                        <a:rPr lang="en-US" altLang="en-US" sz="4000" i="1" dirty="0"/>
                         <a:t>   statements</a:t>
                       </a:r>
-                      <a:endParaRPr lang="en-US" altLang="en-US" sz="4000" kern="1200" dirty="0" smtClean="0">
+                      <a:endParaRPr lang="en-US" altLang="en-US" sz="4000" kern="1200" dirty="0">
                         <a:solidFill>
                           <a:srgbClr val="083FA4"/>
                         </a:solidFill>
@@ -13116,7 +12521,7 @@
                         <a:buNone/>
                       </a:pPr>
                       <a:r>
-                        <a:rPr lang="en-US" altLang="en-US" sz="4000" kern="1200" dirty="0" smtClean="0">
+                        <a:rPr lang="en-US" altLang="en-US" sz="4000" kern="1200" dirty="0">
                           <a:solidFill>
                             <a:srgbClr val="083FA4"/>
                           </a:solidFill>
@@ -13130,6 +12535,11 @@
                   </a:txBody>
                   <a:tcPr/>
                 </a:tc>
+                <a:extLst>
+                  <a:ext uri="{0D108BD9-81ED-4DB2-BD59-A6C34878D82A}">
+                    <a16:rowId xmlns:a16="http://schemas.microsoft.com/office/drawing/2014/main" val="10000"/>
+                  </a:ext>
+                </a:extLst>
               </a:tr>
             </a:tbl>
           </a:graphicData>
@@ -13145,13 +12555,6 @@
   <p:clrMapOvr>
     <a:masterClrMapping/>
   </p:clrMapOvr>
-  <p:timing>
-    <p:tnLst>
-      <p:par>
-        <p:cTn id="1" dur="indefinite" restart="never" nodeType="tmRoot"/>
-      </p:par>
-    </p:tnLst>
-  </p:timing>
 </p:sld>
 </file>
 
@@ -13188,7 +12591,7 @@
           <a:lstStyle/>
           <a:p>
             <a:r>
-              <a:rPr lang="en-US" altLang="en-US" dirty="0" smtClean="0"/>
+              <a:rPr lang="en-US" altLang="en-US" dirty="0"/>
               <a:t>Examples</a:t>
             </a:r>
             <a:endParaRPr lang="en-US" dirty="0"/>
@@ -13222,7 +12625,7 @@
           <a:lstStyle/>
           <a:p>
             <a:r>
-              <a:rPr lang="en-US" sz="2400" b="1" dirty="0" smtClean="0">
+              <a:rPr lang="en-US" sz="2400" b="1" dirty="0">
                 <a:solidFill>
                   <a:schemeClr val="accent1"/>
                 </a:solidFill>
@@ -13239,99 +12642,58 @@
                 <a:latin typeface="Courier New" panose="02070309020205020404" pitchFamily="49" charset="0"/>
                 <a:cs typeface="Courier New" panose="02070309020205020404" pitchFamily="49" charset="0"/>
               </a:rPr>
-              <a:t>i</a:t>
-            </a:r>
-            <a:r>
-              <a:rPr lang="en-US" sz="2400" b="1" dirty="0" smtClean="0">
+              <a:t>if</a:t>
+            </a:r>
+            <a:r>
+              <a:rPr lang="en-US" sz="2400" b="1" dirty="0">
+                <a:solidFill>
+                  <a:srgbClr val="3D0EEA"/>
+                </a:solidFill>
+                <a:latin typeface="Courier New" panose="02070309020205020404" pitchFamily="49" charset="0"/>
+                <a:cs typeface="Courier New" panose="02070309020205020404" pitchFamily="49" charset="0"/>
+              </a:rPr>
+              <a:t> </a:t>
+            </a:r>
+            <a:r>
+              <a:rPr lang="en-US" sz="2400" b="1" dirty="0">
+                <a:latin typeface="Courier New" panose="02070309020205020404" pitchFamily="49" charset="0"/>
+                <a:cs typeface="Courier New" panose="02070309020205020404" pitchFamily="49" charset="0"/>
+              </a:rPr>
+              <a:t>(amount &lt;= balance)</a:t>
+            </a:r>
+          </a:p>
+          <a:p>
+            <a:r>
+              <a:rPr lang="en-US" sz="2400" b="1" dirty="0">
                 <a:solidFill>
                   <a:srgbClr val="083FA4"/>
                 </a:solidFill>
                 <a:latin typeface="Courier New" panose="02070309020205020404" pitchFamily="49" charset="0"/>
                 <a:cs typeface="Courier New" panose="02070309020205020404" pitchFamily="49" charset="0"/>
               </a:rPr>
-              <a:t>f</a:t>
-            </a:r>
-            <a:r>
-              <a:rPr lang="en-US" sz="2400" b="1" dirty="0" smtClean="0">
-                <a:solidFill>
-                  <a:srgbClr val="3D0EEA"/>
-                </a:solidFill>
-                <a:latin typeface="Courier New" panose="02070309020205020404" pitchFamily="49" charset="0"/>
-                <a:cs typeface="Courier New" panose="02070309020205020404" pitchFamily="49" charset="0"/>
-              </a:rPr>
-              <a:t> </a:t>
-            </a:r>
-            <a:r>
-              <a:rPr lang="en-US" sz="2400" b="1" dirty="0" smtClean="0">
-                <a:latin typeface="Courier New" panose="02070309020205020404" pitchFamily="49" charset="0"/>
-                <a:cs typeface="Courier New" panose="02070309020205020404" pitchFamily="49" charset="0"/>
-              </a:rPr>
-              <a:t>(amount &lt;= balance)</a:t>
-            </a:r>
-          </a:p>
-          <a:p>
-            <a:r>
-              <a:rPr lang="en-US" sz="2400" b="1" dirty="0" smtClean="0">
-                <a:solidFill>
-                  <a:srgbClr val="083FA4"/>
-                </a:solidFill>
-                <a:latin typeface="Courier New" panose="02070309020205020404" pitchFamily="49" charset="0"/>
-                <a:cs typeface="Courier New" panose="02070309020205020404" pitchFamily="49" charset="0"/>
-              </a:rPr>
               <a:t>	{</a:t>
             </a:r>
           </a:p>
           <a:p>
-            <a:r>
-              <a:rPr lang="en-US" sz="2400" b="1" dirty="0" smtClean="0">
-                <a:latin typeface="Courier New" panose="02070309020205020404" pitchFamily="49" charset="0"/>
-                <a:cs typeface="Courier New" panose="02070309020205020404" pitchFamily="49" charset="0"/>
-              </a:rPr>
-              <a:t>	     balance </a:t>
-            </a:r>
             <a:r>
               <a:rPr lang="en-US" sz="2400" b="1" dirty="0">
                 <a:latin typeface="Courier New" panose="02070309020205020404" pitchFamily="49" charset="0"/>
                 <a:cs typeface="Courier New" panose="02070309020205020404" pitchFamily="49" charset="0"/>
               </a:rPr>
-              <a:t>= balance – </a:t>
-            </a:r>
-            <a:r>
-              <a:rPr lang="en-US" sz="2400" b="1" dirty="0" smtClean="0">
-                <a:latin typeface="Courier New" panose="02070309020205020404" pitchFamily="49" charset="0"/>
-                <a:cs typeface="Courier New" panose="02070309020205020404" pitchFamily="49" charset="0"/>
-              </a:rPr>
-              <a:t>amount</a:t>
-            </a:r>
-          </a:p>
-          <a:p>
-            <a:r>
-              <a:rPr lang="en-US" sz="2400" b="1" dirty="0" smtClean="0">
+              <a:t>	     balance = balance – amount</a:t>
+            </a:r>
+          </a:p>
+          <a:p>
+            <a:r>
+              <a:rPr lang="en-US" sz="2400" b="1" dirty="0">
                 <a:solidFill>
                   <a:schemeClr val="accent1"/>
                 </a:solidFill>
                 <a:latin typeface="Courier New" panose="02070309020205020404" pitchFamily="49" charset="0"/>
                 <a:cs typeface="Courier New" panose="02070309020205020404" pitchFamily="49" charset="0"/>
               </a:rPr>
-              <a:t>	</a:t>
-            </a:r>
-            <a:r>
-              <a:rPr lang="en-US" sz="2400" b="1" dirty="0" smtClean="0">
-                <a:solidFill>
-                  <a:schemeClr val="accent1"/>
-                </a:solidFill>
-                <a:latin typeface="Courier New" panose="02070309020205020404" pitchFamily="49" charset="0"/>
-                <a:cs typeface="Courier New" panose="02070309020205020404" pitchFamily="49" charset="0"/>
-              </a:rPr>
-              <a:t>}</a:t>
-            </a:r>
-            <a:endParaRPr lang="en-US" sz="2400" b="1" dirty="0">
-              <a:solidFill>
-                <a:schemeClr val="accent1"/>
-              </a:solidFill>
-              <a:latin typeface="Courier New" panose="02070309020205020404" pitchFamily="49" charset="0"/>
-              <a:cs typeface="Courier New" panose="02070309020205020404" pitchFamily="49" charset="0"/>
-            </a:endParaRPr>
+              <a:t>	}</a:t>
+            </a:r>
           </a:p>
         </p:txBody>
       </p:sp>
@@ -13362,7 +12724,7 @@
           <a:lstStyle/>
           <a:p>
             <a:r>
-              <a:rPr lang="en-US" sz="2400" b="1" dirty="0" smtClean="0">
+              <a:rPr lang="en-US" sz="2400" b="1" dirty="0">
                 <a:solidFill>
                   <a:schemeClr val="accent1"/>
                 </a:solidFill>
@@ -13379,20 +12741,10 @@
                 <a:latin typeface="Courier New" panose="02070309020205020404" pitchFamily="49" charset="0"/>
                 <a:cs typeface="Courier New" panose="02070309020205020404" pitchFamily="49" charset="0"/>
               </a:rPr>
-              <a:t>i</a:t>
-            </a:r>
-            <a:r>
-              <a:rPr lang="en-US" sz="2400" b="1" dirty="0" smtClean="0">
-                <a:solidFill>
-                  <a:srgbClr val="083FA4"/>
-                </a:solidFill>
-                <a:latin typeface="Courier New" panose="02070309020205020404" pitchFamily="49" charset="0"/>
-                <a:cs typeface="Courier New" panose="02070309020205020404" pitchFamily="49" charset="0"/>
-              </a:rPr>
-              <a:t>f </a:t>
-            </a:r>
-            <a:r>
-              <a:rPr lang="en-US" sz="2400" b="1" dirty="0" smtClean="0">
+              <a:t>if </a:t>
+            </a:r>
+            <a:r>
+              <a:rPr lang="en-US" sz="2400" b="1" dirty="0">
                 <a:latin typeface="Courier New" panose="02070309020205020404" pitchFamily="49" charset="0"/>
                 <a:cs typeface="Courier New" panose="02070309020205020404" pitchFamily="49" charset="0"/>
               </a:rPr>
@@ -13408,35 +12760,14 @@
           </a:p>
           <a:p>
             <a:r>
-              <a:rPr lang="en-US" sz="2400" b="1" dirty="0" smtClean="0">
-                <a:latin typeface="Courier New" panose="02070309020205020404" pitchFamily="49" charset="0"/>
-                <a:cs typeface="Courier New" panose="02070309020205020404" pitchFamily="49" charset="0"/>
-              </a:rPr>
-              <a:t>	     balance </a:t>
-            </a:r>
-            <a:r>
               <a:rPr lang="en-US" sz="2400" b="1" dirty="0">
                 <a:latin typeface="Courier New" panose="02070309020205020404" pitchFamily="49" charset="0"/>
                 <a:cs typeface="Courier New" panose="02070309020205020404" pitchFamily="49" charset="0"/>
               </a:rPr>
-              <a:t>= balance – amount</a:t>
-            </a:r>
-            <a:endParaRPr lang="en-US" sz="2400" b="1" dirty="0" smtClean="0">
-              <a:latin typeface="Courier New" panose="02070309020205020404" pitchFamily="49" charset="0"/>
-              <a:cs typeface="Courier New" panose="02070309020205020404" pitchFamily="49" charset="0"/>
-            </a:endParaRPr>
-          </a:p>
-          <a:p>
-            <a:r>
-              <a:rPr lang="en-US" sz="2400" b="1" dirty="0" smtClean="0">
-                <a:solidFill>
-                  <a:srgbClr val="083FA4"/>
-                </a:solidFill>
-                <a:latin typeface="Courier New" panose="02070309020205020404" pitchFamily="49" charset="0"/>
-                <a:cs typeface="Courier New" panose="02070309020205020404" pitchFamily="49" charset="0"/>
-              </a:rPr>
-              <a:t>	</a:t>
-            </a:r>
+              <a:t>	     balance = balance – amount</a:t>
+            </a:r>
+          </a:p>
+          <a:p>
             <a:r>
               <a:rPr lang="en-US" sz="2400" b="1" dirty="0">
                 <a:solidFill>
@@ -13445,17 +12776,7 @@
                 <a:latin typeface="Courier New" panose="02070309020205020404" pitchFamily="49" charset="0"/>
                 <a:cs typeface="Courier New" panose="02070309020205020404" pitchFamily="49" charset="0"/>
               </a:rPr>
-              <a:t>e</a:t>
-            </a:r>
-            <a:r>
-              <a:rPr lang="en-US" sz="2400" b="1" dirty="0" smtClean="0">
-                <a:solidFill>
-                  <a:srgbClr val="083FA4"/>
-                </a:solidFill>
-                <a:latin typeface="Courier New" panose="02070309020205020404" pitchFamily="49" charset="0"/>
-                <a:cs typeface="Courier New" panose="02070309020205020404" pitchFamily="49" charset="0"/>
-              </a:rPr>
-              <a:t>lse</a:t>
+              <a:t>	else</a:t>
             </a:r>
           </a:p>
           <a:p>
@@ -13467,40 +12788,23 @@
                 <a:latin typeface="Courier New" panose="02070309020205020404" pitchFamily="49" charset="0"/>
                 <a:cs typeface="Courier New" panose="02070309020205020404" pitchFamily="49" charset="0"/>
               </a:rPr>
-              <a:t>	</a:t>
-            </a:r>
-            <a:r>
-              <a:rPr lang="en-US" sz="2400" b="1" dirty="0" smtClean="0">
-                <a:solidFill>
-                  <a:srgbClr val="3D0EEA"/>
-                </a:solidFill>
-                <a:latin typeface="Courier New" panose="02070309020205020404" pitchFamily="49" charset="0"/>
-                <a:cs typeface="Courier New" panose="02070309020205020404" pitchFamily="49" charset="0"/>
-              </a:rPr>
-              <a:t>	</a:t>
+              <a:t>		</a:t>
             </a:r>
             <a:r>
               <a:rPr lang="en-US" sz="2400" b="1" dirty="0">
                 <a:latin typeface="Courier New" panose="02070309020205020404" pitchFamily="49" charset="0"/>
                 <a:cs typeface="Courier New" panose="02070309020205020404" pitchFamily="49" charset="0"/>
               </a:rPr>
-              <a:t>balance = balance – </a:t>
-            </a:r>
-            <a:r>
-              <a:rPr lang="en-US" sz="2400" b="1" dirty="0" smtClean="0">
+              <a:t>balance = balance – amount – </a:t>
+            </a:r>
+            <a:r>
+              <a:rPr lang="en-US" sz="2400" b="1" dirty="0" err="1">
                 <a:latin typeface="Courier New" panose="02070309020205020404" pitchFamily="49" charset="0"/>
                 <a:cs typeface="Courier New" panose="02070309020205020404" pitchFamily="49" charset="0"/>
               </a:rPr>
-              <a:t>amount – </a:t>
-            </a:r>
-            <a:r>
-              <a:rPr lang="en-US" sz="2400" b="1" dirty="0" err="1" smtClean="0">
-                <a:latin typeface="Courier New" panose="02070309020205020404" pitchFamily="49" charset="0"/>
-                <a:cs typeface="Courier New" panose="02070309020205020404" pitchFamily="49" charset="0"/>
-              </a:rPr>
               <a:t>overdraftPenalty</a:t>
             </a:r>
-            <a:endParaRPr lang="en-US" sz="2400" b="1" dirty="0" smtClean="0">
+            <a:endParaRPr lang="en-US" sz="2400" b="1" dirty="0">
               <a:solidFill>
                 <a:srgbClr val="3D0EEA"/>
               </a:solidFill>
@@ -13520,13 +12824,6 @@
   <p:clrMapOvr>
     <a:masterClrMapping/>
   </p:clrMapOvr>
-  <p:timing>
-    <p:tnLst>
-      <p:par>
-        <p:cTn id="1" dur="indefinite" restart="never" nodeType="tmRoot"/>
-      </p:par>
-    </p:tnLst>
-  </p:timing>
 </p:sld>
 </file>
 
@@ -13585,7 +12882,7 @@
             <p:ph sz="quarter" idx="11"/>
             <p:extLst>
               <p:ext uri="{D42A27DB-BD31-4B8C-83A1-F6EECF244321}">
-                <p14:modId xmlns:p14="http://schemas.microsoft.com/office/powerpoint/2010/main" val="696750950"/>
+                <p14:modId xmlns:p14="http://schemas.microsoft.com/office/powerpoint/2010/main" val="3916322324"/>
               </p:ext>
             </p:extLst>
           </p:nvPr>
@@ -13601,8 +12898,20 @@
                 <a:tableStyleId>{5FD0F851-EC5A-4D38-B0AD-8093EC10F338}</a:tableStyleId>
               </a:tblPr>
               <a:tblGrid>
-                <a:gridCol w="3081337"/>
-                <a:gridCol w="8112125"/>
+                <a:gridCol w="3081337">
+                  <a:extLst>
+                    <a:ext uri="{9D8B030D-6E8A-4147-A177-3AD203B41FA5}">
+                      <a16:colId xmlns:a16="http://schemas.microsoft.com/office/drawing/2014/main" val="20000"/>
+                    </a:ext>
+                  </a:extLst>
+                </a:gridCol>
+                <a:gridCol w="8112125">
+                  <a:extLst>
+                    <a:ext uri="{9D8B030D-6E8A-4147-A177-3AD203B41FA5}">
+                      <a16:colId xmlns:a16="http://schemas.microsoft.com/office/drawing/2014/main" val="20001"/>
+                    </a:ext>
+                  </a:extLst>
+                </a:gridCol>
               </a:tblGrid>
               <a:tr h="370840">
                 <a:tc>
@@ -13612,10 +12921,9 @@
                     <a:p>
                       <a:pPr algn="ctr"/>
                       <a:r>
-                        <a:rPr lang="en-US" sz="4000" dirty="0" smtClean="0"/>
+                        <a:rPr lang="en-US" sz="4000" dirty="0"/>
                         <a:t>Operator</a:t>
                       </a:r>
-                      <a:endParaRPr lang="en-US" sz="4000" dirty="0"/>
                     </a:p>
                   </a:txBody>
                   <a:tcPr/>
@@ -13626,14 +12934,18 @@
                     <a:lstStyle/>
                     <a:p>
                       <a:r>
-                        <a:rPr lang="en-US" sz="4000" dirty="0" smtClean="0"/>
+                        <a:rPr lang="en-US" sz="4000" dirty="0"/>
                         <a:t>Description</a:t>
                       </a:r>
-                      <a:endParaRPr lang="en-US" sz="4000" dirty="0"/>
                     </a:p>
                   </a:txBody>
                   <a:tcPr/>
                 </a:tc>
+                <a:extLst>
+                  <a:ext uri="{0D108BD9-81ED-4DB2-BD59-A6C34878D82A}">
+                    <a16:rowId xmlns:a16="http://schemas.microsoft.com/office/drawing/2014/main" val="10000"/>
+                  </a:ext>
+                </a:extLst>
               </a:tr>
               <a:tr h="370840">
                 <a:tc>
@@ -13643,10 +12955,9 @@
                     <a:p>
                       <a:pPr algn="ctr"/>
                       <a:r>
-                        <a:rPr lang="en-US" sz="4000" dirty="0" smtClean="0"/>
+                        <a:rPr lang="en-US" sz="4000" dirty="0"/>
                         <a:t>&gt;</a:t>
                       </a:r>
-                      <a:endParaRPr lang="en-US" sz="4000" dirty="0"/>
                     </a:p>
                   </a:txBody>
                   <a:tcPr/>
@@ -13657,14 +12968,18 @@
                     <a:lstStyle/>
                     <a:p>
                       <a:r>
-                        <a:rPr lang="en-US" sz="4000" dirty="0" smtClean="0"/>
+                        <a:rPr lang="en-US" sz="4000" dirty="0"/>
                         <a:t>Greater than</a:t>
                       </a:r>
-                      <a:endParaRPr lang="en-US" sz="4000" dirty="0"/>
                     </a:p>
                   </a:txBody>
                   <a:tcPr/>
                 </a:tc>
+                <a:extLst>
+                  <a:ext uri="{0D108BD9-81ED-4DB2-BD59-A6C34878D82A}">
+                    <a16:rowId xmlns:a16="http://schemas.microsoft.com/office/drawing/2014/main" val="10001"/>
+                  </a:ext>
+                </a:extLst>
               </a:tr>
               <a:tr h="370840">
                 <a:tc>
@@ -13674,10 +12989,9 @@
                     <a:p>
                       <a:pPr algn="ctr"/>
                       <a:r>
-                        <a:rPr lang="en-US" sz="4000" dirty="0" smtClean="0"/>
+                        <a:rPr lang="en-US" sz="4000" dirty="0"/>
                         <a:t>&gt;=</a:t>
                       </a:r>
-                      <a:endParaRPr lang="en-US" sz="4000" dirty="0"/>
                     </a:p>
                   </a:txBody>
                   <a:tcPr/>
@@ -13688,14 +13002,18 @@
                     <a:lstStyle/>
                     <a:p>
                       <a:r>
-                        <a:rPr lang="en-US" sz="4000" dirty="0" smtClean="0"/>
+                        <a:rPr lang="en-US" sz="4000" dirty="0"/>
                         <a:t>Greater than or equal</a:t>
                       </a:r>
-                      <a:endParaRPr lang="en-US" sz="4000" dirty="0"/>
                     </a:p>
                   </a:txBody>
                   <a:tcPr/>
                 </a:tc>
+                <a:extLst>
+                  <a:ext uri="{0D108BD9-81ED-4DB2-BD59-A6C34878D82A}">
+                    <a16:rowId xmlns:a16="http://schemas.microsoft.com/office/drawing/2014/main" val="10002"/>
+                  </a:ext>
+                </a:extLst>
               </a:tr>
               <a:tr h="370840">
                 <a:tc>
@@ -13705,10 +13023,9 @@
                     <a:p>
                       <a:pPr algn="ctr"/>
                       <a:r>
-                        <a:rPr lang="en-US" sz="4000" dirty="0" smtClean="0"/>
+                        <a:rPr lang="en-US" sz="4000" dirty="0"/>
                         <a:t>&lt;</a:t>
                       </a:r>
-                      <a:endParaRPr lang="en-US" sz="4000" dirty="0"/>
                     </a:p>
                   </a:txBody>
                   <a:tcPr/>
@@ -13719,14 +13036,18 @@
                     <a:lstStyle/>
                     <a:p>
                       <a:r>
-                        <a:rPr lang="en-US" sz="4000" dirty="0" smtClean="0"/>
+                        <a:rPr lang="en-US" sz="4000" dirty="0"/>
                         <a:t>Less than</a:t>
                       </a:r>
-                      <a:endParaRPr lang="en-US" sz="4000" dirty="0"/>
                     </a:p>
                   </a:txBody>
                   <a:tcPr/>
                 </a:tc>
+                <a:extLst>
+                  <a:ext uri="{0D108BD9-81ED-4DB2-BD59-A6C34878D82A}">
+                    <a16:rowId xmlns:a16="http://schemas.microsoft.com/office/drawing/2014/main" val="10003"/>
+                  </a:ext>
+                </a:extLst>
               </a:tr>
               <a:tr h="370840">
                 <a:tc>
@@ -13736,10 +13057,9 @@
                     <a:p>
                       <a:pPr algn="ctr"/>
                       <a:r>
-                        <a:rPr lang="en-US" sz="4000" dirty="0" smtClean="0"/>
+                        <a:rPr lang="en-US" sz="4000" dirty="0"/>
                         <a:t>&lt;=</a:t>
                       </a:r>
-                      <a:endParaRPr lang="en-US" sz="4000" dirty="0"/>
                     </a:p>
                   </a:txBody>
                   <a:tcPr/>
@@ -13750,14 +13070,18 @@
                     <a:lstStyle/>
                     <a:p>
                       <a:r>
-                        <a:rPr lang="en-US" sz="4000" dirty="0" smtClean="0"/>
+                        <a:rPr lang="en-US" sz="4000" dirty="0"/>
                         <a:t>Less than or equal</a:t>
                       </a:r>
-                      <a:endParaRPr lang="en-US" sz="4000" dirty="0"/>
                     </a:p>
                   </a:txBody>
                   <a:tcPr/>
                 </a:tc>
+                <a:extLst>
+                  <a:ext uri="{0D108BD9-81ED-4DB2-BD59-A6C34878D82A}">
+                    <a16:rowId xmlns:a16="http://schemas.microsoft.com/office/drawing/2014/main" val="10004"/>
+                  </a:ext>
+                </a:extLst>
               </a:tr>
               <a:tr h="370840">
                 <a:tc>
@@ -13767,10 +13091,9 @@
                     <a:p>
                       <a:pPr algn="ctr"/>
                       <a:r>
-                        <a:rPr lang="en-US" sz="4000" dirty="0" smtClean="0"/>
-                        <a:t>=</a:t>
+                        <a:rPr lang="en-US" sz="4000" dirty="0"/>
+                        <a:t>==</a:t>
                       </a:r>
-                      <a:endParaRPr lang="en-US" sz="4000" dirty="0"/>
                     </a:p>
                   </a:txBody>
                   <a:tcPr/>
@@ -13781,14 +13104,18 @@
                     <a:lstStyle/>
                     <a:p>
                       <a:r>
-                        <a:rPr lang="en-US" sz="4000" dirty="0" smtClean="0"/>
+                        <a:rPr lang="en-US" sz="4000" dirty="0"/>
                         <a:t>Equal</a:t>
                       </a:r>
-                      <a:endParaRPr lang="en-US" sz="4000" dirty="0"/>
                     </a:p>
                   </a:txBody>
                   <a:tcPr/>
                 </a:tc>
+                <a:extLst>
+                  <a:ext uri="{0D108BD9-81ED-4DB2-BD59-A6C34878D82A}">
+                    <a16:rowId xmlns:a16="http://schemas.microsoft.com/office/drawing/2014/main" val="10005"/>
+                  </a:ext>
+                </a:extLst>
               </a:tr>
               <a:tr h="370840">
                 <a:tc>
@@ -13798,10 +13125,9 @@
                     <a:p>
                       <a:pPr algn="ctr"/>
                       <a:r>
-                        <a:rPr lang="en-US" sz="4000" dirty="0" smtClean="0"/>
-                        <a:t>&lt;&gt;</a:t>
+                        <a:rPr lang="en-US" sz="4000" dirty="0"/>
+                        <a:t>!=</a:t>
                       </a:r>
-                      <a:endParaRPr lang="en-US" sz="4000" dirty="0"/>
                     </a:p>
                   </a:txBody>
                   <a:tcPr/>
@@ -13812,14 +13138,18 @@
                     <a:lstStyle/>
                     <a:p>
                       <a:r>
-                        <a:rPr lang="en-US" sz="4000" dirty="0" smtClean="0"/>
+                        <a:rPr lang="en-US" sz="4000" dirty="0"/>
                         <a:t>Not equal</a:t>
                       </a:r>
-                      <a:endParaRPr lang="en-US" sz="4000" dirty="0"/>
                     </a:p>
                   </a:txBody>
                   <a:tcPr/>
                 </a:tc>
+                <a:extLst>
+                  <a:ext uri="{0D108BD9-81ED-4DB2-BD59-A6C34878D82A}">
+                    <a16:rowId xmlns:a16="http://schemas.microsoft.com/office/drawing/2014/main" val="10006"/>
+                  </a:ext>
+                </a:extLst>
               </a:tr>
             </a:tbl>
           </a:graphicData>
@@ -13835,13 +13165,6 @@
   <p:clrMapOvr>
     <a:masterClrMapping/>
   </p:clrMapOvr>
-  <p:timing>
-    <p:tnLst>
-      <p:par>
-        <p:cTn id="1" dur="indefinite" restart="never" nodeType="tmRoot"/>
-      </p:par>
-    </p:tnLst>
-  </p:timing>
 </p:sld>
 </file>
 
@@ -13916,8 +13239,20 @@
                 <a:tableStyleId>{2D5ABB26-0587-4C30-8999-92F81FD0307C}</a:tableStyleId>
               </a:tblPr>
               <a:tblGrid>
-                <a:gridCol w="5596731"/>
-                <a:gridCol w="5596731"/>
+                <a:gridCol w="5596731">
+                  <a:extLst>
+                    <a:ext uri="{9D8B030D-6E8A-4147-A177-3AD203B41FA5}">
+                      <a16:colId xmlns:a16="http://schemas.microsoft.com/office/drawing/2014/main" val="20000"/>
+                    </a:ext>
+                  </a:extLst>
+                </a:gridCol>
+                <a:gridCol w="5596731">
+                  <a:extLst>
+                    <a:ext uri="{9D8B030D-6E8A-4147-A177-3AD203B41FA5}">
+                      <a16:colId xmlns:a16="http://schemas.microsoft.com/office/drawing/2014/main" val="20001"/>
+                    </a:ext>
+                  </a:extLst>
+                </a:gridCol>
               </a:tblGrid>
               <a:tr h="370840">
                 <a:tc>
@@ -13943,7 +13278,7 @@
                         <a:defRPr/>
                       </a:pPr>
                       <a:r>
-                        <a:rPr kumimoji="0" lang="en-US" altLang="en-US" sz="2800" b="0" i="0" u="none" strike="noStrike" kern="1200" cap="none" spc="0" normalizeH="0" baseline="0" noProof="0" dirty="0" smtClean="0">
+                        <a:rPr kumimoji="0" lang="en-US" altLang="en-US" sz="2800" b="0" i="0" u="none" strike="noStrike" kern="1200" cap="none" spc="0" normalizeH="0" baseline="0" noProof="0" dirty="0">
                           <a:ln>
                             <a:noFill/>
                           </a:ln>
@@ -13960,7 +13295,7 @@
                         <a:t>if</a:t>
                       </a:r>
                       <a:r>
-                        <a:rPr kumimoji="0" lang="en-US" altLang="en-US" sz="2800" b="0" i="0" u="none" strike="noStrike" kern="1200" cap="none" spc="0" normalizeH="0" baseline="0" noProof="0" dirty="0" smtClean="0">
+                        <a:rPr kumimoji="0" lang="en-US" altLang="en-US" sz="2800" b="0" i="0" u="none" strike="noStrike" kern="1200" cap="none" spc="0" normalizeH="0" baseline="0" noProof="0" dirty="0">
                           <a:ln>
                             <a:noFill/>
                           </a:ln>
@@ -13977,7 +13312,7 @@
                         <a:t> (</a:t>
                       </a:r>
                       <a:r>
-                        <a:rPr kumimoji="0" lang="en-US" altLang="en-US" sz="2800" b="0" i="1" u="none" strike="noStrike" kern="1200" cap="none" spc="0" normalizeH="0" baseline="0" noProof="0" dirty="0" smtClean="0">
+                        <a:rPr kumimoji="0" lang="en-US" altLang="en-US" sz="2800" b="0" i="1" u="none" strike="noStrike" kern="1200" cap="none" spc="0" normalizeH="0" baseline="0" noProof="0" dirty="0">
                           <a:ln>
                             <a:noFill/>
                           </a:ln>
@@ -13994,7 +13329,7 @@
                         <a:t>condition1</a:t>
                       </a:r>
                       <a:r>
-                        <a:rPr kumimoji="0" lang="en-US" altLang="en-US" sz="2800" b="0" i="0" u="none" strike="noStrike" kern="1200" cap="none" spc="0" normalizeH="0" baseline="0" noProof="0" dirty="0" smtClean="0">
+                        <a:rPr kumimoji="0" lang="en-US" altLang="en-US" sz="2800" b="0" i="0" u="none" strike="noStrike" kern="1200" cap="none" spc="0" normalizeH="0" baseline="0" noProof="0" dirty="0">
                           <a:ln>
                             <a:noFill/>
                           </a:ln>
@@ -14011,7 +13346,7 @@
                         <a:t>)</a:t>
                       </a:r>
                       <a:br>
-                        <a:rPr kumimoji="0" lang="en-US" altLang="en-US" sz="2800" b="0" i="0" u="none" strike="noStrike" kern="1200" cap="none" spc="0" normalizeH="0" baseline="0" noProof="0" dirty="0" smtClean="0">
+                        <a:rPr kumimoji="0" lang="en-US" altLang="en-US" sz="2800" b="0" i="0" u="none" strike="noStrike" kern="1200" cap="none" spc="0" normalizeH="0" baseline="0" noProof="0" dirty="0">
                           <a:ln>
                             <a:noFill/>
                           </a:ln>
@@ -14027,7 +13362,7 @@
                         </a:rPr>
                       </a:br>
                       <a:r>
-                        <a:rPr kumimoji="0" lang="en-US" altLang="en-US" sz="2800" b="0" i="0" u="none" strike="noStrike" kern="1200" cap="none" spc="0" normalizeH="0" baseline="0" noProof="0" dirty="0" smtClean="0">
+                        <a:rPr kumimoji="0" lang="en-US" altLang="en-US" sz="2800" b="0" i="0" u="none" strike="noStrike" kern="1200" cap="none" spc="0" normalizeH="0" baseline="0" noProof="0" dirty="0">
                           <a:ln>
                             <a:noFill/>
                           </a:ln>
@@ -14044,7 +13379,7 @@
                         <a:t>   </a:t>
                       </a:r>
                       <a:r>
-                        <a:rPr kumimoji="0" lang="en-US" altLang="en-US" sz="2800" b="0" i="1" u="none" strike="noStrike" kern="1200" cap="none" spc="0" normalizeH="0" baseline="0" noProof="0" dirty="0" smtClean="0">
+                        <a:rPr kumimoji="0" lang="en-US" altLang="en-US" sz="2800" b="0" i="1" u="none" strike="noStrike" kern="1200" cap="none" spc="0" normalizeH="0" baseline="0" noProof="0" dirty="0">
                           <a:ln>
                             <a:noFill/>
                           </a:ln>
@@ -14060,25 +13395,8 @@
                         </a:rPr>
                         <a:t>statement1</a:t>
                       </a:r>
-                      <a:r>
-                        <a:rPr kumimoji="0" lang="en-US" altLang="en-US" sz="2800" b="0" i="0" u="none" strike="noStrike" kern="1200" cap="none" spc="0" normalizeH="0" baseline="0" noProof="0" dirty="0" smtClean="0">
-                          <a:ln>
-                            <a:noFill/>
-                          </a:ln>
-                          <a:solidFill>
-                            <a:prstClr val="black"/>
-                          </a:solidFill>
-                          <a:effectLst/>
-                          <a:uLnTx/>
-                          <a:uFillTx/>
-                          <a:latin typeface="+mn-lt"/>
-                          <a:ea typeface="+mn-ea"/>
-                          <a:cs typeface="+mn-cs"/>
-                        </a:rPr>
-                        <a:t/>
-                      </a:r>
                       <a:br>
-                        <a:rPr kumimoji="0" lang="en-US" altLang="en-US" sz="2800" b="0" i="0" u="none" strike="noStrike" kern="1200" cap="none" spc="0" normalizeH="0" baseline="0" noProof="0" dirty="0" smtClean="0">
+                        <a:rPr kumimoji="0" lang="en-US" altLang="en-US" sz="2800" b="0" i="0" u="none" strike="noStrike" kern="1200" cap="none" spc="0" normalizeH="0" baseline="0" noProof="0" dirty="0">
                           <a:ln>
                             <a:noFill/>
                           </a:ln>
@@ -14094,7 +13412,7 @@
                         </a:rPr>
                       </a:br>
                       <a:r>
-                        <a:rPr kumimoji="0" lang="en-US" altLang="en-US" sz="2800" b="0" i="0" u="none" strike="noStrike" kern="1200" cap="none" spc="0" normalizeH="0" baseline="0" noProof="0" dirty="0" smtClean="0">
+                        <a:rPr kumimoji="0" lang="en-US" altLang="en-US" sz="2800" b="0" i="0" u="none" strike="noStrike" kern="1200" cap="none" spc="0" normalizeH="0" baseline="0" noProof="0" dirty="0">
                           <a:ln>
                             <a:noFill/>
                           </a:ln>
@@ -14111,7 +13429,7 @@
                         <a:t>else if </a:t>
                       </a:r>
                       <a:r>
-                        <a:rPr kumimoji="0" lang="en-US" altLang="en-US" sz="2800" b="0" i="0" u="none" strike="noStrike" kern="1200" cap="none" spc="0" normalizeH="0" baseline="0" noProof="0" dirty="0" smtClean="0">
+                        <a:rPr kumimoji="0" lang="en-US" altLang="en-US" sz="2800" b="0" i="0" u="none" strike="noStrike" kern="1200" cap="none" spc="0" normalizeH="0" baseline="0" noProof="0" dirty="0">
                           <a:ln>
                             <a:noFill/>
                           </a:ln>
@@ -14128,7 +13446,7 @@
                         <a:t>(</a:t>
                       </a:r>
                       <a:r>
-                        <a:rPr kumimoji="0" lang="en-US" altLang="en-US" sz="2800" b="0" i="1" u="none" strike="noStrike" kern="1200" cap="none" spc="0" normalizeH="0" baseline="0" noProof="0" dirty="0" smtClean="0">
+                        <a:rPr kumimoji="0" lang="en-US" altLang="en-US" sz="2800" b="0" i="1" u="none" strike="noStrike" kern="1200" cap="none" spc="0" normalizeH="0" baseline="0" noProof="0" dirty="0">
                           <a:ln>
                             <a:noFill/>
                           </a:ln>
@@ -14144,25 +13462,8 @@
                         </a:rPr>
                         <a:t>condition2)</a:t>
                       </a:r>
-                      <a:r>
-                        <a:rPr kumimoji="0" lang="en-US" altLang="en-US" sz="2800" b="0" i="0" u="none" strike="noStrike" kern="1200" cap="none" spc="0" normalizeH="0" baseline="0" noProof="0" dirty="0" smtClean="0">
-                          <a:ln>
-                            <a:noFill/>
-                          </a:ln>
-                          <a:solidFill>
-                            <a:prstClr val="black"/>
-                          </a:solidFill>
-                          <a:effectLst/>
-                          <a:uLnTx/>
-                          <a:uFillTx/>
-                          <a:latin typeface="+mn-lt"/>
-                          <a:ea typeface="+mn-ea"/>
-                          <a:cs typeface="+mn-cs"/>
-                        </a:rPr>
-                        <a:t/>
-                      </a:r>
                       <a:br>
-                        <a:rPr kumimoji="0" lang="en-US" altLang="en-US" sz="2800" b="0" i="0" u="none" strike="noStrike" kern="1200" cap="none" spc="0" normalizeH="0" baseline="0" noProof="0" dirty="0" smtClean="0">
+                        <a:rPr kumimoji="0" lang="en-US" altLang="en-US" sz="2800" b="0" i="0" u="none" strike="noStrike" kern="1200" cap="none" spc="0" normalizeH="0" baseline="0" noProof="0" dirty="0">
                           <a:ln>
                             <a:noFill/>
                           </a:ln>
@@ -14178,7 +13479,7 @@
                         </a:rPr>
                       </a:br>
                       <a:r>
-                        <a:rPr kumimoji="0" lang="en-US" altLang="en-US" sz="2800" b="0" i="0" u="none" strike="noStrike" kern="1200" cap="none" spc="0" normalizeH="0" baseline="0" noProof="0" dirty="0" smtClean="0">
+                        <a:rPr kumimoji="0" lang="en-US" altLang="en-US" sz="2800" b="0" i="0" u="none" strike="noStrike" kern="1200" cap="none" spc="0" normalizeH="0" baseline="0" noProof="0" dirty="0">
                           <a:ln>
                             <a:noFill/>
                           </a:ln>
@@ -14195,7 +13496,7 @@
                         <a:t>   </a:t>
                       </a:r>
                       <a:r>
-                        <a:rPr kumimoji="0" lang="en-US" altLang="en-US" sz="2800" b="0" i="1" u="none" strike="noStrike" kern="1200" cap="none" spc="0" normalizeH="0" baseline="0" noProof="0" dirty="0" smtClean="0">
+                        <a:rPr kumimoji="0" lang="en-US" altLang="en-US" sz="2800" b="0" i="1" u="none" strike="noStrike" kern="1200" cap="none" spc="0" normalizeH="0" baseline="0" noProof="0" dirty="0">
                           <a:ln>
                             <a:noFill/>
                           </a:ln>
@@ -14211,25 +13512,8 @@
                         </a:rPr>
                         <a:t>statement2</a:t>
                       </a:r>
-                      <a:r>
-                        <a:rPr kumimoji="0" lang="en-US" altLang="en-US" sz="2800" b="0" i="0" u="none" strike="noStrike" kern="1200" cap="none" spc="0" normalizeH="0" baseline="0" noProof="0" dirty="0" smtClean="0">
-                          <a:ln>
-                            <a:noFill/>
-                          </a:ln>
-                          <a:solidFill>
-                            <a:prstClr val="black"/>
-                          </a:solidFill>
-                          <a:effectLst/>
-                          <a:uLnTx/>
-                          <a:uFillTx/>
-                          <a:latin typeface="+mn-lt"/>
-                          <a:ea typeface="+mn-ea"/>
-                          <a:cs typeface="+mn-cs"/>
-                        </a:rPr>
-                        <a:t/>
-                      </a:r>
                       <a:br>
-                        <a:rPr kumimoji="0" lang="en-US" altLang="en-US" sz="2800" b="0" i="0" u="none" strike="noStrike" kern="1200" cap="none" spc="0" normalizeH="0" baseline="0" noProof="0" dirty="0" smtClean="0">
+                        <a:rPr kumimoji="0" lang="en-US" altLang="en-US" sz="2800" b="0" i="0" u="none" strike="noStrike" kern="1200" cap="none" spc="0" normalizeH="0" baseline="0" noProof="0" dirty="0">
                           <a:ln>
                             <a:noFill/>
                           </a:ln>
@@ -14245,7 +13529,7 @@
                         </a:rPr>
                       </a:br>
                       <a:r>
-                        <a:rPr kumimoji="0" lang="en-US" altLang="en-US" sz="2800" b="0" i="0" u="none" strike="noStrike" kern="1200" cap="none" spc="0" normalizeH="0" baseline="0" noProof="0" dirty="0" smtClean="0">
+                        <a:rPr kumimoji="0" lang="en-US" altLang="en-US" sz="2800" b="0" i="0" u="none" strike="noStrike" kern="1200" cap="none" spc="0" normalizeH="0" baseline="0" noProof="0" dirty="0">
                           <a:ln>
                             <a:noFill/>
                           </a:ln>
@@ -14262,7 +13546,7 @@
                         <a:t>else if </a:t>
                       </a:r>
                       <a:r>
-                        <a:rPr kumimoji="0" lang="en-US" altLang="en-US" sz="2800" b="0" i="0" u="none" strike="noStrike" kern="1200" cap="none" spc="0" normalizeH="0" baseline="0" noProof="0" dirty="0" smtClean="0">
+                        <a:rPr kumimoji="0" lang="en-US" altLang="en-US" sz="2800" b="0" i="0" u="none" strike="noStrike" kern="1200" cap="none" spc="0" normalizeH="0" baseline="0" noProof="0" dirty="0">
                           <a:ln>
                             <a:noFill/>
                           </a:ln>
@@ -14279,7 +13563,7 @@
                         <a:t>(</a:t>
                       </a:r>
                       <a:r>
-                        <a:rPr kumimoji="0" lang="en-US" altLang="en-US" sz="2800" b="0" i="1" u="none" strike="noStrike" kern="1200" cap="none" spc="0" normalizeH="0" baseline="0" noProof="0" dirty="0" smtClean="0">
+                        <a:rPr kumimoji="0" lang="en-US" altLang="en-US" sz="2800" b="0" i="1" u="none" strike="noStrike" kern="1200" cap="none" spc="0" normalizeH="0" baseline="0" noProof="0" dirty="0">
                           <a:ln>
                             <a:noFill/>
                           </a:ln>
@@ -14295,25 +13579,8 @@
                         </a:rPr>
                         <a:t>condition3)</a:t>
                       </a:r>
-                      <a:r>
-                        <a:rPr kumimoji="0" lang="en-US" altLang="en-US" sz="2800" b="0" i="0" u="none" strike="noStrike" kern="1200" cap="none" spc="0" normalizeH="0" baseline="0" noProof="0" dirty="0" smtClean="0">
-                          <a:ln>
-                            <a:noFill/>
-                          </a:ln>
-                          <a:solidFill>
-                            <a:prstClr val="black"/>
-                          </a:solidFill>
-                          <a:effectLst/>
-                          <a:uLnTx/>
-                          <a:uFillTx/>
-                          <a:latin typeface="+mn-lt"/>
-                          <a:ea typeface="+mn-ea"/>
-                          <a:cs typeface="+mn-cs"/>
-                        </a:rPr>
-                        <a:t/>
-                      </a:r>
                       <a:br>
-                        <a:rPr kumimoji="0" lang="en-US" altLang="en-US" sz="2800" b="0" i="0" u="none" strike="noStrike" kern="1200" cap="none" spc="0" normalizeH="0" baseline="0" noProof="0" dirty="0" smtClean="0">
+                        <a:rPr kumimoji="0" lang="en-US" altLang="en-US" sz="2800" b="0" i="0" u="none" strike="noStrike" kern="1200" cap="none" spc="0" normalizeH="0" baseline="0" noProof="0" dirty="0">
                           <a:ln>
                             <a:noFill/>
                           </a:ln>
@@ -14329,7 +13596,7 @@
                         </a:rPr>
                       </a:br>
                       <a:r>
-                        <a:rPr kumimoji="0" lang="en-US" altLang="en-US" sz="2800" b="0" i="0" u="none" strike="noStrike" kern="1200" cap="none" spc="0" normalizeH="0" baseline="0" noProof="0" dirty="0" smtClean="0">
+                        <a:rPr kumimoji="0" lang="en-US" altLang="en-US" sz="2800" b="0" i="0" u="none" strike="noStrike" kern="1200" cap="none" spc="0" normalizeH="0" baseline="0" noProof="0" dirty="0">
                           <a:ln>
                             <a:noFill/>
                           </a:ln>
@@ -14346,7 +13613,7 @@
                         <a:t>   </a:t>
                       </a:r>
                       <a:r>
-                        <a:rPr kumimoji="0" lang="en-US" altLang="en-US" sz="2800" b="0" i="1" u="none" strike="noStrike" kern="1200" cap="none" spc="0" normalizeH="0" baseline="0" noProof="0" dirty="0" smtClean="0">
+                        <a:rPr kumimoji="0" lang="en-US" altLang="en-US" sz="2800" b="0" i="1" u="none" strike="noStrike" kern="1200" cap="none" spc="0" normalizeH="0" baseline="0" noProof="0" dirty="0">
                           <a:ln>
                             <a:noFill/>
                           </a:ln>
@@ -14362,25 +13629,8 @@
                         </a:rPr>
                         <a:t>statement3</a:t>
                       </a:r>
-                      <a:r>
-                        <a:rPr kumimoji="0" lang="en-US" altLang="en-US" sz="2800" b="0" i="0" u="none" strike="noStrike" kern="1200" cap="none" spc="0" normalizeH="0" baseline="0" noProof="0" dirty="0" smtClean="0">
-                          <a:ln>
-                            <a:noFill/>
-                          </a:ln>
-                          <a:solidFill>
-                            <a:prstClr val="black"/>
-                          </a:solidFill>
-                          <a:effectLst/>
-                          <a:uLnTx/>
-                          <a:uFillTx/>
-                          <a:latin typeface="+mn-lt"/>
-                          <a:ea typeface="+mn-ea"/>
-                          <a:cs typeface="+mn-cs"/>
-                        </a:rPr>
-                        <a:t/>
-                      </a:r>
                       <a:br>
-                        <a:rPr kumimoji="0" lang="en-US" altLang="en-US" sz="2800" b="0" i="0" u="none" strike="noStrike" kern="1200" cap="none" spc="0" normalizeH="0" baseline="0" noProof="0" dirty="0" smtClean="0">
+                        <a:rPr kumimoji="0" lang="en-US" altLang="en-US" sz="2800" b="0" i="0" u="none" strike="noStrike" kern="1200" cap="none" spc="0" normalizeH="0" baseline="0" noProof="0" dirty="0">
                           <a:ln>
                             <a:noFill/>
                           </a:ln>
@@ -14396,7 +13646,7 @@
                         </a:rPr>
                       </a:br>
                       <a:r>
-                        <a:rPr kumimoji="0" lang="en-US" altLang="en-US" sz="2800" b="0" i="0" u="none" strike="noStrike" kern="1200" cap="none" spc="0" normalizeH="0" baseline="0" noProof="0" dirty="0" smtClean="0">
+                        <a:rPr kumimoji="0" lang="en-US" altLang="en-US" sz="2800" b="0" i="0" u="none" strike="noStrike" kern="1200" cap="none" spc="0" normalizeH="0" baseline="0" noProof="0" dirty="0">
                           <a:ln>
                             <a:noFill/>
                           </a:ln>
@@ -14412,25 +13662,8 @@
                         </a:rPr>
                         <a:t>else</a:t>
                       </a:r>
-                      <a:r>
-                        <a:rPr kumimoji="0" lang="en-US" altLang="en-US" sz="2800" b="0" i="0" u="none" strike="noStrike" kern="1200" cap="none" spc="0" normalizeH="0" baseline="0" noProof="0" dirty="0" smtClean="0">
-                          <a:ln>
-                            <a:noFill/>
-                          </a:ln>
-                          <a:solidFill>
-                            <a:prstClr val="black"/>
-                          </a:solidFill>
-                          <a:effectLst/>
-                          <a:uLnTx/>
-                          <a:uFillTx/>
-                          <a:latin typeface="+mn-lt"/>
-                          <a:ea typeface="+mn-ea"/>
-                          <a:cs typeface="+mn-cs"/>
-                        </a:rPr>
-                        <a:t/>
-                      </a:r>
                       <a:br>
-                        <a:rPr kumimoji="0" lang="en-US" altLang="en-US" sz="2800" b="0" i="0" u="none" strike="noStrike" kern="1200" cap="none" spc="0" normalizeH="0" baseline="0" noProof="0" dirty="0" smtClean="0">
+                        <a:rPr kumimoji="0" lang="en-US" altLang="en-US" sz="2800" b="0" i="0" u="none" strike="noStrike" kern="1200" cap="none" spc="0" normalizeH="0" baseline="0" noProof="0" dirty="0">
                           <a:ln>
                             <a:noFill/>
                           </a:ln>
@@ -14446,7 +13679,7 @@
                         </a:rPr>
                       </a:br>
                       <a:r>
-                        <a:rPr kumimoji="0" lang="en-US" altLang="en-US" sz="2800" b="0" i="0" u="none" strike="noStrike" kern="1200" cap="none" spc="0" normalizeH="0" baseline="0" noProof="0" dirty="0" smtClean="0">
+                        <a:rPr kumimoji="0" lang="en-US" altLang="en-US" sz="2800" b="0" i="0" u="none" strike="noStrike" kern="1200" cap="none" spc="0" normalizeH="0" baseline="0" noProof="0" dirty="0">
                           <a:ln>
                             <a:noFill/>
                           </a:ln>
@@ -14463,7 +13696,7 @@
                         <a:t>   </a:t>
                       </a:r>
                       <a:r>
-                        <a:rPr kumimoji="0" lang="en-US" altLang="en-US" sz="2800" b="0" i="1" u="none" strike="noStrike" kern="1200" cap="none" spc="0" normalizeH="0" baseline="0" noProof="0" dirty="0" smtClean="0">
+                        <a:rPr kumimoji="0" lang="en-US" altLang="en-US" sz="2800" b="0" i="1" u="none" strike="noStrike" kern="1200" cap="none" spc="0" normalizeH="0" baseline="0" noProof="0" dirty="0">
                           <a:ln>
                             <a:noFill/>
                           </a:ln>
@@ -14502,7 +13735,7 @@
                         <a:buChar char="•"/>
                       </a:pPr>
                       <a:r>
-                        <a:rPr lang="en-US" altLang="en-US" sz="3600" dirty="0" smtClean="0"/>
+                        <a:rPr lang="en-US" altLang="en-US" sz="3600" dirty="0"/>
                         <a:t>The first matching condition is executed</a:t>
                       </a:r>
                     </a:p>
@@ -14521,7 +13754,7 @@
                         <a:buChar char="•"/>
                       </a:pPr>
                       <a:r>
-                        <a:rPr lang="en-US" altLang="en-US" sz="3600" dirty="0" smtClean="0"/>
+                        <a:rPr lang="en-US" altLang="en-US" sz="3600" dirty="0"/>
                         <a:t>Order matters</a:t>
                       </a:r>
                     </a:p>
@@ -14531,6 +13764,11 @@
                   </a:txBody>
                   <a:tcPr/>
                 </a:tc>
+                <a:extLst>
+                  <a:ext uri="{0D108BD9-81ED-4DB2-BD59-A6C34878D82A}">
+                    <a16:rowId xmlns:a16="http://schemas.microsoft.com/office/drawing/2014/main" val="10000"/>
+                  </a:ext>
+                </a:extLst>
               </a:tr>
             </a:tbl>
           </a:graphicData>
@@ -14546,13 +13784,6 @@
   <p:clrMapOvr>
     <a:masterClrMapping/>
   </p:clrMapOvr>
-  <p:timing>
-    <p:tnLst>
-      <p:par>
-        <p:cTn id="1" dur="indefinite" restart="never" nodeType="tmRoot"/>
-      </p:par>
-    </p:tnLst>
-  </p:timing>
 </p:sld>
 </file>
 
